--- a/downloads/Arcanoid Generico.pptx
+++ b/downloads/Arcanoid Generico.pptx
@@ -12,21 +12,22 @@
     <p:sldId id="276" r:id="rId6"/>
     <p:sldId id="259" r:id="rId7"/>
     <p:sldId id="260" r:id="rId8"/>
-    <p:sldId id="261" r:id="rId9"/>
-    <p:sldId id="262" r:id="rId10"/>
-    <p:sldId id="263" r:id="rId11"/>
-    <p:sldId id="264" r:id="rId12"/>
-    <p:sldId id="265" r:id="rId13"/>
-    <p:sldId id="266" r:id="rId14"/>
-    <p:sldId id="267" r:id="rId15"/>
-    <p:sldId id="268" r:id="rId16"/>
-    <p:sldId id="269" r:id="rId17"/>
-    <p:sldId id="270" r:id="rId18"/>
-    <p:sldId id="271" r:id="rId19"/>
-    <p:sldId id="272" r:id="rId20"/>
-    <p:sldId id="273" r:id="rId21"/>
-    <p:sldId id="274" r:id="rId22"/>
-    <p:sldId id="279" r:id="rId23"/>
+    <p:sldId id="280" r:id="rId9"/>
+    <p:sldId id="261" r:id="rId10"/>
+    <p:sldId id="262" r:id="rId11"/>
+    <p:sldId id="263" r:id="rId12"/>
+    <p:sldId id="264" r:id="rId13"/>
+    <p:sldId id="265" r:id="rId14"/>
+    <p:sldId id="266" r:id="rId15"/>
+    <p:sldId id="267" r:id="rId16"/>
+    <p:sldId id="268" r:id="rId17"/>
+    <p:sldId id="269" r:id="rId18"/>
+    <p:sldId id="270" r:id="rId19"/>
+    <p:sldId id="271" r:id="rId20"/>
+    <p:sldId id="272" r:id="rId21"/>
+    <p:sldId id="273" r:id="rId22"/>
+    <p:sldId id="274" r:id="rId23"/>
+    <p:sldId id="279" r:id="rId24"/>
   </p:sldIdLst>
   <p:sldSz cx="12192000" cy="6858000"/>
   <p:notesSz cx="6858000" cy="9144000"/>
@@ -282,7 +283,7 @@
           <a:p>
             <a:fld id="{510BD823-7A3B-4C84-8F1F-49E6B3A2FC7C}" type="datetimeFigureOut">
               <a:rPr lang="en-US" smtClean="0"/>
-              <a:t>6/10/2024</a:t>
+              <a:t>6/12/2024</a:t>
             </a:fld>
             <a:endParaRPr lang="en-US"/>
           </a:p>
@@ -482,7 +483,7 @@
           <a:p>
             <a:fld id="{510BD823-7A3B-4C84-8F1F-49E6B3A2FC7C}" type="datetimeFigureOut">
               <a:rPr lang="en-US" smtClean="0"/>
-              <a:t>6/10/2024</a:t>
+              <a:t>6/12/2024</a:t>
             </a:fld>
             <a:endParaRPr lang="en-US"/>
           </a:p>
@@ -692,7 +693,7 @@
           <a:p>
             <a:fld id="{510BD823-7A3B-4C84-8F1F-49E6B3A2FC7C}" type="datetimeFigureOut">
               <a:rPr lang="en-US" smtClean="0"/>
-              <a:t>6/10/2024</a:t>
+              <a:t>6/12/2024</a:t>
             </a:fld>
             <a:endParaRPr lang="en-US"/>
           </a:p>
@@ -892,7 +893,7 @@
           <a:p>
             <a:fld id="{510BD823-7A3B-4C84-8F1F-49E6B3A2FC7C}" type="datetimeFigureOut">
               <a:rPr lang="en-US" smtClean="0"/>
-              <a:t>6/10/2024</a:t>
+              <a:t>6/12/2024</a:t>
             </a:fld>
             <a:endParaRPr lang="en-US"/>
           </a:p>
@@ -1168,7 +1169,7 @@
           <a:p>
             <a:fld id="{510BD823-7A3B-4C84-8F1F-49E6B3A2FC7C}" type="datetimeFigureOut">
               <a:rPr lang="en-US" smtClean="0"/>
-              <a:t>6/10/2024</a:t>
+              <a:t>6/12/2024</a:t>
             </a:fld>
             <a:endParaRPr lang="en-US"/>
           </a:p>
@@ -1436,7 +1437,7 @@
           <a:p>
             <a:fld id="{510BD823-7A3B-4C84-8F1F-49E6B3A2FC7C}" type="datetimeFigureOut">
               <a:rPr lang="en-US" smtClean="0"/>
-              <a:t>6/10/2024</a:t>
+              <a:t>6/12/2024</a:t>
             </a:fld>
             <a:endParaRPr lang="en-US"/>
           </a:p>
@@ -1851,7 +1852,7 @@
           <a:p>
             <a:fld id="{510BD823-7A3B-4C84-8F1F-49E6B3A2FC7C}" type="datetimeFigureOut">
               <a:rPr lang="en-US" smtClean="0"/>
-              <a:t>6/10/2024</a:t>
+              <a:t>6/12/2024</a:t>
             </a:fld>
             <a:endParaRPr lang="en-US"/>
           </a:p>
@@ -1993,7 +1994,7 @@
           <a:p>
             <a:fld id="{510BD823-7A3B-4C84-8F1F-49E6B3A2FC7C}" type="datetimeFigureOut">
               <a:rPr lang="en-US" smtClean="0"/>
-              <a:t>6/10/2024</a:t>
+              <a:t>6/12/2024</a:t>
             </a:fld>
             <a:endParaRPr lang="en-US"/>
           </a:p>
@@ -2106,7 +2107,7 @@
           <a:p>
             <a:fld id="{510BD823-7A3B-4C84-8F1F-49E6B3A2FC7C}" type="datetimeFigureOut">
               <a:rPr lang="en-US" smtClean="0"/>
-              <a:t>6/10/2024</a:t>
+              <a:t>6/12/2024</a:t>
             </a:fld>
             <a:endParaRPr lang="en-US"/>
           </a:p>
@@ -2419,7 +2420,7 @@
           <a:p>
             <a:fld id="{510BD823-7A3B-4C84-8F1F-49E6B3A2FC7C}" type="datetimeFigureOut">
               <a:rPr lang="en-US" smtClean="0"/>
-              <a:t>6/10/2024</a:t>
+              <a:t>6/12/2024</a:t>
             </a:fld>
             <a:endParaRPr lang="en-US"/>
           </a:p>
@@ -2708,7 +2709,7 @@
           <a:p>
             <a:fld id="{510BD823-7A3B-4C84-8F1F-49E6B3A2FC7C}" type="datetimeFigureOut">
               <a:rPr lang="en-US" smtClean="0"/>
-              <a:t>6/10/2024</a:t>
+              <a:t>6/12/2024</a:t>
             </a:fld>
             <a:endParaRPr lang="en-US"/>
           </a:p>
@@ -2951,7 +2952,7 @@
           <a:p>
             <a:fld id="{510BD823-7A3B-4C84-8F1F-49E6B3A2FC7C}" type="datetimeFigureOut">
               <a:rPr lang="en-US" smtClean="0"/>
-              <a:t>6/10/2024</a:t>
+              <a:t>6/12/2024</a:t>
             </a:fld>
             <a:endParaRPr lang="en-US"/>
           </a:p>
@@ -3584,7 +3585,7 @@
           <a:p>
             <a:r>
               <a:rPr lang="pt-BR" b="1" dirty="0"/>
-              <a:t>Vamos Criar a Colisão do Piso</a:t>
+              <a:t>Vamos Criar as Colisões das Paredes/Colunas</a:t>
             </a:r>
             <a:endParaRPr lang="en-US" b="1" dirty="0"/>
           </a:p>
@@ -3613,7 +3614,7 @@
           <a:p>
             <a:r>
               <a:rPr lang="pt-BR" dirty="0"/>
-              <a:t>Para o piso, adicione “</a:t>
+              <a:t>Para as paredes, adicione “</a:t>
             </a:r>
             <a:r>
               <a:rPr lang="pt-BR" dirty="0" err="1"/>
@@ -3657,6 +3658,42 @@
           <a:p>
             <a:r>
               <a:rPr lang="pt-BR" dirty="0"/>
+              <a:t>Em </a:t>
+            </a:r>
+            <a:r>
+              <a:rPr lang="pt-BR" dirty="0" err="1"/>
+              <a:t>Rigidbody</a:t>
+            </a:r>
+            <a:r>
+              <a:rPr lang="pt-BR" dirty="0"/>
+              <a:t> 2D, insira o material </a:t>
+            </a:r>
+            <a:r>
+              <a:rPr lang="pt-BR" dirty="0" err="1"/>
+              <a:t>Bounce</a:t>
+            </a:r>
+            <a:r>
+              <a:rPr lang="pt-BR" dirty="0"/>
+              <a:t>;</a:t>
+            </a:r>
+          </a:p>
+          <a:p>
+            <a:r>
+              <a:rPr lang="pt-BR" dirty="0"/>
+              <a:t>Em </a:t>
+            </a:r>
+            <a:r>
+              <a:rPr lang="pt-BR" dirty="0" err="1"/>
+              <a:t>Rigidbody</a:t>
+            </a:r>
+            <a:r>
+              <a:rPr lang="pt-BR" dirty="0"/>
+              <a:t> 2D, em Mass (Massa), coloque 1000;</a:t>
+            </a:r>
+          </a:p>
+          <a:p>
+            <a:r>
+              <a:rPr lang="pt-BR" dirty="0"/>
               <a:t>Em Box </a:t>
             </a:r>
             <a:r>
@@ -3690,6 +3727,27 @@
             <a:r>
               <a:rPr lang="pt-BR" dirty="0"/>
               <a:t>.</a:t>
+            </a:r>
+          </a:p>
+          <a:p>
+            <a:endParaRPr lang="pt-BR" dirty="0"/>
+          </a:p>
+          <a:p>
+            <a:r>
+              <a:rPr lang="pt-BR" b="1" dirty="0"/>
+              <a:t>Observação</a:t>
+            </a:r>
+            <a:r>
+              <a:rPr lang="pt-BR" dirty="0"/>
+              <a:t>: Nenhum limite de colisão, deve </a:t>
+            </a:r>
+            <a:r>
+              <a:rPr lang="pt-BR" dirty="0" err="1"/>
+              <a:t>encontar</a:t>
+            </a:r>
+            <a:r>
+              <a:rPr lang="pt-BR" dirty="0"/>
+              <a:t> em outro limite de colisão para evitar bugs.</a:t>
             </a:r>
           </a:p>
           <a:p>
@@ -3700,7 +3758,7 @@
     </p:spTree>
     <p:extLst>
       <p:ext uri="{BB962C8B-B14F-4D97-AF65-F5344CB8AC3E}">
-        <p14:creationId xmlns:p14="http://schemas.microsoft.com/office/powerpoint/2010/main" val="3815840504"/>
+        <p14:creationId xmlns:p14="http://schemas.microsoft.com/office/powerpoint/2010/main" val="1046294572"/>
       </p:ext>
     </p:extLst>
   </p:cSld>
@@ -3732,7 +3790,7 @@
           <p:cNvPr id="2" name="Título 1">
             <a:extLst>
               <a:ext uri="{FF2B5EF4-FFF2-40B4-BE49-F238E27FC236}">
-                <a16:creationId xmlns:a16="http://schemas.microsoft.com/office/drawing/2014/main" id="{E24911FC-CC46-E044-5B74-82EB4DAD6789}"/>
+                <a16:creationId xmlns:a16="http://schemas.microsoft.com/office/drawing/2014/main" id="{128F9A92-69BF-3D5B-1CBD-BB061BB8678A}"/>
               </a:ext>
             </a:extLst>
           </p:cNvPr>
@@ -3750,7 +3808,7 @@
           <a:p>
             <a:r>
               <a:rPr lang="pt-BR" b="1" dirty="0"/>
-              <a:t>Agora Vamos Adicionar a Bola e Jogador</a:t>
+              <a:t>Vamos Criar a Colisão do Piso</a:t>
             </a:r>
             <a:endParaRPr lang="en-US" b="1" dirty="0"/>
           </a:p>
@@ -3761,7 +3819,7 @@
           <p:cNvPr id="3" name="Espaço Reservado para Conteúdo 2">
             <a:extLst>
               <a:ext uri="{FF2B5EF4-FFF2-40B4-BE49-F238E27FC236}">
-                <a16:creationId xmlns:a16="http://schemas.microsoft.com/office/drawing/2014/main" id="{416C5F21-CE70-F442-8753-B0B55C08A140}"/>
+                <a16:creationId xmlns:a16="http://schemas.microsoft.com/office/drawing/2014/main" id="{F515C64B-5744-0F5B-BD77-5C71D80D9EFA}"/>
               </a:ext>
             </a:extLst>
           </p:cNvPr>
@@ -3779,59 +3837,83 @@
           <a:p>
             <a:r>
               <a:rPr lang="pt-BR" dirty="0"/>
-              <a:t>Arraste o sprite “</a:t>
+              <a:t>Para o piso, adicione “</a:t>
             </a:r>
             <a:r>
               <a:rPr lang="pt-BR" dirty="0" err="1"/>
-              <a:t>AsteroidSprite</a:t>
-            </a:r>
-            <a:r>
-              <a:rPr lang="pt-BR" dirty="0"/>
-              <a:t>” para cima do </a:t>
+              <a:t>Rigidbody</a:t>
+            </a:r>
+            <a:r>
+              <a:rPr lang="pt-BR" dirty="0"/>
+              <a:t> 2D” e “Box </a:t>
             </a:r>
             <a:r>
               <a:rPr lang="pt-BR" dirty="0" err="1"/>
-              <a:t>GameObject</a:t>
-            </a:r>
-            <a:r>
-              <a:rPr lang="pt-BR" dirty="0"/>
-              <a:t> (</a:t>
+              <a:t>Collider</a:t>
+            </a:r>
+            <a:r>
+              <a:rPr lang="pt-BR" dirty="0"/>
+              <a:t> 2D”;</a:t>
+            </a:r>
+          </a:p>
+          <a:p>
+            <a:r>
+              <a:rPr lang="pt-BR" dirty="0"/>
+              <a:t> Em </a:t>
             </a:r>
             <a:r>
               <a:rPr lang="pt-BR" dirty="0" err="1"/>
-              <a:t>Cenario</a:t>
-            </a:r>
-            <a:r>
-              <a:rPr lang="pt-BR" dirty="0"/>
-              <a:t>) e solte, aperte F2 e renomeie para “Bola”;</a:t>
-            </a:r>
-          </a:p>
-          <a:p>
-            <a:r>
-              <a:rPr lang="pt-BR" dirty="0"/>
-              <a:t>Arraste o sprite “PlankSprite_0” para cima do </a:t>
+              <a:t>Rigidbody</a:t>
+            </a:r>
+            <a:r>
+              <a:rPr lang="pt-BR" dirty="0"/>
+              <a:t> 2D, em </a:t>
             </a:r>
             <a:r>
               <a:rPr lang="pt-BR" dirty="0" err="1"/>
-              <a:t>GameObject</a:t>
-            </a:r>
-            <a:r>
-              <a:rPr lang="pt-BR" dirty="0"/>
-              <a:t> (</a:t>
+              <a:t>Constraints</a:t>
+            </a:r>
+            <a:r>
+              <a:rPr lang="pt-BR" dirty="0"/>
+              <a:t> ative X, Y e Z para ficarem fixos;</a:t>
+            </a:r>
+          </a:p>
+          <a:p>
+            <a:r>
+              <a:rPr lang="pt-BR" dirty="0"/>
+              <a:t>Em Box </a:t>
             </a:r>
             <a:r>
               <a:rPr lang="pt-BR" dirty="0" err="1"/>
-              <a:t>Cenario</a:t>
-            </a:r>
-            <a:r>
-              <a:rPr lang="pt-BR" dirty="0"/>
-              <a:t>) e solte, aperte F2 e renomeie para “Jogador”;</a:t>
-            </a:r>
-          </a:p>
-          <a:p>
-            <a:r>
-              <a:rPr lang="pt-BR" dirty="0"/>
-              <a:t>Posicione e redimensione ambos como achar interessante.</a:t>
+              <a:t>Collider</a:t>
+            </a:r>
+            <a:r>
+              <a:rPr lang="pt-BR" dirty="0"/>
+              <a:t> 2D, ajuste </a:t>
+            </a:r>
+            <a:r>
+              <a:rPr lang="pt-BR" dirty="0" err="1"/>
+              <a:t>Size</a:t>
+            </a:r>
+            <a:r>
+              <a:rPr lang="pt-BR" dirty="0"/>
+              <a:t> para os limites de colisão desejados ou em </a:t>
+            </a:r>
+            <a:r>
+              <a:rPr lang="pt-BR" dirty="0" err="1"/>
+              <a:t>Edit</a:t>
+            </a:r>
+            <a:r>
+              <a:rPr lang="pt-BR" dirty="0"/>
+              <a:t> </a:t>
+            </a:r>
+            <a:r>
+              <a:rPr lang="pt-BR" dirty="0" err="1"/>
+              <a:t>Collider</a:t>
+            </a:r>
+            <a:r>
+              <a:rPr lang="pt-BR" dirty="0"/>
+              <a:t>.</a:t>
             </a:r>
           </a:p>
           <a:p>
@@ -3842,7 +3924,7 @@
     </p:spTree>
     <p:extLst>
       <p:ext uri="{BB962C8B-B14F-4D97-AF65-F5344CB8AC3E}">
-        <p14:creationId xmlns:p14="http://schemas.microsoft.com/office/powerpoint/2010/main" val="958214786"/>
+        <p14:creationId xmlns:p14="http://schemas.microsoft.com/office/powerpoint/2010/main" val="3815840504"/>
       </p:ext>
     </p:extLst>
   </p:cSld>
@@ -3874,7 +3956,7 @@
           <p:cNvPr id="2" name="Título 1">
             <a:extLst>
               <a:ext uri="{FF2B5EF4-FFF2-40B4-BE49-F238E27FC236}">
-                <a16:creationId xmlns:a16="http://schemas.microsoft.com/office/drawing/2014/main" id="{D58F4462-1DD1-F819-19D5-B11C8C6D2A94}"/>
+                <a16:creationId xmlns:a16="http://schemas.microsoft.com/office/drawing/2014/main" id="{E24911FC-CC46-E044-5B74-82EB4DAD6789}"/>
               </a:ext>
             </a:extLst>
           </p:cNvPr>
@@ -3892,7 +3974,7 @@
           <a:p>
             <a:r>
               <a:rPr lang="pt-BR" b="1" dirty="0"/>
-              <a:t>Vamos Configurar o Jogador</a:t>
+              <a:t>Agora Vamos Adicionar a Bola e Jogador</a:t>
             </a:r>
             <a:endParaRPr lang="en-US" b="1" dirty="0"/>
           </a:p>
@@ -3903,7 +3985,7 @@
           <p:cNvPr id="3" name="Espaço Reservado para Conteúdo 2">
             <a:extLst>
               <a:ext uri="{FF2B5EF4-FFF2-40B4-BE49-F238E27FC236}">
-                <a16:creationId xmlns:a16="http://schemas.microsoft.com/office/drawing/2014/main" id="{ADC72682-E1B2-D781-1467-5DB7FEFFF6B3}"/>
+                <a16:creationId xmlns:a16="http://schemas.microsoft.com/office/drawing/2014/main" id="{416C5F21-CE70-F442-8753-B0B55C08A140}"/>
               </a:ext>
             </a:extLst>
           </p:cNvPr>
@@ -3914,121 +3996,129 @@
             <p:ph idx="1"/>
           </p:nvPr>
         </p:nvSpPr>
-        <p:spPr/>
-        <p:txBody>
-          <a:bodyPr/>
+        <p:spPr>
+          <a:xfrm>
+            <a:off x="214746" y="1867189"/>
+            <a:ext cx="7831975" cy="4351338"/>
+          </a:xfrm>
+        </p:spPr>
+        <p:txBody>
+          <a:bodyPr>
+            <a:normAutofit fontScale="92500" lnSpcReduction="10000"/>
+          </a:bodyPr>
           <a:lstStyle/>
           <a:p>
             <a:r>
               <a:rPr lang="pt-BR" dirty="0"/>
-              <a:t>Para o Jogador, adicione “</a:t>
+              <a:t>Na pasta Sprites, arraste o sprite “</a:t>
             </a:r>
             <a:r>
               <a:rPr lang="pt-BR" dirty="0" err="1"/>
-              <a:t>Rigidbody</a:t>
-            </a:r>
-            <a:r>
-              <a:rPr lang="pt-BR" dirty="0"/>
-              <a:t> 2D” e “Box </a:t>
+              <a:t>AsteroidSprite</a:t>
+            </a:r>
+            <a:r>
+              <a:rPr lang="pt-BR" dirty="0"/>
+              <a:t>” para cima do </a:t>
             </a:r>
             <a:r>
               <a:rPr lang="pt-BR" dirty="0" err="1"/>
-              <a:t>Collider</a:t>
-            </a:r>
-            <a:r>
-              <a:rPr lang="pt-BR" dirty="0"/>
-              <a:t> 2D”;</a:t>
-            </a:r>
-          </a:p>
-          <a:p>
-            <a:r>
-              <a:rPr lang="pt-BR" dirty="0"/>
-              <a:t>Em </a:t>
+              <a:t>GameObject</a:t>
+            </a:r>
+            <a:r>
+              <a:rPr lang="pt-BR" dirty="0"/>
+              <a:t> (</a:t>
             </a:r>
             <a:r>
               <a:rPr lang="pt-BR" dirty="0" err="1"/>
-              <a:t>Rigidbody</a:t>
-            </a:r>
-            <a:r>
-              <a:rPr lang="pt-BR" dirty="0"/>
-              <a:t> 2D, em </a:t>
+              <a:t>Cenario</a:t>
+            </a:r>
+            <a:r>
+              <a:rPr lang="pt-BR" dirty="0"/>
+              <a:t>) e solte, aperte F2 e renomeie para “Bola”;</a:t>
+            </a:r>
+          </a:p>
+          <a:p>
+            <a:r>
+              <a:rPr lang="pt-BR" dirty="0"/>
+              <a:t>Arraste o sprite “PlankSprite_0” para cima do </a:t>
             </a:r>
             <a:r>
               <a:rPr lang="pt-BR" dirty="0" err="1"/>
-              <a:t>Constraints</a:t>
-            </a:r>
-            <a:r>
-              <a:rPr lang="pt-BR" dirty="0"/>
-              <a:t> ative somente Y e Z para ficarem fixos, pois o X será alterado pelo jogador;</a:t>
-            </a:r>
-          </a:p>
-          <a:p>
-            <a:r>
-              <a:rPr lang="pt-BR" dirty="0"/>
-              <a:t>Em </a:t>
+              <a:t>GameObject</a:t>
+            </a:r>
+            <a:r>
+              <a:rPr lang="pt-BR" dirty="0"/>
+              <a:t> (</a:t>
             </a:r>
             <a:r>
               <a:rPr lang="pt-BR" dirty="0" err="1"/>
-              <a:t>Rigidbody</a:t>
-            </a:r>
-            <a:r>
-              <a:rPr lang="pt-BR" dirty="0"/>
-              <a:t> 2D, insira o material </a:t>
-            </a:r>
-            <a:r>
-              <a:rPr lang="pt-BR" dirty="0" err="1"/>
-              <a:t>Bounce</a:t>
-            </a:r>
-            <a:r>
-              <a:rPr lang="pt-BR" dirty="0"/>
-              <a:t>;</a:t>
-            </a:r>
-          </a:p>
-          <a:p>
-            <a:r>
-              <a:rPr lang="pt-BR" dirty="0"/>
-              <a:t>Em </a:t>
-            </a:r>
-            <a:r>
-              <a:rPr lang="pt-BR" dirty="0" err="1"/>
-              <a:t>Rigidbody</a:t>
-            </a:r>
-            <a:r>
-              <a:rPr lang="pt-BR" dirty="0"/>
-              <a:t> 2D, em Mass (massa física), coloque 100;</a:t>
-            </a:r>
-          </a:p>
-          <a:p>
-            <a:r>
-              <a:rPr lang="pt-BR" dirty="0"/>
-              <a:t>Em Box </a:t>
-            </a:r>
-            <a:r>
-              <a:rPr lang="pt-BR" dirty="0" err="1"/>
-              <a:t>Collider</a:t>
-            </a:r>
-            <a:r>
-              <a:rPr lang="pt-BR" dirty="0"/>
-              <a:t> 2D, ajuste </a:t>
-            </a:r>
-            <a:r>
-              <a:rPr lang="pt-BR" dirty="0" err="1"/>
-              <a:t>Size</a:t>
-            </a:r>
-            <a:r>
-              <a:rPr lang="pt-BR" dirty="0"/>
-              <a:t> para os limites de colisão desejados.</a:t>
-            </a:r>
+              <a:t>Cenario</a:t>
+            </a:r>
+            <a:r>
+              <a:rPr lang="pt-BR" dirty="0"/>
+              <a:t>) e solte, aperte F2 e renomeie para “Jogador”;</a:t>
+            </a:r>
+          </a:p>
+          <a:p>
+            <a:r>
+              <a:rPr lang="pt-BR" dirty="0"/>
+              <a:t>Posicione e redimensione ambos como achar interessante.</a:t>
+            </a:r>
+          </a:p>
+          <a:p>
+            <a:endParaRPr lang="pt-BR" dirty="0"/>
+          </a:p>
+          <a:p>
+            <a:r>
+              <a:rPr lang="pt-BR" b="1" dirty="0"/>
+              <a:t>Ao compilar com play, já será possível ver algumas propriedades físicas funcionando.</a:t>
+            </a:r>
+          </a:p>
+          <a:p>
+            <a:pPr marL="0" indent="0">
+              <a:buNone/>
+            </a:pPr>
+            <a:endParaRPr lang="pt-BR" dirty="0"/>
           </a:p>
           <a:p>
             <a:endParaRPr lang="en-US" dirty="0"/>
           </a:p>
         </p:txBody>
       </p:sp>
+      <p:pic>
+        <p:nvPicPr>
+          <p:cNvPr id="5" name="Imagem 4">
+            <a:extLst>
+              <a:ext uri="{FF2B5EF4-FFF2-40B4-BE49-F238E27FC236}">
+                <a16:creationId xmlns:a16="http://schemas.microsoft.com/office/drawing/2014/main" id="{95675863-38F0-427B-85DE-89636BF2CF55}"/>
+              </a:ext>
+            </a:extLst>
+          </p:cNvPr>
+          <p:cNvPicPr>
+            <a:picLocks noChangeAspect="1"/>
+          </p:cNvPicPr>
+          <p:nvPr/>
+        </p:nvPicPr>
+        <p:blipFill>
+          <a:blip r:embed="rId2"/>
+          <a:stretch>
+            <a:fillRect/>
+          </a:stretch>
+        </p:blipFill>
+        <p:spPr>
+          <a:xfrm>
+            <a:off x="7955281" y="2087444"/>
+            <a:ext cx="4021974" cy="3595683"/>
+          </a:xfrm>
+          <a:prstGeom prst="rect">
+            <a:avLst/>
+          </a:prstGeom>
+        </p:spPr>
+      </p:pic>
     </p:spTree>
     <p:extLst>
       <p:ext uri="{BB962C8B-B14F-4D97-AF65-F5344CB8AC3E}">
-        <p14:creationId xmlns:p14="http://schemas.microsoft.com/office/powerpoint/2010/main" val="2286872110"/>
+        <p14:creationId xmlns:p14="http://schemas.microsoft.com/office/powerpoint/2010/main" val="958214786"/>
       </p:ext>
     </p:extLst>
   </p:cSld>
@@ -4078,7 +4168,7 @@
           <a:p>
             <a:r>
               <a:rPr lang="pt-BR" b="1" dirty="0"/>
-              <a:t>Vamos Configurar a Bola</a:t>
+              <a:t>Vamos Configurar o Jogador</a:t>
             </a:r>
             <a:endParaRPr lang="en-US" b="1" dirty="0"/>
           </a:p>
@@ -4102,14 +4192,12 @@
         </p:nvSpPr>
         <p:spPr/>
         <p:txBody>
-          <a:bodyPr>
-            <a:normAutofit fontScale="92500" lnSpcReduction="10000"/>
-          </a:bodyPr>
+          <a:bodyPr/>
           <a:lstStyle/>
           <a:p>
             <a:r>
               <a:rPr lang="pt-BR" dirty="0"/>
-              <a:t>Para a Bola, adicione “</a:t>
+              <a:t>Para o Jogador, adicione “</a:t>
             </a:r>
             <a:r>
               <a:rPr lang="pt-BR" dirty="0" err="1"/>
@@ -4131,7 +4219,7 @@
           <a:p>
             <a:r>
               <a:rPr lang="pt-BR" dirty="0"/>
-              <a:t> Em </a:t>
+              <a:t>Em </a:t>
             </a:r>
             <a:r>
               <a:rPr lang="pt-BR" dirty="0" err="1"/>
@@ -4151,19 +4239,11 @@
             </a:r>
             <a:r>
               <a:rPr lang="pt-BR" b="1" dirty="0"/>
-              <a:t>NÃO</a:t>
-            </a:r>
-            <a:r>
-              <a:rPr lang="pt-BR" dirty="0"/>
-              <a:t> ative X, Y e Z, pois a bola </a:t>
-            </a:r>
-            <a:r>
-              <a:rPr lang="pt-BR" dirty="0" err="1"/>
-              <a:t>deverar</a:t>
-            </a:r>
-            <a:r>
-              <a:rPr lang="pt-BR" dirty="0"/>
-              <a:t> andar livremente pelo cenário;</a:t>
+              <a:t>ative somente Y e Z </a:t>
+            </a:r>
+            <a:r>
+              <a:rPr lang="pt-BR" dirty="0"/>
+              <a:t>para ficarem fixos, pois o X será alterado pelo jogador;</a:t>
             </a:r>
           </a:p>
           <a:p>
@@ -4177,7 +4257,15 @@
             </a:r>
             <a:r>
               <a:rPr lang="pt-BR" dirty="0"/>
-              <a:t> 2D, em Mass (massa física), coloque 0,1;</a:t>
+              <a:t> 2D, insira o material </a:t>
+            </a:r>
+            <a:r>
+              <a:rPr lang="pt-BR" dirty="0" err="1"/>
+              <a:t>Bounce</a:t>
+            </a:r>
+            <a:r>
+              <a:rPr lang="pt-BR" dirty="0"/>
+              <a:t>;</a:t>
             </a:r>
           </a:p>
           <a:p>
@@ -4191,29 +4279,13 @@
             </a:r>
             <a:r>
               <a:rPr lang="pt-BR" dirty="0"/>
-              <a:t> 2D, em </a:t>
-            </a:r>
-            <a:r>
-              <a:rPr lang="pt-BR" dirty="0" err="1"/>
-              <a:t>Gravity</a:t>
-            </a:r>
-            <a:r>
-              <a:rPr lang="pt-BR" dirty="0"/>
-              <a:t> </a:t>
-            </a:r>
-            <a:r>
-              <a:rPr lang="pt-BR" dirty="0" err="1"/>
-              <a:t>Scale</a:t>
-            </a:r>
-            <a:r>
-              <a:rPr lang="pt-BR" dirty="0"/>
-              <a:t> (gravidade), coloque 0;</a:t>
-            </a:r>
-          </a:p>
-          <a:p>
-            <a:r>
-              <a:rPr lang="pt-BR" dirty="0"/>
-              <a:t>Em Circle </a:t>
+              <a:t> 2D, em Mass (massa física), coloque 100;</a:t>
+            </a:r>
+          </a:p>
+          <a:p>
+            <a:r>
+              <a:rPr lang="pt-BR" dirty="0"/>
+              <a:t>Em Box </a:t>
             </a:r>
             <a:r>
               <a:rPr lang="pt-BR" dirty="0" err="1"/>
@@ -4231,40 +4303,6 @@
               <a:rPr lang="pt-BR" dirty="0"/>
               <a:t> para os limites de colisão desejados.</a:t>
             </a:r>
-          </a:p>
-          <a:p>
-            <a:r>
-              <a:rPr lang="pt-BR" dirty="0"/>
-              <a:t>Em Circle </a:t>
-            </a:r>
-            <a:r>
-              <a:rPr lang="pt-BR" dirty="0" err="1"/>
-              <a:t>Collider</a:t>
-            </a:r>
-            <a:r>
-              <a:rPr lang="pt-BR" dirty="0"/>
-              <a:t> 2D, insira o material </a:t>
-            </a:r>
-            <a:r>
-              <a:rPr lang="pt-BR" dirty="0" err="1"/>
-              <a:t>Bounce</a:t>
-            </a:r>
-            <a:r>
-              <a:rPr lang="pt-BR" dirty="0"/>
-              <a:t>;</a:t>
-            </a:r>
-          </a:p>
-          <a:p>
-            <a:endParaRPr lang="pt-BR" dirty="0"/>
-          </a:p>
-          <a:p>
-            <a:r>
-              <a:rPr lang="pt-BR" b="1" dirty="0"/>
-              <a:t>Ao compilar com play, já será possível ver algumas propriedades físicas funcionando.</a:t>
-            </a:r>
-          </a:p>
-          <a:p>
-            <a:endParaRPr lang="pt-BR" dirty="0"/>
           </a:p>
           <a:p>
             <a:endParaRPr lang="en-US" dirty="0"/>
@@ -4274,7 +4312,7 @@
     </p:spTree>
     <p:extLst>
       <p:ext uri="{BB962C8B-B14F-4D97-AF65-F5344CB8AC3E}">
-        <p14:creationId xmlns:p14="http://schemas.microsoft.com/office/powerpoint/2010/main" val="2700552065"/>
+        <p14:creationId xmlns:p14="http://schemas.microsoft.com/office/powerpoint/2010/main" val="2286872110"/>
       </p:ext>
     </p:extLst>
   </p:cSld>
@@ -4306,7 +4344,7 @@
           <p:cNvPr id="2" name="Título 1">
             <a:extLst>
               <a:ext uri="{FF2B5EF4-FFF2-40B4-BE49-F238E27FC236}">
-                <a16:creationId xmlns:a16="http://schemas.microsoft.com/office/drawing/2014/main" id="{998E2C67-C57D-B2C1-1787-3F476CD8EC11}"/>
+                <a16:creationId xmlns:a16="http://schemas.microsoft.com/office/drawing/2014/main" id="{D58F4462-1DD1-F819-19D5-B11C8C6D2A94}"/>
               </a:ext>
             </a:extLst>
           </p:cNvPr>
@@ -4324,7 +4362,7 @@
           <a:p>
             <a:r>
               <a:rPr lang="pt-BR" b="1" dirty="0"/>
-              <a:t>Com o Cenário Pronto Vamos para os Blocos</a:t>
+              <a:t>Vamos Configurar a Bola</a:t>
             </a:r>
             <a:endParaRPr lang="en-US" b="1" dirty="0"/>
           </a:p>
@@ -4335,7 +4373,7 @@
           <p:cNvPr id="3" name="Espaço Reservado para Conteúdo 2">
             <a:extLst>
               <a:ext uri="{FF2B5EF4-FFF2-40B4-BE49-F238E27FC236}">
-                <a16:creationId xmlns:a16="http://schemas.microsoft.com/office/drawing/2014/main" id="{F17E8BC7-9E9C-0969-4368-3EA389365A5D}"/>
+                <a16:creationId xmlns:a16="http://schemas.microsoft.com/office/drawing/2014/main" id="{ADC72682-E1B2-D781-1467-5DB7FEFFF6B3}"/>
               </a:ext>
             </a:extLst>
           </p:cNvPr>
@@ -4348,64 +4386,14 @@
         </p:nvSpPr>
         <p:spPr/>
         <p:txBody>
-          <a:bodyPr/>
+          <a:bodyPr>
+            <a:normAutofit/>
+          </a:bodyPr>
           <a:lstStyle/>
           <a:p>
             <a:r>
               <a:rPr lang="pt-BR" dirty="0"/>
-              <a:t>Por questão de organização, na raiz da </a:t>
-            </a:r>
-            <a:r>
-              <a:rPr lang="pt-BR" dirty="0" err="1"/>
-              <a:t>Hierarchy</a:t>
-            </a:r>
-            <a:r>
-              <a:rPr lang="pt-BR" dirty="0"/>
-              <a:t> (em 1), vamos criar um </a:t>
-            </a:r>
-            <a:r>
-              <a:rPr lang="pt-BR" dirty="0" err="1"/>
-              <a:t>GameObject</a:t>
-            </a:r>
-            <a:r>
-              <a:rPr lang="pt-BR" dirty="0"/>
-              <a:t> </a:t>
-            </a:r>
-            <a:r>
-              <a:rPr lang="pt-BR" dirty="0" err="1"/>
-              <a:t>Empty</a:t>
-            </a:r>
-            <a:r>
-              <a:rPr lang="pt-BR" dirty="0"/>
-              <a:t> (vazio), renomeio para Blocos;</a:t>
-            </a:r>
-          </a:p>
-          <a:p>
-            <a:r>
-              <a:rPr lang="pt-BR" dirty="0"/>
-              <a:t>Arraste o sprite “</a:t>
-            </a:r>
-            <a:r>
-              <a:rPr lang="pt-BR" dirty="0" err="1"/>
-              <a:t>IceSprite</a:t>
-            </a:r>
-            <a:r>
-              <a:rPr lang="pt-BR" dirty="0"/>
-              <a:t>” para cima do </a:t>
-            </a:r>
-            <a:r>
-              <a:rPr lang="pt-BR" dirty="0" err="1"/>
-              <a:t>GameObject</a:t>
-            </a:r>
-            <a:r>
-              <a:rPr lang="pt-BR" dirty="0"/>
-              <a:t> (Blocos) e solte, aperte F2 e renomeie para “Bloco”, posicionando em cima no cenário;</a:t>
-            </a:r>
-          </a:p>
-          <a:p>
-            <a:r>
-              <a:rPr lang="pt-BR" dirty="0"/>
-              <a:t>Para o Bloco, adicione “</a:t>
+              <a:t>Para a Bola, adicione “</a:t>
             </a:r>
             <a:r>
               <a:rPr lang="pt-BR" dirty="0" err="1"/>
@@ -4421,13 +4409,21 @@
             </a:r>
             <a:r>
               <a:rPr lang="pt-BR" dirty="0"/>
+              <a:t> 2D ou Circle </a:t>
+            </a:r>
+            <a:r>
+              <a:rPr lang="pt-BR" dirty="0" err="1"/>
+              <a:t>Collider</a:t>
+            </a:r>
+            <a:r>
+              <a:rPr lang="pt-BR" dirty="0"/>
               <a:t> 2D”;</a:t>
             </a:r>
           </a:p>
           <a:p>
             <a:r>
               <a:rPr lang="pt-BR" dirty="0"/>
-              <a:t>Em </a:t>
+              <a:t> Em </a:t>
             </a:r>
             <a:r>
               <a:rPr lang="pt-BR" dirty="0" err="1"/>
@@ -4443,7 +4439,23 @@
             </a:r>
             <a:r>
               <a:rPr lang="pt-BR" dirty="0"/>
-              <a:t> ative X, Y e Z para ficarem fixos;</a:t>
+              <a:t> </a:t>
+            </a:r>
+            <a:r>
+              <a:rPr lang="pt-BR" b="1" dirty="0"/>
+              <a:t>NÃO</a:t>
+            </a:r>
+            <a:r>
+              <a:rPr lang="pt-BR" dirty="0"/>
+              <a:t> ative X, Y e Z, pois a bola </a:t>
+            </a:r>
+            <a:r>
+              <a:rPr lang="pt-BR" dirty="0" err="1"/>
+              <a:t>deverar</a:t>
+            </a:r>
+            <a:r>
+              <a:rPr lang="pt-BR" dirty="0"/>
+              <a:t> andar livremente pelo cenário;</a:t>
             </a:r>
           </a:p>
           <a:p>
@@ -4457,6 +4469,76 @@
             </a:r>
             <a:r>
               <a:rPr lang="pt-BR" dirty="0"/>
+              <a:t> 2D, em Mass (massa física), coloque 0,1;</a:t>
+            </a:r>
+          </a:p>
+          <a:p>
+            <a:r>
+              <a:rPr lang="pt-BR" dirty="0"/>
+              <a:t>Em </a:t>
+            </a:r>
+            <a:r>
+              <a:rPr lang="pt-BR" dirty="0" err="1"/>
+              <a:t>Rigidbody</a:t>
+            </a:r>
+            <a:r>
+              <a:rPr lang="pt-BR" dirty="0"/>
+              <a:t> 2D, em </a:t>
+            </a:r>
+            <a:r>
+              <a:rPr lang="pt-BR" b="1" dirty="0" err="1"/>
+              <a:t>Gravity</a:t>
+            </a:r>
+            <a:r>
+              <a:rPr lang="pt-BR" b="1" dirty="0"/>
+              <a:t> </a:t>
+            </a:r>
+            <a:r>
+              <a:rPr lang="pt-BR" b="1" dirty="0" err="1"/>
+              <a:t>Scale</a:t>
+            </a:r>
+            <a:r>
+              <a:rPr lang="pt-BR" b="1" dirty="0"/>
+              <a:t> </a:t>
+            </a:r>
+            <a:r>
+              <a:rPr lang="pt-BR" dirty="0"/>
+              <a:t>(gravidade), coloque 0;</a:t>
+            </a:r>
+          </a:p>
+          <a:p>
+            <a:r>
+              <a:rPr lang="pt-BR" dirty="0"/>
+              <a:t>Em Circle </a:t>
+            </a:r>
+            <a:r>
+              <a:rPr lang="pt-BR" dirty="0" err="1"/>
+              <a:t>Collider</a:t>
+            </a:r>
+            <a:r>
+              <a:rPr lang="pt-BR" dirty="0"/>
+              <a:t> 2D, ajuste </a:t>
+            </a:r>
+            <a:r>
+              <a:rPr lang="pt-BR" dirty="0" err="1"/>
+              <a:t>Size</a:t>
+            </a:r>
+            <a:r>
+              <a:rPr lang="pt-BR" dirty="0"/>
+              <a:t> para os limites de colisão desejados.</a:t>
+            </a:r>
+          </a:p>
+          <a:p>
+            <a:r>
+              <a:rPr lang="pt-BR" dirty="0"/>
+              <a:t>Em Circle </a:t>
+            </a:r>
+            <a:r>
+              <a:rPr lang="pt-BR" dirty="0" err="1"/>
+              <a:t>Collider</a:t>
+            </a:r>
+            <a:r>
+              <a:rPr lang="pt-BR" dirty="0"/>
               <a:t> 2D, insira o material </a:t>
             </a:r>
             <a:r>
@@ -4469,39 +4551,20 @@
             </a:r>
           </a:p>
           <a:p>
-            <a:r>
-              <a:rPr lang="pt-BR" dirty="0"/>
-              <a:t>Em Box </a:t>
-            </a:r>
-            <a:r>
-              <a:rPr lang="pt-BR" dirty="0" err="1"/>
-              <a:t>Collider</a:t>
-            </a:r>
-            <a:r>
-              <a:rPr lang="pt-BR" dirty="0"/>
-              <a:t> 2D, ajuste </a:t>
-            </a:r>
-            <a:r>
-              <a:rPr lang="pt-BR" dirty="0" err="1"/>
-              <a:t>Size</a:t>
-            </a:r>
-            <a:r>
-              <a:rPr lang="pt-BR" dirty="0"/>
-              <a:t> para os limites de colisão desejados, observe a caixa de colisão.</a:t>
-            </a:r>
-          </a:p>
-          <a:p>
             <a:endParaRPr lang="pt-BR" dirty="0"/>
           </a:p>
           <a:p>
             <a:endParaRPr lang="pt-BR" dirty="0"/>
+          </a:p>
+          <a:p>
+            <a:endParaRPr lang="en-US" dirty="0"/>
           </a:p>
         </p:txBody>
       </p:sp>
     </p:spTree>
     <p:extLst>
       <p:ext uri="{BB962C8B-B14F-4D97-AF65-F5344CB8AC3E}">
-        <p14:creationId xmlns:p14="http://schemas.microsoft.com/office/powerpoint/2010/main" val="3288765153"/>
+        <p14:creationId xmlns:p14="http://schemas.microsoft.com/office/powerpoint/2010/main" val="2700552065"/>
       </p:ext>
     </p:extLst>
   </p:cSld>
@@ -4533,7 +4596,7 @@
           <p:cNvPr id="2" name="Título 1">
             <a:extLst>
               <a:ext uri="{FF2B5EF4-FFF2-40B4-BE49-F238E27FC236}">
-                <a16:creationId xmlns:a16="http://schemas.microsoft.com/office/drawing/2014/main" id="{B24CFA26-A471-DECA-C6E1-346FEFE97153}"/>
+                <a16:creationId xmlns:a16="http://schemas.microsoft.com/office/drawing/2014/main" id="{998E2C67-C57D-B2C1-1787-3F476CD8EC11}"/>
               </a:ext>
             </a:extLst>
           </p:cNvPr>
@@ -4551,7 +4614,7 @@
           <a:p>
             <a:r>
               <a:rPr lang="pt-BR" b="1" dirty="0"/>
-              <a:t>Pronto, Agora Vamos Criar os Scripts do Jogo</a:t>
+              <a:t>Com o Cenário Pronto Vamos para os Blocos</a:t>
             </a:r>
             <a:endParaRPr lang="en-US" b="1" dirty="0"/>
           </a:p>
@@ -4562,7 +4625,7 @@
           <p:cNvPr id="3" name="Espaço Reservado para Conteúdo 2">
             <a:extLst>
               <a:ext uri="{FF2B5EF4-FFF2-40B4-BE49-F238E27FC236}">
-                <a16:creationId xmlns:a16="http://schemas.microsoft.com/office/drawing/2014/main" id="{0C8A1309-1D48-FF90-32C1-8496EDF645E3}"/>
+                <a16:creationId xmlns:a16="http://schemas.microsoft.com/office/drawing/2014/main" id="{F17E8BC7-9E9C-0969-4368-3EA389365A5D}"/>
               </a:ext>
             </a:extLst>
           </p:cNvPr>
@@ -4573,65 +4636,167 @@
             <p:ph idx="1"/>
           </p:nvPr>
         </p:nvSpPr>
-        <p:spPr/>
+        <p:spPr>
+          <a:xfrm>
+            <a:off x="838200" y="1690688"/>
+            <a:ext cx="10515600" cy="4486275"/>
+          </a:xfrm>
+        </p:spPr>
         <p:txBody>
           <a:bodyPr/>
           <a:lstStyle/>
           <a:p>
             <a:r>
               <a:rPr lang="pt-BR" dirty="0"/>
-              <a:t>Em Project (em 4), crie uma nova pasta chamada Scripts;</a:t>
-            </a:r>
-          </a:p>
-          <a:p>
-            <a:r>
-              <a:rPr lang="pt-BR" dirty="0"/>
-              <a:t>Nesta pasta criaremos 4 scripts, com nome de Bloco, Bola, Destruidor e Jogador, os nomes já sugere as funções;</a:t>
-            </a:r>
-          </a:p>
-          <a:p>
-            <a:r>
-              <a:rPr lang="pt-BR" dirty="0"/>
-              <a:t>Para cria-los, basta clicar com o botão direito na pasta Scripts escolher </a:t>
+              <a:t>Por questão de organização, na raiz da </a:t>
             </a:r>
             <a:r>
               <a:rPr lang="pt-BR" dirty="0" err="1"/>
-              <a:t>Create</a:t>
-            </a:r>
-            <a:r>
-              <a:rPr lang="pt-BR" dirty="0"/>
-              <a:t> &gt; C# Script;</a:t>
-            </a:r>
-          </a:p>
-          <a:p>
-            <a:r>
-              <a:rPr lang="pt-BR" dirty="0"/>
-              <a:t>Agora vamos ver cada um dos códigos, tendo em mente que:</a:t>
-            </a:r>
-          </a:p>
-          <a:p>
-            <a:pPr lvl="1"/>
-            <a:r>
-              <a:rPr lang="pt-BR" dirty="0"/>
-              <a:t>Os métodos Start() serão sempre executados no início e apenas 1 vez;</a:t>
-            </a:r>
-          </a:p>
-          <a:p>
-            <a:pPr lvl="1"/>
-            <a:r>
-              <a:rPr lang="pt-BR" dirty="0"/>
-              <a:t>Os métodos Update() funcionam após o Start() em loop infinito e com frequência variável.</a:t>
-            </a:r>
-          </a:p>
-          <a:p>
-            <a:endParaRPr lang="en-US" dirty="0"/>
+              <a:t>Hierarchy</a:t>
+            </a:r>
+            <a:r>
+              <a:rPr lang="pt-BR" dirty="0"/>
+              <a:t> (em 1), vamos criar um </a:t>
+            </a:r>
+            <a:r>
+              <a:rPr lang="pt-BR" dirty="0" err="1"/>
+              <a:t>GameObject</a:t>
+            </a:r>
+            <a:r>
+              <a:rPr lang="pt-BR" dirty="0"/>
+              <a:t> </a:t>
+            </a:r>
+            <a:r>
+              <a:rPr lang="pt-BR" dirty="0" err="1"/>
+              <a:t>Empty</a:t>
+            </a:r>
+            <a:r>
+              <a:rPr lang="pt-BR" dirty="0"/>
+              <a:t> (vazio), renomeio para Blocos;</a:t>
+            </a:r>
+          </a:p>
+          <a:p>
+            <a:r>
+              <a:rPr lang="pt-BR" dirty="0"/>
+              <a:t>Arraste o sprite “</a:t>
+            </a:r>
+            <a:r>
+              <a:rPr lang="pt-BR" dirty="0" err="1"/>
+              <a:t>IceSprite</a:t>
+            </a:r>
+            <a:r>
+              <a:rPr lang="pt-BR" dirty="0"/>
+              <a:t>” para cima do </a:t>
+            </a:r>
+            <a:r>
+              <a:rPr lang="pt-BR" dirty="0" err="1"/>
+              <a:t>GameObject</a:t>
+            </a:r>
+            <a:r>
+              <a:rPr lang="pt-BR" dirty="0"/>
+              <a:t> (Blocos) e solte, aperte F2 e renomeie para “Bloco”, posicionando em cima no cenário;</a:t>
+            </a:r>
+          </a:p>
+          <a:p>
+            <a:r>
+              <a:rPr lang="pt-BR" dirty="0"/>
+              <a:t>Para o Bloco, adicione “</a:t>
+            </a:r>
+            <a:r>
+              <a:rPr lang="pt-BR" dirty="0" err="1"/>
+              <a:t>Rigidbody</a:t>
+            </a:r>
+            <a:r>
+              <a:rPr lang="pt-BR" dirty="0"/>
+              <a:t> 2D” e “Box </a:t>
+            </a:r>
+            <a:r>
+              <a:rPr lang="pt-BR" dirty="0" err="1"/>
+              <a:t>Collider</a:t>
+            </a:r>
+            <a:r>
+              <a:rPr lang="pt-BR" dirty="0"/>
+              <a:t> 2D”;</a:t>
+            </a:r>
+          </a:p>
+          <a:p>
+            <a:r>
+              <a:rPr lang="pt-BR" dirty="0"/>
+              <a:t>Em </a:t>
+            </a:r>
+            <a:r>
+              <a:rPr lang="pt-BR" dirty="0" err="1"/>
+              <a:t>Rigidbody</a:t>
+            </a:r>
+            <a:r>
+              <a:rPr lang="pt-BR" dirty="0"/>
+              <a:t> 2D, em </a:t>
+            </a:r>
+            <a:r>
+              <a:rPr lang="pt-BR" dirty="0" err="1"/>
+              <a:t>Constraints</a:t>
+            </a:r>
+            <a:r>
+              <a:rPr lang="pt-BR" dirty="0"/>
+              <a:t> ative X, Y e Z para ficarem fixos;</a:t>
+            </a:r>
+          </a:p>
+          <a:p>
+            <a:r>
+              <a:rPr lang="pt-BR" dirty="0"/>
+              <a:t>Em </a:t>
+            </a:r>
+            <a:r>
+              <a:rPr lang="pt-BR" dirty="0" err="1"/>
+              <a:t>Rigidbody</a:t>
+            </a:r>
+            <a:r>
+              <a:rPr lang="pt-BR" dirty="0"/>
+              <a:t> 2D, insira o material </a:t>
+            </a:r>
+            <a:r>
+              <a:rPr lang="pt-BR" dirty="0" err="1"/>
+              <a:t>Bounce</a:t>
+            </a:r>
+            <a:r>
+              <a:rPr lang="pt-BR" dirty="0"/>
+              <a:t>;</a:t>
+            </a:r>
+          </a:p>
+          <a:p>
+            <a:r>
+              <a:rPr lang="pt-BR" dirty="0"/>
+              <a:t>Em Box </a:t>
+            </a:r>
+            <a:r>
+              <a:rPr lang="pt-BR" dirty="0" err="1"/>
+              <a:t>Collider</a:t>
+            </a:r>
+            <a:r>
+              <a:rPr lang="pt-BR" dirty="0"/>
+              <a:t> 2D, ajuste </a:t>
+            </a:r>
+            <a:r>
+              <a:rPr lang="pt-BR" dirty="0" err="1"/>
+              <a:t>Size</a:t>
+            </a:r>
+            <a:r>
+              <a:rPr lang="pt-BR" dirty="0"/>
+              <a:t> para os limites de colisão desejados, observe a caixa de colisão.</a:t>
+            </a:r>
+          </a:p>
+          <a:p>
+            <a:endParaRPr lang="pt-BR" dirty="0"/>
+          </a:p>
+          <a:p>
+            <a:endParaRPr lang="pt-BR" dirty="0"/>
           </a:p>
         </p:txBody>
       </p:sp>
     </p:spTree>
     <p:extLst>
       <p:ext uri="{BB962C8B-B14F-4D97-AF65-F5344CB8AC3E}">
-        <p14:creationId xmlns:p14="http://schemas.microsoft.com/office/powerpoint/2010/main" val="2617878455"/>
+        <p14:creationId xmlns:p14="http://schemas.microsoft.com/office/powerpoint/2010/main" val="3288765153"/>
       </p:ext>
     </p:extLst>
   </p:cSld>
@@ -4663,7 +4828,7 @@
           <p:cNvPr id="2" name="Título 1">
             <a:extLst>
               <a:ext uri="{FF2B5EF4-FFF2-40B4-BE49-F238E27FC236}">
-                <a16:creationId xmlns:a16="http://schemas.microsoft.com/office/drawing/2014/main" id="{50107B99-0FC7-A3C2-1FDD-C3DB610C5E42}"/>
+                <a16:creationId xmlns:a16="http://schemas.microsoft.com/office/drawing/2014/main" id="{B24CFA26-A471-DECA-C6E1-346FEFE97153}"/>
               </a:ext>
             </a:extLst>
           </p:cNvPr>
@@ -4681,7 +4846,7 @@
           <a:p>
             <a:r>
               <a:rPr lang="pt-BR" b="1" dirty="0"/>
-              <a:t>Script Bola</a:t>
+              <a:t>Pronto, Agora Vamos Criar os Scripts do Jogo</a:t>
             </a:r>
             <a:endParaRPr lang="en-US" b="1" dirty="0"/>
           </a:p>
@@ -4689,10 +4854,10 @@
       </p:sp>
       <p:sp>
         <p:nvSpPr>
-          <p:cNvPr id="6" name="Espaço Reservado para Conteúdo 5">
-            <a:extLst>
-              <a:ext uri="{FF2B5EF4-FFF2-40B4-BE49-F238E27FC236}">
-                <a16:creationId xmlns:a16="http://schemas.microsoft.com/office/drawing/2014/main" id="{E5363670-DBE4-B495-9F87-FFF4B49A24B1}"/>
+          <p:cNvPr id="3" name="Espaço Reservado para Conteúdo 2">
+            <a:extLst>
+              <a:ext uri="{FF2B5EF4-FFF2-40B4-BE49-F238E27FC236}">
+                <a16:creationId xmlns:a16="http://schemas.microsoft.com/office/drawing/2014/main" id="{0C8A1309-1D48-FF90-32C1-8496EDF645E3}"/>
               </a:ext>
             </a:extLst>
           </p:cNvPr>
@@ -4700,768 +4865,60 @@
             <a:spLocks noGrp="1"/>
           </p:cNvSpPr>
           <p:nvPr>
-            <p:ph sz="half" idx="2"/>
+            <p:ph idx="1"/>
           </p:nvPr>
         </p:nvSpPr>
         <p:spPr/>
         <p:txBody>
-          <a:bodyPr>
-            <a:normAutofit fontScale="62500" lnSpcReduction="20000"/>
-          </a:bodyPr>
+          <a:bodyPr/>
           <a:lstStyle/>
           <a:p>
             <a:r>
               <a:rPr lang="pt-BR" dirty="0"/>
-              <a:t>As linhas 1 a 3 são padrão e não precisam ser alteradas;</a:t>
-            </a:r>
-          </a:p>
-          <a:p>
-            <a:r>
-              <a:rPr lang="pt-BR" dirty="0"/>
-              <a:t>Linha 5 deve conter o nome da Classe Bola igual a do arquivo;</a:t>
-            </a:r>
-          </a:p>
-          <a:p>
-            <a:r>
-              <a:rPr lang="pt-BR" dirty="0"/>
-              <a:t>Linha 6 refere-se a velocidade X e Y usada na Bola;</a:t>
-            </a:r>
-          </a:p>
-          <a:p>
-            <a:r>
-              <a:rPr lang="pt-BR" dirty="0"/>
-              <a:t>Linha 8 instancia um objeto com rigidez de nome </a:t>
+              <a:t>Em Project (em 4), crie uma nova pasta chamada Scripts;</a:t>
+            </a:r>
+          </a:p>
+          <a:p>
+            <a:r>
+              <a:rPr lang="pt-BR" dirty="0"/>
+              <a:t>Nesta pasta criaremos 4 scripts, com nome de Bloco, Bola, Destruidor e Jogador, os nomes já sugere as funções;</a:t>
+            </a:r>
+          </a:p>
+          <a:p>
+            <a:r>
+              <a:rPr lang="pt-BR" dirty="0"/>
+              <a:t>Para cria-los, basta clicar com o botão direito na pasta Scripts escolher </a:t>
             </a:r>
             <a:r>
               <a:rPr lang="pt-BR" dirty="0" err="1"/>
-              <a:t>rigidbody</a:t>
-            </a:r>
-            <a:r>
-              <a:rPr lang="pt-BR" dirty="0"/>
-              <a:t>;</a:t>
-            </a:r>
-          </a:p>
-          <a:p>
-            <a:r>
-              <a:rPr lang="pt-BR" dirty="0"/>
-              <a:t>Linha 9 adicionamos a grandeza força X e Y a este objeto Bola.</a:t>
-            </a:r>
-            <a:endParaRPr lang="en-US" dirty="0"/>
-          </a:p>
-        </p:txBody>
-      </p:sp>
-      <p:sp>
-        <p:nvSpPr>
-          <p:cNvPr id="4" name="Espaço Reservado para Conteúdo 3">
-            <a:extLst>
-              <a:ext uri="{FF2B5EF4-FFF2-40B4-BE49-F238E27FC236}">
-                <a16:creationId xmlns:a16="http://schemas.microsoft.com/office/drawing/2014/main" id="{EFE55093-C76E-E1AF-909F-1E59458564C9}"/>
-              </a:ext>
-            </a:extLst>
-          </p:cNvPr>
-          <p:cNvSpPr>
-            <a:spLocks noGrp="1"/>
-          </p:cNvSpPr>
-          <p:nvPr>
-            <p:ph sz="half" idx="1"/>
-          </p:nvPr>
-        </p:nvSpPr>
-        <p:spPr/>
-        <p:txBody>
-          <a:bodyPr>
-            <a:normAutofit fontScale="62500" lnSpcReduction="20000"/>
-          </a:bodyPr>
-          <a:lstStyle/>
-          <a:p>
-            <a:pPr marL="0" indent="0">
-              <a:buNone/>
-            </a:pPr>
-            <a:r>
-              <a:rPr lang="en-US" sz="1800" dirty="0">
-                <a:solidFill>
-                  <a:srgbClr val="0000FF"/>
-                </a:solidFill>
-                <a:latin typeface="Consolas" panose="020B0609020204030204" pitchFamily="49" charset="0"/>
-              </a:rPr>
-              <a:t>using</a:t>
-            </a:r>
-            <a:r>
-              <a:rPr lang="en-US" sz="1800" dirty="0">
-                <a:solidFill>
-                  <a:srgbClr val="000000"/>
-                </a:solidFill>
-                <a:latin typeface="Consolas" panose="020B0609020204030204" pitchFamily="49" charset="0"/>
-              </a:rPr>
-              <a:t> </a:t>
-            </a:r>
-            <a:r>
-              <a:rPr lang="en-US" sz="1800" dirty="0" err="1">
-                <a:solidFill>
-                  <a:srgbClr val="000000"/>
-                </a:solidFill>
-                <a:latin typeface="Consolas" panose="020B0609020204030204" pitchFamily="49" charset="0"/>
-              </a:rPr>
-              <a:t>System.Collections</a:t>
-            </a:r>
-            <a:r>
-              <a:rPr lang="en-US" sz="1800" dirty="0">
-                <a:solidFill>
-                  <a:srgbClr val="000000"/>
-                </a:solidFill>
-                <a:latin typeface="Consolas" panose="020B0609020204030204" pitchFamily="49" charset="0"/>
-              </a:rPr>
-              <a:t>;</a:t>
-            </a:r>
-          </a:p>
-          <a:p>
-            <a:pPr marL="0" indent="0">
-              <a:buNone/>
-            </a:pPr>
-            <a:r>
-              <a:rPr lang="en-US" sz="1800" dirty="0">
-                <a:solidFill>
-                  <a:srgbClr val="0000FF"/>
-                </a:solidFill>
-                <a:latin typeface="Consolas" panose="020B0609020204030204" pitchFamily="49" charset="0"/>
-              </a:rPr>
-              <a:t>using</a:t>
-            </a:r>
-            <a:r>
-              <a:rPr lang="en-US" sz="1800" dirty="0">
-                <a:solidFill>
-                  <a:srgbClr val="000000"/>
-                </a:solidFill>
-                <a:latin typeface="Consolas" panose="020B0609020204030204" pitchFamily="49" charset="0"/>
-              </a:rPr>
-              <a:t> </a:t>
-            </a:r>
-            <a:r>
-              <a:rPr lang="en-US" sz="1800" dirty="0" err="1">
-                <a:solidFill>
-                  <a:srgbClr val="000000"/>
-                </a:solidFill>
-                <a:latin typeface="Consolas" panose="020B0609020204030204" pitchFamily="49" charset="0"/>
-              </a:rPr>
-              <a:t>System.Collections.Generic</a:t>
-            </a:r>
-            <a:r>
-              <a:rPr lang="en-US" sz="1800" dirty="0">
-                <a:solidFill>
-                  <a:srgbClr val="000000"/>
-                </a:solidFill>
-                <a:latin typeface="Consolas" panose="020B0609020204030204" pitchFamily="49" charset="0"/>
-              </a:rPr>
-              <a:t>;</a:t>
-            </a:r>
-          </a:p>
-          <a:p>
-            <a:pPr marL="0" indent="0">
-              <a:buNone/>
-            </a:pPr>
-            <a:r>
-              <a:rPr lang="en-US" sz="1800" dirty="0">
-                <a:solidFill>
-                  <a:srgbClr val="0000FF"/>
-                </a:solidFill>
-                <a:latin typeface="Consolas" panose="020B0609020204030204" pitchFamily="49" charset="0"/>
-              </a:rPr>
-              <a:t>using</a:t>
-            </a:r>
-            <a:r>
-              <a:rPr lang="en-US" sz="1800" dirty="0">
-                <a:solidFill>
-                  <a:srgbClr val="000000"/>
-                </a:solidFill>
-                <a:latin typeface="Consolas" panose="020B0609020204030204" pitchFamily="49" charset="0"/>
-              </a:rPr>
-              <a:t> </a:t>
-            </a:r>
-            <a:r>
-              <a:rPr lang="en-US" sz="1800" dirty="0" err="1">
-                <a:solidFill>
-                  <a:srgbClr val="000000"/>
-                </a:solidFill>
-                <a:latin typeface="Consolas" panose="020B0609020204030204" pitchFamily="49" charset="0"/>
-              </a:rPr>
-              <a:t>UnityEngine</a:t>
-            </a:r>
-            <a:r>
-              <a:rPr lang="en-US" sz="1800" dirty="0">
-                <a:solidFill>
-                  <a:srgbClr val="000000"/>
-                </a:solidFill>
-                <a:latin typeface="Consolas" panose="020B0609020204030204" pitchFamily="49" charset="0"/>
-              </a:rPr>
-              <a:t>;</a:t>
-            </a:r>
-          </a:p>
-          <a:p>
-            <a:pPr marL="0" indent="0">
-              <a:buNone/>
-            </a:pPr>
-            <a:r>
-              <a:rPr lang="en-US" sz="1800" dirty="0">
-                <a:solidFill>
-                  <a:srgbClr val="0000FF"/>
-                </a:solidFill>
-                <a:latin typeface="Consolas" panose="020B0609020204030204" pitchFamily="49" charset="0"/>
-              </a:rPr>
-              <a:t>using</a:t>
-            </a:r>
-            <a:r>
-              <a:rPr lang="en-US" sz="1800" dirty="0">
-                <a:solidFill>
-                  <a:srgbClr val="000000"/>
-                </a:solidFill>
-                <a:latin typeface="Consolas" panose="020B0609020204030204" pitchFamily="49" charset="0"/>
-              </a:rPr>
-              <a:t> </a:t>
-            </a:r>
-            <a:r>
-              <a:rPr lang="en-US" sz="1800" dirty="0" err="1">
-                <a:solidFill>
-                  <a:srgbClr val="000000"/>
-                </a:solidFill>
-                <a:latin typeface="Consolas" panose="020B0609020204030204" pitchFamily="49" charset="0"/>
-              </a:rPr>
-              <a:t>UnityEngine.SceneManagement</a:t>
-            </a:r>
-            <a:r>
-              <a:rPr lang="en-US" sz="1800" dirty="0">
-                <a:solidFill>
-                  <a:srgbClr val="000000"/>
-                </a:solidFill>
-                <a:latin typeface="Consolas" panose="020B0609020204030204" pitchFamily="49" charset="0"/>
-              </a:rPr>
-              <a:t>;</a:t>
-            </a:r>
-          </a:p>
-          <a:p>
-            <a:pPr marL="0" indent="0">
-              <a:buNone/>
-            </a:pPr>
-            <a:endParaRPr lang="en-US" sz="1800" dirty="0">
-              <a:solidFill>
-                <a:srgbClr val="000000"/>
-              </a:solidFill>
-              <a:latin typeface="Consolas" panose="020B0609020204030204" pitchFamily="49" charset="0"/>
-            </a:endParaRPr>
-          </a:p>
-          <a:p>
-            <a:pPr marL="0" indent="0">
-              <a:buNone/>
-            </a:pPr>
-            <a:r>
-              <a:rPr lang="en-US" sz="1800" dirty="0">
-                <a:solidFill>
-                  <a:srgbClr val="0000FF"/>
-                </a:solidFill>
-                <a:latin typeface="Consolas" panose="020B0609020204030204" pitchFamily="49" charset="0"/>
-              </a:rPr>
-              <a:t>public</a:t>
-            </a:r>
-            <a:r>
-              <a:rPr lang="en-US" sz="1800" dirty="0">
-                <a:solidFill>
-                  <a:srgbClr val="000000"/>
-                </a:solidFill>
-                <a:latin typeface="Consolas" panose="020B0609020204030204" pitchFamily="49" charset="0"/>
-              </a:rPr>
-              <a:t> </a:t>
-            </a:r>
-            <a:r>
-              <a:rPr lang="en-US" sz="1800" dirty="0">
-                <a:solidFill>
-                  <a:srgbClr val="0000FF"/>
-                </a:solidFill>
-                <a:latin typeface="Consolas" panose="020B0609020204030204" pitchFamily="49" charset="0"/>
-              </a:rPr>
-              <a:t>class</a:t>
-            </a:r>
-            <a:r>
-              <a:rPr lang="en-US" sz="1800" dirty="0">
-                <a:solidFill>
-                  <a:srgbClr val="000000"/>
-                </a:solidFill>
-                <a:latin typeface="Consolas" panose="020B0609020204030204" pitchFamily="49" charset="0"/>
-              </a:rPr>
-              <a:t> </a:t>
-            </a:r>
-            <a:r>
-              <a:rPr lang="en-US" sz="1800" dirty="0">
-                <a:solidFill>
-                  <a:srgbClr val="2B91AF"/>
-                </a:solidFill>
-                <a:latin typeface="Consolas" panose="020B0609020204030204" pitchFamily="49" charset="0"/>
-              </a:rPr>
-              <a:t>Bola</a:t>
-            </a:r>
-            <a:r>
-              <a:rPr lang="en-US" sz="1800" dirty="0">
-                <a:solidFill>
-                  <a:srgbClr val="000000"/>
-                </a:solidFill>
-                <a:latin typeface="Consolas" panose="020B0609020204030204" pitchFamily="49" charset="0"/>
-              </a:rPr>
-              <a:t> : </a:t>
-            </a:r>
-            <a:r>
-              <a:rPr lang="en-US" sz="1800" dirty="0" err="1">
-                <a:solidFill>
-                  <a:srgbClr val="000000"/>
-                </a:solidFill>
-                <a:latin typeface="Consolas" panose="020B0609020204030204" pitchFamily="49" charset="0"/>
-              </a:rPr>
-              <a:t>MonoBehaviour</a:t>
-            </a:r>
-            <a:r>
-              <a:rPr lang="en-US" sz="1800" dirty="0">
-                <a:solidFill>
-                  <a:srgbClr val="000000"/>
-                </a:solidFill>
-                <a:latin typeface="Consolas" panose="020B0609020204030204" pitchFamily="49" charset="0"/>
-              </a:rPr>
-              <a:t> {</a:t>
-            </a:r>
-          </a:p>
-          <a:p>
-            <a:pPr marL="0" indent="0">
-              <a:buNone/>
-            </a:pPr>
-            <a:r>
-              <a:rPr lang="en-US" sz="1800" dirty="0">
-                <a:solidFill>
-                  <a:srgbClr val="000000"/>
-                </a:solidFill>
-                <a:latin typeface="Consolas" panose="020B0609020204030204" pitchFamily="49" charset="0"/>
-              </a:rPr>
-              <a:t>    </a:t>
-            </a:r>
-            <a:r>
-              <a:rPr lang="en-US" sz="1800" dirty="0">
-                <a:solidFill>
-                  <a:srgbClr val="0000FF"/>
-                </a:solidFill>
-                <a:latin typeface="Consolas" panose="020B0609020204030204" pitchFamily="49" charset="0"/>
-              </a:rPr>
-              <a:t>public</a:t>
-            </a:r>
-            <a:r>
-              <a:rPr lang="en-US" sz="1800" dirty="0">
-                <a:solidFill>
-                  <a:srgbClr val="000000"/>
-                </a:solidFill>
-                <a:latin typeface="Consolas" panose="020B0609020204030204" pitchFamily="49" charset="0"/>
-              </a:rPr>
-              <a:t> Vector2 </a:t>
-            </a:r>
-            <a:r>
-              <a:rPr lang="en-US" sz="1800" dirty="0" err="1">
-                <a:solidFill>
-                  <a:srgbClr val="000000"/>
-                </a:solidFill>
-                <a:latin typeface="Consolas" panose="020B0609020204030204" pitchFamily="49" charset="0"/>
-              </a:rPr>
-              <a:t>Velocidade</a:t>
-            </a:r>
-            <a:r>
-              <a:rPr lang="en-US" sz="1800" dirty="0">
-                <a:solidFill>
-                  <a:srgbClr val="000000"/>
-                </a:solidFill>
-                <a:latin typeface="Consolas" panose="020B0609020204030204" pitchFamily="49" charset="0"/>
-              </a:rPr>
-              <a:t>;</a:t>
-            </a:r>
-          </a:p>
-          <a:p>
-            <a:pPr marL="0" indent="0">
-              <a:buNone/>
-            </a:pPr>
-            <a:endParaRPr lang="en-US" sz="1800" dirty="0">
-              <a:solidFill>
-                <a:srgbClr val="000000"/>
-              </a:solidFill>
-              <a:latin typeface="Consolas" panose="020B0609020204030204" pitchFamily="49" charset="0"/>
-            </a:endParaRPr>
-          </a:p>
-          <a:p>
-            <a:pPr marL="0" indent="0">
-              <a:buNone/>
-            </a:pPr>
-            <a:r>
-              <a:rPr lang="en-US" sz="1800" dirty="0">
-                <a:solidFill>
-                  <a:srgbClr val="000000"/>
-                </a:solidFill>
-                <a:latin typeface="Consolas" panose="020B0609020204030204" pitchFamily="49" charset="0"/>
-              </a:rPr>
-              <a:t>    </a:t>
-            </a:r>
-            <a:r>
-              <a:rPr lang="en-US" sz="1800" dirty="0">
-                <a:solidFill>
-                  <a:srgbClr val="0000FF"/>
-                </a:solidFill>
-                <a:latin typeface="Consolas" panose="020B0609020204030204" pitchFamily="49" charset="0"/>
-              </a:rPr>
-              <a:t>void</a:t>
-            </a:r>
-            <a:r>
-              <a:rPr lang="en-US" sz="1800" dirty="0">
-                <a:solidFill>
-                  <a:srgbClr val="000000"/>
-                </a:solidFill>
-                <a:latin typeface="Consolas" panose="020B0609020204030204" pitchFamily="49" charset="0"/>
-              </a:rPr>
-              <a:t> </a:t>
-            </a:r>
-            <a:r>
-              <a:rPr lang="en-US" sz="1800" dirty="0">
-                <a:solidFill>
-                  <a:srgbClr val="0000FF"/>
-                </a:solidFill>
-                <a:latin typeface="Consolas" panose="020B0609020204030204" pitchFamily="49" charset="0"/>
-              </a:rPr>
-              <a:t>Start</a:t>
-            </a:r>
-            <a:r>
-              <a:rPr lang="en-US" sz="1800" dirty="0">
-                <a:solidFill>
-                  <a:srgbClr val="000000"/>
-                </a:solidFill>
-                <a:latin typeface="Consolas" panose="020B0609020204030204" pitchFamily="49" charset="0"/>
-              </a:rPr>
-              <a:t>(){</a:t>
-            </a:r>
-          </a:p>
-          <a:p>
-            <a:pPr marL="0" indent="0">
-              <a:buNone/>
-            </a:pPr>
-            <a:r>
-              <a:rPr lang="en-US" sz="1800" dirty="0">
-                <a:solidFill>
-                  <a:srgbClr val="000000"/>
-                </a:solidFill>
-                <a:latin typeface="Consolas" panose="020B0609020204030204" pitchFamily="49" charset="0"/>
-              </a:rPr>
-              <a:t>        Rigidbody2D </a:t>
-            </a:r>
-            <a:r>
-              <a:rPr lang="en-US" sz="1800" dirty="0" err="1">
-                <a:solidFill>
-                  <a:srgbClr val="000000"/>
-                </a:solidFill>
-                <a:latin typeface="Consolas" panose="020B0609020204030204" pitchFamily="49" charset="0"/>
-              </a:rPr>
-              <a:t>rigidbody</a:t>
-            </a:r>
-            <a:r>
-              <a:rPr lang="en-US" sz="1800" dirty="0">
-                <a:solidFill>
-                  <a:srgbClr val="000000"/>
-                </a:solidFill>
-                <a:latin typeface="Consolas" panose="020B0609020204030204" pitchFamily="49" charset="0"/>
-              </a:rPr>
-              <a:t> = </a:t>
-            </a:r>
-            <a:r>
-              <a:rPr lang="en-US" sz="1800" dirty="0" err="1">
-                <a:solidFill>
-                  <a:srgbClr val="000000"/>
-                </a:solidFill>
-                <a:latin typeface="Consolas" panose="020B0609020204030204" pitchFamily="49" charset="0"/>
-              </a:rPr>
-              <a:t>GetComponent</a:t>
-            </a:r>
-            <a:r>
-              <a:rPr lang="en-US" sz="1800" dirty="0">
-                <a:solidFill>
-                  <a:srgbClr val="000000"/>
-                </a:solidFill>
-                <a:latin typeface="Consolas" panose="020B0609020204030204" pitchFamily="49" charset="0"/>
-              </a:rPr>
-              <a:t>&lt;Rigidbody2D&gt;();</a:t>
-            </a:r>
-          </a:p>
-          <a:p>
-            <a:pPr marL="0" indent="0">
-              <a:buNone/>
-            </a:pPr>
-            <a:r>
-              <a:rPr lang="en-US" sz="1800" dirty="0">
-                <a:solidFill>
-                  <a:srgbClr val="000000"/>
-                </a:solidFill>
-                <a:latin typeface="Consolas" panose="020B0609020204030204" pitchFamily="49" charset="0"/>
-              </a:rPr>
-              <a:t>        </a:t>
-            </a:r>
-            <a:r>
-              <a:rPr lang="en-US" sz="1800" dirty="0" err="1">
-                <a:solidFill>
-                  <a:srgbClr val="000000"/>
-                </a:solidFill>
-                <a:latin typeface="Consolas" panose="020B0609020204030204" pitchFamily="49" charset="0"/>
-              </a:rPr>
-              <a:t>rigidbody.AddForce</a:t>
-            </a:r>
-            <a:r>
-              <a:rPr lang="en-US" sz="1800" dirty="0">
-                <a:solidFill>
-                  <a:srgbClr val="000000"/>
-                </a:solidFill>
-                <a:latin typeface="Consolas" panose="020B0609020204030204" pitchFamily="49" charset="0"/>
-              </a:rPr>
-              <a:t>(</a:t>
-            </a:r>
-            <a:r>
-              <a:rPr lang="en-US" sz="1800" dirty="0" err="1">
-                <a:solidFill>
-                  <a:srgbClr val="000000"/>
-                </a:solidFill>
-                <a:latin typeface="Consolas" panose="020B0609020204030204" pitchFamily="49" charset="0"/>
-              </a:rPr>
-              <a:t>Velocidade</a:t>
-            </a:r>
-            <a:r>
-              <a:rPr lang="en-US" sz="1800" dirty="0">
-                <a:solidFill>
-                  <a:srgbClr val="000000"/>
-                </a:solidFill>
-                <a:latin typeface="Consolas" panose="020B0609020204030204" pitchFamily="49" charset="0"/>
-              </a:rPr>
-              <a:t>);</a:t>
-            </a:r>
-          </a:p>
-          <a:p>
-            <a:pPr marL="0" indent="0">
-              <a:buNone/>
-            </a:pPr>
-            <a:r>
-              <a:rPr lang="en-US" sz="1800" dirty="0">
-                <a:solidFill>
-                  <a:srgbClr val="000000"/>
-                </a:solidFill>
-                <a:latin typeface="Consolas" panose="020B0609020204030204" pitchFamily="49" charset="0"/>
-              </a:rPr>
-              <a:t>    }</a:t>
-            </a:r>
-          </a:p>
-          <a:p>
-            <a:pPr marL="0" indent="0">
-              <a:buNone/>
-            </a:pPr>
-            <a:r>
-              <a:rPr lang="en-US" sz="1800" dirty="0">
-                <a:solidFill>
-                  <a:srgbClr val="000000"/>
-                </a:solidFill>
-                <a:latin typeface="Consolas" panose="020B0609020204030204" pitchFamily="49" charset="0"/>
-              </a:rPr>
-              <a:t>    </a:t>
-            </a:r>
-            <a:r>
-              <a:rPr lang="en-US" sz="1800" dirty="0">
-                <a:solidFill>
-                  <a:srgbClr val="0000FF"/>
-                </a:solidFill>
-                <a:latin typeface="Consolas" panose="020B0609020204030204" pitchFamily="49" charset="0"/>
-              </a:rPr>
-              <a:t>void</a:t>
-            </a:r>
-            <a:r>
-              <a:rPr lang="en-US" sz="1800" dirty="0">
-                <a:solidFill>
-                  <a:srgbClr val="000000"/>
-                </a:solidFill>
-                <a:latin typeface="Consolas" panose="020B0609020204030204" pitchFamily="49" charset="0"/>
-              </a:rPr>
-              <a:t> </a:t>
-            </a:r>
-            <a:r>
-              <a:rPr lang="en-US" sz="1800" dirty="0">
-                <a:solidFill>
-                  <a:srgbClr val="0000FF"/>
-                </a:solidFill>
-                <a:latin typeface="Consolas" panose="020B0609020204030204" pitchFamily="49" charset="0"/>
-              </a:rPr>
-              <a:t>Update</a:t>
-            </a:r>
-            <a:r>
-              <a:rPr lang="en-US" sz="1800" dirty="0">
-                <a:solidFill>
-                  <a:srgbClr val="000000"/>
-                </a:solidFill>
-                <a:latin typeface="Consolas" panose="020B0609020204030204" pitchFamily="49" charset="0"/>
-              </a:rPr>
-              <a:t>() {</a:t>
-            </a:r>
-          </a:p>
-          <a:p>
-            <a:pPr marL="0" indent="0">
-              <a:buNone/>
-            </a:pPr>
-            <a:r>
-              <a:rPr lang="en-US" sz="1800" dirty="0">
-                <a:solidFill>
-                  <a:srgbClr val="000000"/>
-                </a:solidFill>
-                <a:latin typeface="Consolas" panose="020B0609020204030204" pitchFamily="49" charset="0"/>
-              </a:rPr>
-              <a:t>        </a:t>
-            </a:r>
-            <a:r>
-              <a:rPr lang="en-US" sz="1800" dirty="0">
-                <a:solidFill>
-                  <a:srgbClr val="0000FF"/>
-                </a:solidFill>
-                <a:latin typeface="Consolas" panose="020B0609020204030204" pitchFamily="49" charset="0"/>
-              </a:rPr>
-              <a:t>if</a:t>
-            </a:r>
-            <a:r>
-              <a:rPr lang="en-US" sz="1800" dirty="0">
-                <a:solidFill>
-                  <a:srgbClr val="000000"/>
-                </a:solidFill>
-                <a:latin typeface="Consolas" panose="020B0609020204030204" pitchFamily="49" charset="0"/>
-              </a:rPr>
-              <a:t> (</a:t>
-            </a:r>
-            <a:r>
-              <a:rPr lang="en-US" sz="1800" dirty="0" err="1">
-                <a:solidFill>
-                  <a:srgbClr val="000000"/>
-                </a:solidFill>
-                <a:latin typeface="Consolas" panose="020B0609020204030204" pitchFamily="49" charset="0"/>
-              </a:rPr>
-              <a:t>Input.GetKeyDown</a:t>
-            </a:r>
-            <a:r>
-              <a:rPr lang="en-US" sz="1800" dirty="0">
-                <a:solidFill>
-                  <a:srgbClr val="000000"/>
-                </a:solidFill>
-                <a:latin typeface="Consolas" panose="020B0609020204030204" pitchFamily="49" charset="0"/>
-              </a:rPr>
-              <a:t>(</a:t>
-            </a:r>
-            <a:r>
-              <a:rPr lang="en-US" sz="1800" dirty="0" err="1">
-                <a:solidFill>
-                  <a:srgbClr val="000000"/>
-                </a:solidFill>
-                <a:latin typeface="Consolas" panose="020B0609020204030204" pitchFamily="49" charset="0"/>
-              </a:rPr>
-              <a:t>KeyCode.R</a:t>
-            </a:r>
-            <a:r>
-              <a:rPr lang="en-US" sz="1800" dirty="0">
-                <a:solidFill>
-                  <a:srgbClr val="000000"/>
-                </a:solidFill>
-                <a:latin typeface="Consolas" panose="020B0609020204030204" pitchFamily="49" charset="0"/>
-              </a:rPr>
-              <a:t>))</a:t>
-            </a:r>
-          </a:p>
-          <a:p>
-            <a:pPr marL="0" indent="0">
-              <a:buNone/>
-            </a:pPr>
-            <a:r>
-              <a:rPr lang="en-US" sz="1800" dirty="0">
-                <a:solidFill>
-                  <a:srgbClr val="000000"/>
-                </a:solidFill>
-                <a:latin typeface="Consolas" panose="020B0609020204030204" pitchFamily="49" charset="0"/>
-              </a:rPr>
-              <a:t>            </a:t>
-            </a:r>
-            <a:r>
-              <a:rPr lang="en-US" sz="1800" dirty="0" err="1">
-                <a:solidFill>
-                  <a:srgbClr val="000000"/>
-                </a:solidFill>
-                <a:latin typeface="Consolas" panose="020B0609020204030204" pitchFamily="49" charset="0"/>
-              </a:rPr>
-              <a:t>SceneManager.LoadScene</a:t>
-            </a:r>
-            <a:r>
-              <a:rPr lang="en-US" sz="1800" dirty="0">
-                <a:solidFill>
-                  <a:srgbClr val="000000"/>
-                </a:solidFill>
-                <a:latin typeface="Consolas" panose="020B0609020204030204" pitchFamily="49" charset="0"/>
-              </a:rPr>
-              <a:t>(</a:t>
-            </a:r>
-            <a:r>
-              <a:rPr lang="en-US" sz="1800" dirty="0">
-                <a:solidFill>
-                  <a:srgbClr val="A31515"/>
-                </a:solidFill>
-                <a:latin typeface="Consolas" panose="020B0609020204030204" pitchFamily="49" charset="0"/>
-              </a:rPr>
-              <a:t>"</a:t>
-            </a:r>
-            <a:r>
-              <a:rPr lang="en-US" sz="1800" dirty="0" err="1">
-                <a:solidFill>
-                  <a:srgbClr val="A31515"/>
-                </a:solidFill>
-                <a:latin typeface="Consolas" panose="020B0609020204030204" pitchFamily="49" charset="0"/>
-              </a:rPr>
-              <a:t>SampleScene</a:t>
-            </a:r>
-            <a:r>
-              <a:rPr lang="en-US" sz="1800" dirty="0">
-                <a:solidFill>
-                  <a:srgbClr val="A31515"/>
-                </a:solidFill>
-                <a:latin typeface="Consolas" panose="020B0609020204030204" pitchFamily="49" charset="0"/>
-              </a:rPr>
-              <a:t>"</a:t>
-            </a:r>
-            <a:r>
-              <a:rPr lang="en-US" sz="1800" dirty="0">
-                <a:solidFill>
-                  <a:srgbClr val="000000"/>
-                </a:solidFill>
-                <a:latin typeface="Consolas" panose="020B0609020204030204" pitchFamily="49" charset="0"/>
-              </a:rPr>
-              <a:t>);</a:t>
-            </a:r>
-          </a:p>
-          <a:p>
-            <a:pPr marL="0" indent="0">
-              <a:buNone/>
-            </a:pPr>
-            <a:r>
-              <a:rPr lang="en-US" sz="1800" dirty="0">
-                <a:solidFill>
-                  <a:srgbClr val="000000"/>
-                </a:solidFill>
-                <a:latin typeface="Consolas" panose="020B0609020204030204" pitchFamily="49" charset="0"/>
-              </a:rPr>
-              <a:t>    }</a:t>
-            </a:r>
-          </a:p>
-          <a:p>
-            <a:pPr marL="0" indent="0">
-              <a:buNone/>
-            </a:pPr>
-            <a:r>
-              <a:rPr lang="en-US" sz="1800" dirty="0">
-                <a:solidFill>
-                  <a:srgbClr val="000000"/>
-                </a:solidFill>
-                <a:latin typeface="Consolas" panose="020B0609020204030204" pitchFamily="49" charset="0"/>
-              </a:rPr>
-              <a:t>}</a:t>
-            </a:r>
+              <a:t>Create</a:t>
+            </a:r>
+            <a:r>
+              <a:rPr lang="pt-BR" dirty="0"/>
+              <a:t> &gt; C# Script;</a:t>
+            </a:r>
+          </a:p>
+          <a:p>
+            <a:r>
+              <a:rPr lang="pt-BR" dirty="0"/>
+              <a:t>Agora vamos ver cada um dos códigos, tendo em mente que:</a:t>
+            </a:r>
+          </a:p>
+          <a:p>
+            <a:pPr lvl="1"/>
+            <a:r>
+              <a:rPr lang="pt-BR" dirty="0"/>
+              <a:t>Os métodos Start() serão sempre executados no início e apenas 1 vez;</a:t>
+            </a:r>
+          </a:p>
+          <a:p>
+            <a:pPr lvl="1"/>
+            <a:r>
+              <a:rPr lang="pt-BR" dirty="0"/>
+              <a:t>Os métodos Update() funcionam após o Start() em loop infinito e com frequência variável.</a:t>
+            </a:r>
+          </a:p>
+          <a:p>
             <a:endParaRPr lang="en-US" dirty="0"/>
           </a:p>
         </p:txBody>
@@ -5469,7 +4926,7 @@
     </p:spTree>
     <p:extLst>
       <p:ext uri="{BB962C8B-B14F-4D97-AF65-F5344CB8AC3E}">
-        <p14:creationId xmlns:p14="http://schemas.microsoft.com/office/powerpoint/2010/main" val="4054785111"/>
+        <p14:creationId xmlns:p14="http://schemas.microsoft.com/office/powerpoint/2010/main" val="2617878455"/>
       </p:ext>
     </p:extLst>
   </p:cSld>
@@ -5519,7 +4976,7 @@
           <a:p>
             <a:r>
               <a:rPr lang="pt-BR" b="1" dirty="0"/>
-              <a:t>Script Jogador</a:t>
+              <a:t>Script Bola</a:t>
             </a:r>
             <a:endParaRPr lang="en-US" b="1" dirty="0"/>
           </a:p>
@@ -5550,13 +5007,25 @@
           <a:p>
             <a:r>
               <a:rPr lang="pt-BR" dirty="0"/>
-              <a:t>As linhas 6 a 8 criam variáveis publicas globais;</a:t>
-            </a:r>
-          </a:p>
-          <a:p>
-            <a:r>
-              <a:rPr lang="pt-BR" dirty="0"/>
-              <a:t>Linha 10 instancia um objeto com rigidez de nome </a:t>
+              <a:t>As linhas 1 a 3 são padrão e não precisam ser alteradas;</a:t>
+            </a:r>
+          </a:p>
+          <a:p>
+            <a:r>
+              <a:rPr lang="pt-BR" dirty="0"/>
+              <a:t>Linha 5 deve conter o nome da Classe Bola igual a do arquivo;</a:t>
+            </a:r>
+          </a:p>
+          <a:p>
+            <a:r>
+              <a:rPr lang="pt-BR" dirty="0"/>
+              <a:t>Linha 6 refere-se a velocidade X e Y usada na Bola;</a:t>
+            </a:r>
+          </a:p>
+          <a:p>
+            <a:r>
+              <a:rPr lang="pt-BR" dirty="0"/>
+              <a:t>Linha 8 instancia um objeto com rigidez de nome </a:t>
             </a:r>
             <a:r>
               <a:rPr lang="pt-BR" dirty="0" err="1"/>
@@ -5570,13 +5039,7 @@
           <a:p>
             <a:r>
               <a:rPr lang="pt-BR" dirty="0"/>
-              <a:t>Linha 13 adicionamos uma entrada das setas direita e esquerda do teclado a variável responsável pela posição horizontal do Jogador;</a:t>
-            </a:r>
-          </a:p>
-          <a:p>
-            <a:r>
-              <a:rPr lang="pt-BR" dirty="0"/>
-              <a:t>Linha 14 adiciona o deslocamento horizontal ao objeto do Jogador.</a:t>
+              <a:t>Linha 9 adicionamos a grandeza força X e Y a este objeto Bola.</a:t>
             </a:r>
             <a:endParaRPr lang="en-US" dirty="0"/>
           </a:p>
@@ -5587,7 +5050,7 @@
           <p:cNvPr id="4" name="Espaço Reservado para Conteúdo 3">
             <a:extLst>
               <a:ext uri="{FF2B5EF4-FFF2-40B4-BE49-F238E27FC236}">
-                <a16:creationId xmlns:a16="http://schemas.microsoft.com/office/drawing/2014/main" id="{29F45CB2-CF77-2C81-1105-315D2AE3D771}"/>
+                <a16:creationId xmlns:a16="http://schemas.microsoft.com/office/drawing/2014/main" id="{EFE55093-C76E-E1AF-909F-1E59458564C9}"/>
               </a:ext>
             </a:extLst>
           </p:cNvPr>
@@ -5716,6 +5179,47 @@
                 <a:latin typeface="Consolas" panose="020B0609020204030204" pitchFamily="49" charset="0"/>
               </a:rPr>
               <a:t>UnityEngine</a:t>
+            </a:r>
+            <a:r>
+              <a:rPr lang="en-US" sz="1800" dirty="0">
+                <a:solidFill>
+                  <a:srgbClr val="000000"/>
+                </a:solidFill>
+                <a:latin typeface="Consolas" panose="020B0609020204030204" pitchFamily="49" charset="0"/>
+              </a:rPr>
+              <a:t>;</a:t>
+            </a:r>
+          </a:p>
+          <a:p>
+            <a:pPr marL="0" indent="0">
+              <a:buNone/>
+            </a:pPr>
+            <a:r>
+              <a:rPr lang="en-US" sz="1800" dirty="0">
+                <a:solidFill>
+                  <a:srgbClr val="0000FF"/>
+                </a:solidFill>
+                <a:latin typeface="Consolas" panose="020B0609020204030204" pitchFamily="49" charset="0"/>
+              </a:rPr>
+              <a:t>using</a:t>
+            </a:r>
+            <a:r>
+              <a:rPr lang="en-US" sz="1800" dirty="0">
+                <a:solidFill>
+                  <a:srgbClr val="000000"/>
+                </a:solidFill>
+                <a:latin typeface="Consolas" panose="020B0609020204030204" pitchFamily="49" charset="0"/>
+              </a:rPr>
+              <a:t> </a:t>
+            </a:r>
+            <a:r>
+              <a:rPr lang="en-US" sz="1800" dirty="0" err="1">
+                <a:solidFill>
+                  <a:srgbClr val="000000"/>
+                </a:solidFill>
+                <a:latin typeface="Consolas" panose="020B0609020204030204" pitchFamily="49" charset="0"/>
+              </a:rPr>
+              <a:t>UnityEngine.SceneManagement</a:t>
             </a:r>
             <a:r>
               <a:rPr lang="en-US" sz="1800" dirty="0">
@@ -5779,22 +5283,72 @@
               <a:t> </a:t>
             </a:r>
             <a:r>
+              <a:rPr lang="en-US" sz="1800" dirty="0">
+                <a:solidFill>
+                  <a:srgbClr val="2B91AF"/>
+                </a:solidFill>
+                <a:latin typeface="Consolas" panose="020B0609020204030204" pitchFamily="49" charset="0"/>
+              </a:rPr>
+              <a:t>Bola</a:t>
+            </a:r>
+            <a:r>
+              <a:rPr lang="en-US" sz="1800" dirty="0">
+                <a:solidFill>
+                  <a:srgbClr val="000000"/>
+                </a:solidFill>
+                <a:latin typeface="Consolas" panose="020B0609020204030204" pitchFamily="49" charset="0"/>
+              </a:rPr>
+              <a:t> : </a:t>
+            </a:r>
+            <a:r>
               <a:rPr lang="en-US" sz="1800" dirty="0" err="1">
                 <a:solidFill>
-                  <a:srgbClr val="2B91AF"/>
-                </a:solidFill>
-                <a:latin typeface="Consolas" panose="020B0609020204030204" pitchFamily="49" charset="0"/>
-              </a:rPr>
-              <a:t>Jogador</a:t>
-            </a:r>
-            <a:r>
-              <a:rPr lang="en-US" sz="1800" dirty="0">
-                <a:solidFill>
-                  <a:srgbClr val="000000"/>
-                </a:solidFill>
-                <a:latin typeface="Consolas" panose="020B0609020204030204" pitchFamily="49" charset="0"/>
-              </a:rPr>
-              <a:t> : </a:t>
+                  <a:srgbClr val="000000"/>
+                </a:solidFill>
+                <a:latin typeface="Consolas" panose="020B0609020204030204" pitchFamily="49" charset="0"/>
+              </a:rPr>
+              <a:t>MonoBehaviour</a:t>
+            </a:r>
+            <a:r>
+              <a:rPr lang="en-US" sz="1800" dirty="0">
+                <a:solidFill>
+                  <a:srgbClr val="000000"/>
+                </a:solidFill>
+                <a:latin typeface="Consolas" panose="020B0609020204030204" pitchFamily="49" charset="0"/>
+              </a:rPr>
+              <a:t> {</a:t>
+            </a:r>
+          </a:p>
+          <a:p>
+            <a:pPr marL="0" indent="0">
+              <a:buNone/>
+            </a:pPr>
+            <a:r>
+              <a:rPr lang="en-US" sz="1800" dirty="0">
+                <a:solidFill>
+                  <a:srgbClr val="000000"/>
+                </a:solidFill>
+                <a:latin typeface="Consolas" panose="020B0609020204030204" pitchFamily="49" charset="0"/>
+              </a:rPr>
+              <a:t>    </a:t>
+            </a:r>
+            <a:r>
+              <a:rPr lang="en-US" sz="1800" dirty="0">
+                <a:solidFill>
+                  <a:srgbClr val="0000FF"/>
+                </a:solidFill>
+                <a:latin typeface="Consolas" panose="020B0609020204030204" pitchFamily="49" charset="0"/>
+              </a:rPr>
+              <a:t>public</a:t>
+            </a:r>
+            <a:r>
+              <a:rPr lang="en-US" sz="1800" dirty="0">
+                <a:solidFill>
+                  <a:srgbClr val="000000"/>
+                </a:solidFill>
+                <a:latin typeface="Consolas" panose="020B0609020204030204" pitchFamily="49" charset="0"/>
+              </a:rPr>
+              <a:t> Vector2 </a:t>
             </a:r>
             <a:r>
               <a:rPr lang="en-US" sz="1800" dirty="0" err="1">
@@ -5803,22 +5357,33 @@
                 </a:solidFill>
                 <a:latin typeface="Consolas" panose="020B0609020204030204" pitchFamily="49" charset="0"/>
               </a:rPr>
-              <a:t>MonoBehaviour</a:t>
-            </a:r>
-            <a:r>
-              <a:rPr lang="en-US" sz="1800" dirty="0">
-                <a:solidFill>
-                  <a:srgbClr val="000000"/>
-                </a:solidFill>
-                <a:latin typeface="Consolas" panose="020B0609020204030204" pitchFamily="49" charset="0"/>
-              </a:rPr>
-              <a:t>{</a:t>
+              <a:t>Velocidade</a:t>
+            </a:r>
+            <a:r>
+              <a:rPr lang="en-US" sz="1800" dirty="0">
+                <a:solidFill>
+                  <a:srgbClr val="000000"/>
+                </a:solidFill>
+                <a:latin typeface="Consolas" panose="020B0609020204030204" pitchFamily="49" charset="0"/>
+              </a:rPr>
+              <a:t>;</a:t>
             </a:r>
           </a:p>
           <a:p>
             <a:pPr marL="0" indent="0">
               <a:buNone/>
             </a:pPr>
+            <a:endParaRPr lang="en-US" sz="1800" dirty="0">
+              <a:solidFill>
+                <a:srgbClr val="000000"/>
+              </a:solidFill>
+              <a:latin typeface="Consolas" panose="020B0609020204030204" pitchFamily="49" charset="0"/>
+            </a:endParaRPr>
+          </a:p>
+          <a:p>
+            <a:pPr marL="0" indent="0">
+              <a:buNone/>
+            </a:pPr>
             <a:r>
               <a:rPr lang="en-US" sz="1800" dirty="0">
                 <a:solidFill>
@@ -5835,7 +5400,7 @@
                 </a:solidFill>
                 <a:latin typeface="Consolas" panose="020B0609020204030204" pitchFamily="49" charset="0"/>
               </a:rPr>
-              <a:t>public</a:t>
+              <a:t>void</a:t>
             </a:r>
             <a:r>
               <a:rPr lang="en-US" sz="1800" dirty="0">
@@ -5853,7 +5418,153 @@
                 </a:solidFill>
                 <a:latin typeface="Consolas" panose="020B0609020204030204" pitchFamily="49" charset="0"/>
               </a:rPr>
-              <a:t>float</a:t>
+              <a:t>Start</a:t>
+            </a:r>
+            <a:r>
+              <a:rPr lang="en-US" sz="1800" dirty="0">
+                <a:solidFill>
+                  <a:srgbClr val="000000"/>
+                </a:solidFill>
+                <a:latin typeface="Consolas" panose="020B0609020204030204" pitchFamily="49" charset="0"/>
+              </a:rPr>
+              <a:t>(){</a:t>
+            </a:r>
+          </a:p>
+          <a:p>
+            <a:pPr marL="0" indent="0">
+              <a:buNone/>
+            </a:pPr>
+            <a:r>
+              <a:rPr lang="en-US" sz="1800" dirty="0">
+                <a:solidFill>
+                  <a:srgbClr val="000000"/>
+                </a:solidFill>
+                <a:latin typeface="Consolas" panose="020B0609020204030204" pitchFamily="49" charset="0"/>
+              </a:rPr>
+              <a:t>        Rigidbody2D </a:t>
+            </a:r>
+            <a:r>
+              <a:rPr lang="en-US" sz="1800" dirty="0" err="1">
+                <a:solidFill>
+                  <a:srgbClr val="000000"/>
+                </a:solidFill>
+                <a:latin typeface="Consolas" panose="020B0609020204030204" pitchFamily="49" charset="0"/>
+              </a:rPr>
+              <a:t>rigidbody</a:t>
+            </a:r>
+            <a:r>
+              <a:rPr lang="en-US" sz="1800" dirty="0">
+                <a:solidFill>
+                  <a:srgbClr val="000000"/>
+                </a:solidFill>
+                <a:latin typeface="Consolas" panose="020B0609020204030204" pitchFamily="49" charset="0"/>
+              </a:rPr>
+              <a:t> = </a:t>
+            </a:r>
+            <a:r>
+              <a:rPr lang="en-US" sz="1800" dirty="0" err="1">
+                <a:solidFill>
+                  <a:srgbClr val="000000"/>
+                </a:solidFill>
+                <a:latin typeface="Consolas" panose="020B0609020204030204" pitchFamily="49" charset="0"/>
+              </a:rPr>
+              <a:t>GetComponent</a:t>
+            </a:r>
+            <a:r>
+              <a:rPr lang="en-US" sz="1800" dirty="0">
+                <a:solidFill>
+                  <a:srgbClr val="000000"/>
+                </a:solidFill>
+                <a:latin typeface="Consolas" panose="020B0609020204030204" pitchFamily="49" charset="0"/>
+              </a:rPr>
+              <a:t>&lt;Rigidbody2D&gt;();</a:t>
+            </a:r>
+          </a:p>
+          <a:p>
+            <a:pPr marL="0" indent="0">
+              <a:buNone/>
+            </a:pPr>
+            <a:r>
+              <a:rPr lang="en-US" sz="1800" dirty="0">
+                <a:solidFill>
+                  <a:srgbClr val="000000"/>
+                </a:solidFill>
+                <a:latin typeface="Consolas" panose="020B0609020204030204" pitchFamily="49" charset="0"/>
+              </a:rPr>
+              <a:t>        </a:t>
+            </a:r>
+            <a:r>
+              <a:rPr lang="en-US" sz="1800" dirty="0" err="1">
+                <a:solidFill>
+                  <a:srgbClr val="000000"/>
+                </a:solidFill>
+                <a:latin typeface="Consolas" panose="020B0609020204030204" pitchFamily="49" charset="0"/>
+              </a:rPr>
+              <a:t>rigidbody.AddForce</a:t>
+            </a:r>
+            <a:r>
+              <a:rPr lang="en-US" sz="1800" dirty="0">
+                <a:solidFill>
+                  <a:srgbClr val="000000"/>
+                </a:solidFill>
+                <a:latin typeface="Consolas" panose="020B0609020204030204" pitchFamily="49" charset="0"/>
+              </a:rPr>
+              <a:t>(</a:t>
+            </a:r>
+            <a:r>
+              <a:rPr lang="en-US" sz="1800" dirty="0" err="1">
+                <a:solidFill>
+                  <a:srgbClr val="000000"/>
+                </a:solidFill>
+                <a:latin typeface="Consolas" panose="020B0609020204030204" pitchFamily="49" charset="0"/>
+              </a:rPr>
+              <a:t>Velocidade</a:t>
+            </a:r>
+            <a:r>
+              <a:rPr lang="en-US" sz="1800" dirty="0">
+                <a:solidFill>
+                  <a:srgbClr val="000000"/>
+                </a:solidFill>
+                <a:latin typeface="Consolas" panose="020B0609020204030204" pitchFamily="49" charset="0"/>
+              </a:rPr>
+              <a:t>);</a:t>
+            </a:r>
+          </a:p>
+          <a:p>
+            <a:pPr marL="0" indent="0">
+              <a:buNone/>
+            </a:pPr>
+            <a:r>
+              <a:rPr lang="en-US" sz="1800" dirty="0">
+                <a:solidFill>
+                  <a:srgbClr val="000000"/>
+                </a:solidFill>
+                <a:latin typeface="Consolas" panose="020B0609020204030204" pitchFamily="49" charset="0"/>
+              </a:rPr>
+              <a:t>    }</a:t>
+            </a:r>
+          </a:p>
+          <a:p>
+            <a:pPr marL="0" indent="0">
+              <a:buNone/>
+            </a:pPr>
+            <a:r>
+              <a:rPr lang="en-US" sz="1800" dirty="0">
+                <a:solidFill>
+                  <a:srgbClr val="000000"/>
+                </a:solidFill>
+                <a:latin typeface="Consolas" panose="020B0609020204030204" pitchFamily="49" charset="0"/>
+              </a:rPr>
+              <a:t>    </a:t>
+            </a:r>
+            <a:r>
+              <a:rPr lang="en-US" sz="1800" dirty="0">
+                <a:solidFill>
+                  <a:srgbClr val="0000FF"/>
+                </a:solidFill>
+                <a:latin typeface="Consolas" panose="020B0609020204030204" pitchFamily="49" charset="0"/>
+              </a:rPr>
+              <a:t>void</a:t>
             </a:r>
             <a:r>
               <a:rPr lang="en-US" sz="1800" dirty="0">
@@ -5865,22 +5576,90 @@
               <a:t> </a:t>
             </a:r>
             <a:r>
+              <a:rPr lang="en-US" sz="1800" dirty="0">
+                <a:solidFill>
+                  <a:srgbClr val="0000FF"/>
+                </a:solidFill>
+                <a:latin typeface="Consolas" panose="020B0609020204030204" pitchFamily="49" charset="0"/>
+              </a:rPr>
+              <a:t>Update</a:t>
+            </a:r>
+            <a:r>
+              <a:rPr lang="en-US" sz="1800" dirty="0">
+                <a:solidFill>
+                  <a:srgbClr val="000000"/>
+                </a:solidFill>
+                <a:latin typeface="Consolas" panose="020B0609020204030204" pitchFamily="49" charset="0"/>
+              </a:rPr>
+              <a:t>() {</a:t>
+            </a:r>
+          </a:p>
+          <a:p>
+            <a:pPr marL="0" indent="0">
+              <a:buNone/>
+            </a:pPr>
+            <a:r>
+              <a:rPr lang="en-US" sz="1800" dirty="0">
+                <a:solidFill>
+                  <a:srgbClr val="000000"/>
+                </a:solidFill>
+                <a:latin typeface="Consolas" panose="020B0609020204030204" pitchFamily="49" charset="0"/>
+              </a:rPr>
+              <a:t>        </a:t>
+            </a:r>
+            <a:r>
+              <a:rPr lang="en-US" sz="1800" dirty="0">
+                <a:solidFill>
+                  <a:srgbClr val="0000FF"/>
+                </a:solidFill>
+                <a:latin typeface="Consolas" panose="020B0609020204030204" pitchFamily="49" charset="0"/>
+              </a:rPr>
+              <a:t>if</a:t>
+            </a:r>
+            <a:r>
+              <a:rPr lang="en-US" sz="1800" dirty="0">
+                <a:solidFill>
+                  <a:srgbClr val="000000"/>
+                </a:solidFill>
+                <a:latin typeface="Consolas" panose="020B0609020204030204" pitchFamily="49" charset="0"/>
+              </a:rPr>
+              <a:t> (</a:t>
+            </a:r>
+            <a:r>
               <a:rPr lang="en-US" sz="1800" dirty="0" err="1">
                 <a:solidFill>
                   <a:srgbClr val="000000"/>
                 </a:solidFill>
                 <a:latin typeface="Consolas" panose="020B0609020204030204" pitchFamily="49" charset="0"/>
               </a:rPr>
-              <a:t>Velocidade</a:t>
-            </a:r>
-            <a:r>
-              <a:rPr lang="en-US" sz="1800" dirty="0">
-                <a:solidFill>
-                  <a:srgbClr val="000000"/>
-                </a:solidFill>
-                <a:latin typeface="Consolas" panose="020B0609020204030204" pitchFamily="49" charset="0"/>
-              </a:rPr>
-              <a:t> = 10.0f;</a:t>
+              <a:t>Input.GetKeyDown</a:t>
+            </a:r>
+            <a:r>
+              <a:rPr lang="en-US" sz="1800" dirty="0">
+                <a:solidFill>
+                  <a:srgbClr val="000000"/>
+                </a:solidFill>
+                <a:latin typeface="Consolas" panose="020B0609020204030204" pitchFamily="49" charset="0"/>
+              </a:rPr>
+              <a:t>(</a:t>
+            </a:r>
+            <a:r>
+              <a:rPr lang="en-US" sz="1800" dirty="0" err="1">
+                <a:solidFill>
+                  <a:srgbClr val="000000"/>
+                </a:solidFill>
+                <a:latin typeface="Consolas" panose="020B0609020204030204" pitchFamily="49" charset="0"/>
+              </a:rPr>
+              <a:t>KeyCode.R</a:t>
+            </a:r>
+            <a:r>
+              <a:rPr lang="en-US" sz="1800" dirty="0">
+                <a:solidFill>
+                  <a:srgbClr val="000000"/>
+                </a:solidFill>
+                <a:latin typeface="Consolas" panose="020B0609020204030204" pitchFamily="49" charset="0"/>
+              </a:rPr>
+              <a:t>))</a:t>
             </a:r>
           </a:p>
           <a:p>
@@ -5894,43 +5673,7 @@
                 </a:solidFill>
                 <a:latin typeface="Consolas" panose="020B0609020204030204" pitchFamily="49" charset="0"/>
               </a:rPr>
-              <a:t>    </a:t>
-            </a:r>
-            <a:r>
-              <a:rPr lang="en-US" sz="1800" dirty="0">
-                <a:solidFill>
-                  <a:srgbClr val="0000FF"/>
-                </a:solidFill>
-                <a:latin typeface="Consolas" panose="020B0609020204030204" pitchFamily="49" charset="0"/>
-              </a:rPr>
-              <a:t>public</a:t>
-            </a:r>
-            <a:r>
-              <a:rPr lang="en-US" sz="1800" dirty="0">
-                <a:solidFill>
-                  <a:srgbClr val="000000"/>
-                </a:solidFill>
-                <a:latin typeface="Consolas" panose="020B0609020204030204" pitchFamily="49" charset="0"/>
-              </a:rPr>
-              <a:t> </a:t>
-            </a:r>
-            <a:r>
-              <a:rPr lang="en-US" sz="1800" dirty="0">
-                <a:solidFill>
-                  <a:srgbClr val="0000FF"/>
-                </a:solidFill>
-                <a:latin typeface="Consolas" panose="020B0609020204030204" pitchFamily="49" charset="0"/>
-              </a:rPr>
-              <a:t>float</a:t>
-            </a:r>
-            <a:r>
-              <a:rPr lang="en-US" sz="1800" dirty="0">
-                <a:solidFill>
-                  <a:srgbClr val="000000"/>
-                </a:solidFill>
-                <a:latin typeface="Consolas" panose="020B0609020204030204" pitchFamily="49" charset="0"/>
-              </a:rPr>
-              <a:t> </a:t>
+              <a:t>            </a:t>
             </a:r>
             <a:r>
               <a:rPr lang="en-US" sz="1800" dirty="0" err="1">
@@ -5939,307 +5682,43 @@
                 </a:solidFill>
                 <a:latin typeface="Consolas" panose="020B0609020204030204" pitchFamily="49" charset="0"/>
               </a:rPr>
-              <a:t>HorizontalAxix</a:t>
-            </a:r>
-            <a:r>
-              <a:rPr lang="en-US" sz="1800" dirty="0">
-                <a:solidFill>
-                  <a:srgbClr val="000000"/>
-                </a:solidFill>
-                <a:latin typeface="Consolas" panose="020B0609020204030204" pitchFamily="49" charset="0"/>
-              </a:rPr>
-              <a:t>;</a:t>
-            </a:r>
-          </a:p>
-          <a:p>
-            <a:pPr marL="0" indent="0">
-              <a:buNone/>
-            </a:pPr>
-            <a:r>
-              <a:rPr lang="en-US" sz="1800" dirty="0">
-                <a:solidFill>
-                  <a:srgbClr val="000000"/>
-                </a:solidFill>
-                <a:latin typeface="Consolas" panose="020B0609020204030204" pitchFamily="49" charset="0"/>
-              </a:rPr>
-              <a:t>    </a:t>
-            </a:r>
-            <a:r>
-              <a:rPr lang="en-US" sz="1800" dirty="0">
-                <a:solidFill>
-                  <a:srgbClr val="0000FF"/>
-                </a:solidFill>
-                <a:latin typeface="Consolas" panose="020B0609020204030204" pitchFamily="49" charset="0"/>
-              </a:rPr>
-              <a:t>public</a:t>
-            </a:r>
-            <a:r>
-              <a:rPr lang="en-US" sz="1800" dirty="0">
-                <a:solidFill>
-                  <a:srgbClr val="000000"/>
-                </a:solidFill>
-                <a:latin typeface="Consolas" panose="020B0609020204030204" pitchFamily="49" charset="0"/>
-              </a:rPr>
-              <a:t> Rigidbody2D </a:t>
+              <a:t>SceneManager.LoadScene</a:t>
+            </a:r>
+            <a:r>
+              <a:rPr lang="en-US" sz="1800" dirty="0">
+                <a:solidFill>
+                  <a:srgbClr val="000000"/>
+                </a:solidFill>
+                <a:latin typeface="Consolas" panose="020B0609020204030204" pitchFamily="49" charset="0"/>
+              </a:rPr>
+              <a:t>(</a:t>
+            </a:r>
+            <a:r>
+              <a:rPr lang="en-US" sz="1800" dirty="0">
+                <a:solidFill>
+                  <a:srgbClr val="A31515"/>
+                </a:solidFill>
+                <a:latin typeface="Consolas" panose="020B0609020204030204" pitchFamily="49" charset="0"/>
+              </a:rPr>
+              <a:t>"</a:t>
             </a:r>
             <a:r>
               <a:rPr lang="en-US" sz="1800" dirty="0" err="1">
                 <a:solidFill>
-                  <a:srgbClr val="000000"/>
-                </a:solidFill>
-                <a:latin typeface="Consolas" panose="020B0609020204030204" pitchFamily="49" charset="0"/>
-              </a:rPr>
-              <a:t>rigidbody</a:t>
-            </a:r>
-            <a:r>
-              <a:rPr lang="en-US" sz="1800" dirty="0">
-                <a:solidFill>
-                  <a:srgbClr val="000000"/>
-                </a:solidFill>
-                <a:latin typeface="Consolas" panose="020B0609020204030204" pitchFamily="49" charset="0"/>
-              </a:rPr>
-              <a:t>;</a:t>
-            </a:r>
-          </a:p>
-          <a:p>
-            <a:pPr marL="0" indent="0">
-              <a:buNone/>
-            </a:pPr>
-            <a:r>
-              <a:rPr lang="en-US" sz="1800" dirty="0">
-                <a:solidFill>
-                  <a:srgbClr val="000000"/>
-                </a:solidFill>
-                <a:latin typeface="Consolas" panose="020B0609020204030204" pitchFamily="49" charset="0"/>
-              </a:rPr>
-              <a:t>    </a:t>
-            </a:r>
-            <a:r>
-              <a:rPr lang="en-US" sz="1800" dirty="0">
-                <a:solidFill>
-                  <a:srgbClr val="0000FF"/>
-                </a:solidFill>
-                <a:latin typeface="Consolas" panose="020B0609020204030204" pitchFamily="49" charset="0"/>
-              </a:rPr>
-              <a:t>private</a:t>
-            </a:r>
-            <a:r>
-              <a:rPr lang="en-US" sz="1800" dirty="0">
-                <a:solidFill>
-                  <a:srgbClr val="000000"/>
-                </a:solidFill>
-                <a:latin typeface="Consolas" panose="020B0609020204030204" pitchFamily="49" charset="0"/>
-              </a:rPr>
-              <a:t> </a:t>
-            </a:r>
-            <a:r>
-              <a:rPr lang="en-US" sz="1800" dirty="0">
-                <a:solidFill>
-                  <a:srgbClr val="0000FF"/>
-                </a:solidFill>
-                <a:latin typeface="Consolas" panose="020B0609020204030204" pitchFamily="49" charset="0"/>
-              </a:rPr>
-              <a:t>void</a:t>
-            </a:r>
-            <a:r>
-              <a:rPr lang="en-US" sz="1800" dirty="0">
-                <a:solidFill>
-                  <a:srgbClr val="000000"/>
-                </a:solidFill>
-                <a:latin typeface="Consolas" panose="020B0609020204030204" pitchFamily="49" charset="0"/>
-              </a:rPr>
-              <a:t> </a:t>
-            </a:r>
-            <a:r>
-              <a:rPr lang="en-US" sz="1800" dirty="0">
-                <a:solidFill>
-                  <a:srgbClr val="0000FF"/>
-                </a:solidFill>
-                <a:latin typeface="Consolas" panose="020B0609020204030204" pitchFamily="49" charset="0"/>
-              </a:rPr>
-              <a:t>Start</a:t>
-            </a:r>
-            <a:r>
-              <a:rPr lang="en-US" sz="1800" dirty="0">
-                <a:solidFill>
-                  <a:srgbClr val="000000"/>
-                </a:solidFill>
-                <a:latin typeface="Consolas" panose="020B0609020204030204" pitchFamily="49" charset="0"/>
-              </a:rPr>
-              <a:t>(){</a:t>
-            </a:r>
-          </a:p>
-          <a:p>
-            <a:pPr marL="0" indent="0">
-              <a:buNone/>
-            </a:pPr>
-            <a:r>
-              <a:rPr lang="en-US" sz="1800" dirty="0">
-                <a:solidFill>
-                  <a:srgbClr val="000000"/>
-                </a:solidFill>
-                <a:latin typeface="Consolas" panose="020B0609020204030204" pitchFamily="49" charset="0"/>
-              </a:rPr>
-              <a:t>        </a:t>
-            </a:r>
-            <a:r>
-              <a:rPr lang="en-US" sz="1800" dirty="0" err="1">
-                <a:solidFill>
-                  <a:srgbClr val="000000"/>
-                </a:solidFill>
-                <a:latin typeface="Consolas" panose="020B0609020204030204" pitchFamily="49" charset="0"/>
-              </a:rPr>
-              <a:t>rigidbody</a:t>
-            </a:r>
-            <a:r>
-              <a:rPr lang="en-US" sz="1800" dirty="0">
-                <a:solidFill>
-                  <a:srgbClr val="000000"/>
-                </a:solidFill>
-                <a:latin typeface="Consolas" panose="020B0609020204030204" pitchFamily="49" charset="0"/>
-              </a:rPr>
-              <a:t> = </a:t>
-            </a:r>
-            <a:r>
-              <a:rPr lang="en-US" sz="1800" dirty="0" err="1">
-                <a:solidFill>
-                  <a:srgbClr val="000000"/>
-                </a:solidFill>
-                <a:latin typeface="Consolas" panose="020B0609020204030204" pitchFamily="49" charset="0"/>
-              </a:rPr>
-              <a:t>GetComponent</a:t>
-            </a:r>
-            <a:r>
-              <a:rPr lang="en-US" sz="1800" dirty="0">
-                <a:solidFill>
-                  <a:srgbClr val="000000"/>
-                </a:solidFill>
-                <a:latin typeface="Consolas" panose="020B0609020204030204" pitchFamily="49" charset="0"/>
-              </a:rPr>
-              <a:t>&lt;Rigidbody2D&gt;();</a:t>
-            </a:r>
-          </a:p>
-          <a:p>
-            <a:pPr marL="0" indent="0">
-              <a:buNone/>
-            </a:pPr>
-            <a:r>
-              <a:rPr lang="en-US" sz="1800" dirty="0">
-                <a:solidFill>
-                  <a:srgbClr val="000000"/>
-                </a:solidFill>
-                <a:latin typeface="Consolas" panose="020B0609020204030204" pitchFamily="49" charset="0"/>
-              </a:rPr>
-              <a:t>    }</a:t>
-            </a:r>
-          </a:p>
-          <a:p>
-            <a:pPr marL="0" indent="0">
-              <a:buNone/>
-            </a:pPr>
-            <a:r>
-              <a:rPr lang="en-US" sz="1800" dirty="0">
-                <a:solidFill>
-                  <a:srgbClr val="000000"/>
-                </a:solidFill>
-                <a:latin typeface="Consolas" panose="020B0609020204030204" pitchFamily="49" charset="0"/>
-              </a:rPr>
-              <a:t>    </a:t>
-            </a:r>
-            <a:r>
-              <a:rPr lang="en-US" sz="1800" dirty="0">
-                <a:solidFill>
-                  <a:srgbClr val="0000FF"/>
-                </a:solidFill>
-                <a:latin typeface="Consolas" panose="020B0609020204030204" pitchFamily="49" charset="0"/>
-              </a:rPr>
-              <a:t>void</a:t>
-            </a:r>
-            <a:r>
-              <a:rPr lang="en-US" sz="1800" dirty="0">
-                <a:solidFill>
-                  <a:srgbClr val="000000"/>
-                </a:solidFill>
-                <a:latin typeface="Consolas" panose="020B0609020204030204" pitchFamily="49" charset="0"/>
-              </a:rPr>
-              <a:t> </a:t>
-            </a:r>
-            <a:r>
-              <a:rPr lang="en-US" sz="1800" dirty="0">
-                <a:solidFill>
-                  <a:srgbClr val="0000FF"/>
-                </a:solidFill>
-                <a:latin typeface="Consolas" panose="020B0609020204030204" pitchFamily="49" charset="0"/>
-              </a:rPr>
-              <a:t>Update</a:t>
-            </a:r>
-            <a:r>
-              <a:rPr lang="en-US" sz="1800" dirty="0">
-                <a:solidFill>
-                  <a:srgbClr val="000000"/>
-                </a:solidFill>
-                <a:latin typeface="Consolas" panose="020B0609020204030204" pitchFamily="49" charset="0"/>
-              </a:rPr>
-              <a:t>(){</a:t>
-            </a:r>
-          </a:p>
-          <a:p>
-            <a:pPr marL="0" indent="0">
-              <a:buNone/>
-            </a:pPr>
-            <a:r>
-              <a:rPr lang="en-US" sz="1800" dirty="0">
-                <a:solidFill>
-                  <a:srgbClr val="000000"/>
-                </a:solidFill>
-                <a:latin typeface="Consolas" panose="020B0609020204030204" pitchFamily="49" charset="0"/>
-              </a:rPr>
-              <a:t>        </a:t>
-            </a:r>
-            <a:r>
-              <a:rPr lang="en-US" sz="1800" dirty="0" err="1">
-                <a:solidFill>
-                  <a:srgbClr val="000000"/>
-                </a:solidFill>
-                <a:latin typeface="Consolas" panose="020B0609020204030204" pitchFamily="49" charset="0"/>
-              </a:rPr>
-              <a:t>HorizontalAxix</a:t>
-            </a:r>
-            <a:r>
-              <a:rPr lang="en-US" sz="1800" dirty="0">
-                <a:solidFill>
-                  <a:srgbClr val="000000"/>
-                </a:solidFill>
-                <a:latin typeface="Consolas" panose="020B0609020204030204" pitchFamily="49" charset="0"/>
-              </a:rPr>
-              <a:t> = </a:t>
-            </a:r>
-            <a:r>
-              <a:rPr lang="en-US" sz="1800" dirty="0" err="1">
-                <a:solidFill>
-                  <a:srgbClr val="000000"/>
-                </a:solidFill>
-                <a:latin typeface="Consolas" panose="020B0609020204030204" pitchFamily="49" charset="0"/>
-              </a:rPr>
-              <a:t>Input.GetAxis</a:t>
-            </a:r>
-            <a:r>
-              <a:rPr lang="en-US" sz="1800" dirty="0">
-                <a:solidFill>
-                  <a:srgbClr val="000000"/>
-                </a:solidFill>
-                <a:latin typeface="Consolas" panose="020B0609020204030204" pitchFamily="49" charset="0"/>
-              </a:rPr>
-              <a:t>(</a:t>
-            </a:r>
-            <a:r>
-              <a:rPr lang="en-US" sz="1800" dirty="0">
-                <a:solidFill>
                   <a:srgbClr val="A31515"/>
                 </a:solidFill>
                 <a:latin typeface="Consolas" panose="020B0609020204030204" pitchFamily="49" charset="0"/>
               </a:rPr>
-              <a:t>"Horizontal"</a:t>
+              <a:t>SampleScene</a:t>
+            </a:r>
+            <a:r>
+              <a:rPr lang="en-US" sz="1800" dirty="0">
+                <a:solidFill>
+                  <a:srgbClr val="A31515"/>
+                </a:solidFill>
+                <a:latin typeface="Consolas" panose="020B0609020204030204" pitchFamily="49" charset="0"/>
+              </a:rPr>
+              <a:t>"</a:t>
             </a:r>
             <a:r>
               <a:rPr lang="en-US" sz="1800" dirty="0">
@@ -6249,92 +5728,6 @@
                 <a:latin typeface="Consolas" panose="020B0609020204030204" pitchFamily="49" charset="0"/>
               </a:rPr>
               <a:t>);</a:t>
-            </a:r>
-          </a:p>
-          <a:p>
-            <a:pPr marL="0" indent="0">
-              <a:buNone/>
-            </a:pPr>
-            <a:r>
-              <a:rPr lang="en-US" sz="1800" dirty="0">
-                <a:solidFill>
-                  <a:srgbClr val="000000"/>
-                </a:solidFill>
-                <a:latin typeface="Consolas" panose="020B0609020204030204" pitchFamily="49" charset="0"/>
-              </a:rPr>
-              <a:t>        </a:t>
-            </a:r>
-            <a:r>
-              <a:rPr lang="en-US" sz="1800" dirty="0" err="1">
-                <a:solidFill>
-                  <a:srgbClr val="000000"/>
-                </a:solidFill>
-                <a:latin typeface="Consolas" panose="020B0609020204030204" pitchFamily="49" charset="0"/>
-              </a:rPr>
-              <a:t>rigidbody.velocity</a:t>
-            </a:r>
-            <a:r>
-              <a:rPr lang="en-US" sz="1800" dirty="0">
-                <a:solidFill>
-                  <a:srgbClr val="000000"/>
-                </a:solidFill>
-                <a:latin typeface="Consolas" panose="020B0609020204030204" pitchFamily="49" charset="0"/>
-              </a:rPr>
-              <a:t> = </a:t>
-            </a:r>
-            <a:r>
-              <a:rPr lang="en-US" sz="1800" dirty="0">
-                <a:solidFill>
-                  <a:srgbClr val="0000FF"/>
-                </a:solidFill>
-                <a:latin typeface="Consolas" panose="020B0609020204030204" pitchFamily="49" charset="0"/>
-              </a:rPr>
-              <a:t>new</a:t>
-            </a:r>
-            <a:r>
-              <a:rPr lang="en-US" sz="1800" dirty="0">
-                <a:solidFill>
-                  <a:srgbClr val="000000"/>
-                </a:solidFill>
-                <a:latin typeface="Consolas" panose="020B0609020204030204" pitchFamily="49" charset="0"/>
-              </a:rPr>
-              <a:t> Vector2(</a:t>
-            </a:r>
-            <a:r>
-              <a:rPr lang="en-US" sz="1800" dirty="0" err="1">
-                <a:solidFill>
-                  <a:srgbClr val="000000"/>
-                </a:solidFill>
-                <a:latin typeface="Consolas" panose="020B0609020204030204" pitchFamily="49" charset="0"/>
-              </a:rPr>
-              <a:t>Velocidade</a:t>
-            </a:r>
-            <a:r>
-              <a:rPr lang="en-US" sz="1800" dirty="0">
-                <a:solidFill>
-                  <a:srgbClr val="000000"/>
-                </a:solidFill>
-                <a:latin typeface="Consolas" panose="020B0609020204030204" pitchFamily="49" charset="0"/>
-              </a:rPr>
-              <a:t> * </a:t>
-            </a:r>
-            <a:r>
-              <a:rPr lang="en-US" sz="1800" dirty="0" err="1">
-                <a:solidFill>
-                  <a:srgbClr val="000000"/>
-                </a:solidFill>
-                <a:latin typeface="Consolas" panose="020B0609020204030204" pitchFamily="49" charset="0"/>
-              </a:rPr>
-              <a:t>HorizontalAxix</a:t>
-            </a:r>
-            <a:r>
-              <a:rPr lang="en-US" sz="1800" dirty="0">
-                <a:solidFill>
-                  <a:srgbClr val="000000"/>
-                </a:solidFill>
-                <a:latin typeface="Consolas" panose="020B0609020204030204" pitchFamily="49" charset="0"/>
-              </a:rPr>
-              <a:t>, 0);</a:t>
             </a:r>
           </a:p>
           <a:p>
@@ -6371,7 +5764,7 @@
     </p:spTree>
     <p:extLst>
       <p:ext uri="{BB962C8B-B14F-4D97-AF65-F5344CB8AC3E}">
-        <p14:creationId xmlns:p14="http://schemas.microsoft.com/office/powerpoint/2010/main" val="853726850"/>
+        <p14:creationId xmlns:p14="http://schemas.microsoft.com/office/powerpoint/2010/main" val="4054785111"/>
       </p:ext>
     </p:extLst>
   </p:cSld>
@@ -6421,7 +5814,7 @@
           <a:p>
             <a:r>
               <a:rPr lang="pt-BR" b="1" dirty="0"/>
-              <a:t>Script Bloco</a:t>
+              <a:t>Script Jogador</a:t>
             </a:r>
             <a:endParaRPr lang="en-US" b="1" dirty="0"/>
           </a:p>
@@ -6452,13 +5845,13 @@
           <a:p>
             <a:r>
               <a:rPr lang="pt-BR" dirty="0"/>
-              <a:t>As linhas 6 e 7 criam variáveis publicas globais;</a:t>
-            </a:r>
-          </a:p>
-          <a:p>
-            <a:r>
-              <a:rPr lang="pt-BR" dirty="0"/>
-              <a:t>Linha 9 instancia um objeto com rigidez de nome </a:t>
+              <a:t>As linhas 6 a 8 criam variáveis publicas globais;</a:t>
+            </a:r>
+          </a:p>
+          <a:p>
+            <a:r>
+              <a:rPr lang="pt-BR" dirty="0"/>
+              <a:t>Linha 10 instancia um objeto com rigidez de nome </a:t>
             </a:r>
             <a:r>
               <a:rPr lang="pt-BR" dirty="0" err="1"/>
@@ -6472,41 +5865,13 @@
           <a:p>
             <a:r>
               <a:rPr lang="pt-BR" dirty="0"/>
-              <a:t>Linha 10 instancia um objeto com colisão de nome </a:t>
-            </a:r>
-            <a:r>
-              <a:rPr lang="pt-BR" dirty="0" err="1"/>
-              <a:t>colider</a:t>
-            </a:r>
-            <a:r>
-              <a:rPr lang="pt-BR" dirty="0"/>
-              <a:t>;</a:t>
-            </a:r>
-          </a:p>
-          <a:p>
-            <a:r>
-              <a:rPr lang="pt-BR" dirty="0"/>
-              <a:t>Linha 12 cria-se um método que reconhece a colisão de objetos 2D;</a:t>
-            </a:r>
-          </a:p>
-          <a:p>
-            <a:r>
-              <a:rPr lang="pt-BR" dirty="0"/>
-              <a:t>Linha 13 adicionamos um novo gerenciador de eixos do </a:t>
-            </a:r>
-            <a:r>
-              <a:rPr lang="pt-BR" dirty="0" err="1"/>
-              <a:t>Rigidbody</a:t>
-            </a:r>
-            <a:r>
-              <a:rPr lang="pt-BR" dirty="0"/>
-              <a:t>;</a:t>
-            </a:r>
-          </a:p>
-          <a:p>
-            <a:r>
-              <a:rPr lang="pt-BR" dirty="0"/>
-              <a:t>Linha 14 seta o acionador (Trigger) pra verdadeiro.</a:t>
+              <a:t>Linha 13 adicionamos uma entrada das setas direita e esquerda do teclado a variável responsável pela posição horizontal do Jogador;</a:t>
+            </a:r>
+          </a:p>
+          <a:p>
+            <a:r>
+              <a:rPr lang="pt-BR" dirty="0"/>
+              <a:t>Linha 14 adiciona o deslocamento horizontal ao objeto do Jogador.</a:t>
             </a:r>
             <a:endParaRPr lang="en-US" dirty="0"/>
           </a:p>
@@ -6517,7 +5882,7 @@
           <p:cNvPr id="4" name="Espaço Reservado para Conteúdo 3">
             <a:extLst>
               <a:ext uri="{FF2B5EF4-FFF2-40B4-BE49-F238E27FC236}">
-                <a16:creationId xmlns:a16="http://schemas.microsoft.com/office/drawing/2014/main" id="{34EB2225-2394-6D2E-94A3-8841B1E277F9}"/>
+                <a16:creationId xmlns:a16="http://schemas.microsoft.com/office/drawing/2014/main" id="{29F45CB2-CF77-2C81-1105-315D2AE3D771}"/>
               </a:ext>
             </a:extLst>
           </p:cNvPr>
@@ -6709,13 +6074,13 @@
               <a:t> </a:t>
             </a:r>
             <a:r>
-              <a:rPr lang="en-US" sz="1800" dirty="0">
+              <a:rPr lang="en-US" sz="1800" dirty="0" err="1">
                 <a:solidFill>
                   <a:srgbClr val="2B91AF"/>
                 </a:solidFill>
                 <a:latin typeface="Consolas" panose="020B0609020204030204" pitchFamily="49" charset="0"/>
               </a:rPr>
-              <a:t>Bloco</a:t>
+              <a:t>Jogador</a:t>
             </a:r>
             <a:r>
               <a:rPr lang="en-US" sz="1800" dirty="0">
@@ -6774,6 +6139,142 @@
                 </a:solidFill>
                 <a:latin typeface="Consolas" panose="020B0609020204030204" pitchFamily="49" charset="0"/>
               </a:rPr>
+              <a:t> </a:t>
+            </a:r>
+            <a:r>
+              <a:rPr lang="en-US" sz="1800" dirty="0">
+                <a:solidFill>
+                  <a:srgbClr val="0000FF"/>
+                </a:solidFill>
+                <a:latin typeface="Consolas" panose="020B0609020204030204" pitchFamily="49" charset="0"/>
+              </a:rPr>
+              <a:t>float</a:t>
+            </a:r>
+            <a:r>
+              <a:rPr lang="en-US" sz="1800" dirty="0">
+                <a:solidFill>
+                  <a:srgbClr val="000000"/>
+                </a:solidFill>
+                <a:latin typeface="Consolas" panose="020B0609020204030204" pitchFamily="49" charset="0"/>
+              </a:rPr>
+              <a:t> </a:t>
+            </a:r>
+            <a:r>
+              <a:rPr lang="en-US" sz="1800" dirty="0" err="1">
+                <a:solidFill>
+                  <a:srgbClr val="000000"/>
+                </a:solidFill>
+                <a:latin typeface="Consolas" panose="020B0609020204030204" pitchFamily="49" charset="0"/>
+              </a:rPr>
+              <a:t>Velocidade</a:t>
+            </a:r>
+            <a:r>
+              <a:rPr lang="en-US" sz="1800" dirty="0">
+                <a:solidFill>
+                  <a:srgbClr val="000000"/>
+                </a:solidFill>
+                <a:latin typeface="Consolas" panose="020B0609020204030204" pitchFamily="49" charset="0"/>
+              </a:rPr>
+              <a:t> = 10.0f;</a:t>
+            </a:r>
+          </a:p>
+          <a:p>
+            <a:pPr marL="0" indent="0">
+              <a:buNone/>
+            </a:pPr>
+            <a:r>
+              <a:rPr lang="en-US" sz="1800" dirty="0">
+                <a:solidFill>
+                  <a:srgbClr val="000000"/>
+                </a:solidFill>
+                <a:latin typeface="Consolas" panose="020B0609020204030204" pitchFamily="49" charset="0"/>
+              </a:rPr>
+              <a:t>    </a:t>
+            </a:r>
+            <a:r>
+              <a:rPr lang="en-US" sz="1800" dirty="0">
+                <a:solidFill>
+                  <a:srgbClr val="0000FF"/>
+                </a:solidFill>
+                <a:latin typeface="Consolas" panose="020B0609020204030204" pitchFamily="49" charset="0"/>
+              </a:rPr>
+              <a:t>public</a:t>
+            </a:r>
+            <a:r>
+              <a:rPr lang="en-US" sz="1800" dirty="0">
+                <a:solidFill>
+                  <a:srgbClr val="000000"/>
+                </a:solidFill>
+                <a:latin typeface="Consolas" panose="020B0609020204030204" pitchFamily="49" charset="0"/>
+              </a:rPr>
+              <a:t> </a:t>
+            </a:r>
+            <a:r>
+              <a:rPr lang="en-US" sz="1800" dirty="0">
+                <a:solidFill>
+                  <a:srgbClr val="0000FF"/>
+                </a:solidFill>
+                <a:latin typeface="Consolas" panose="020B0609020204030204" pitchFamily="49" charset="0"/>
+              </a:rPr>
+              <a:t>float</a:t>
+            </a:r>
+            <a:r>
+              <a:rPr lang="en-US" sz="1800" dirty="0">
+                <a:solidFill>
+                  <a:srgbClr val="000000"/>
+                </a:solidFill>
+                <a:latin typeface="Consolas" panose="020B0609020204030204" pitchFamily="49" charset="0"/>
+              </a:rPr>
+              <a:t> </a:t>
+            </a:r>
+            <a:r>
+              <a:rPr lang="en-US" sz="1800" dirty="0" err="1">
+                <a:solidFill>
+                  <a:srgbClr val="000000"/>
+                </a:solidFill>
+                <a:latin typeface="Consolas" panose="020B0609020204030204" pitchFamily="49" charset="0"/>
+              </a:rPr>
+              <a:t>HorizontalAxix</a:t>
+            </a:r>
+            <a:r>
+              <a:rPr lang="en-US" sz="1800" dirty="0">
+                <a:solidFill>
+                  <a:srgbClr val="000000"/>
+                </a:solidFill>
+                <a:latin typeface="Consolas" panose="020B0609020204030204" pitchFamily="49" charset="0"/>
+              </a:rPr>
+              <a:t>;</a:t>
+            </a:r>
+          </a:p>
+          <a:p>
+            <a:pPr marL="0" indent="0">
+              <a:buNone/>
+            </a:pPr>
+            <a:r>
+              <a:rPr lang="en-US" sz="1800" dirty="0">
+                <a:solidFill>
+                  <a:srgbClr val="000000"/>
+                </a:solidFill>
+                <a:latin typeface="Consolas" panose="020B0609020204030204" pitchFamily="49" charset="0"/>
+              </a:rPr>
+              <a:t>    </a:t>
+            </a:r>
+            <a:r>
+              <a:rPr lang="en-US" sz="1800" dirty="0">
+                <a:solidFill>
+                  <a:srgbClr val="0000FF"/>
+                </a:solidFill>
+                <a:latin typeface="Consolas" panose="020B0609020204030204" pitchFamily="49" charset="0"/>
+              </a:rPr>
+              <a:t>public</a:t>
+            </a:r>
+            <a:r>
+              <a:rPr lang="en-US" sz="1800" dirty="0">
+                <a:solidFill>
+                  <a:srgbClr val="000000"/>
+                </a:solidFill>
+                <a:latin typeface="Consolas" panose="020B0609020204030204" pitchFamily="49" charset="0"/>
+              </a:rPr>
               <a:t> Rigidbody2D </a:t>
             </a:r>
             <a:r>
@@ -6815,16 +6316,66 @@
                 </a:solidFill>
                 <a:latin typeface="Consolas" panose="020B0609020204030204" pitchFamily="49" charset="0"/>
               </a:rPr>
-              <a:t>public</a:t>
-            </a:r>
-            <a:r>
-              <a:rPr lang="en-US" sz="1800" dirty="0">
-                <a:solidFill>
-                  <a:srgbClr val="000000"/>
-                </a:solidFill>
-                <a:latin typeface="Consolas" panose="020B0609020204030204" pitchFamily="49" charset="0"/>
-              </a:rPr>
-              <a:t> BoxCollider2D </a:t>
+              <a:t>private</a:t>
+            </a:r>
+            <a:r>
+              <a:rPr lang="en-US" sz="1800" dirty="0">
+                <a:solidFill>
+                  <a:srgbClr val="000000"/>
+                </a:solidFill>
+                <a:latin typeface="Consolas" panose="020B0609020204030204" pitchFamily="49" charset="0"/>
+              </a:rPr>
+              <a:t> </a:t>
+            </a:r>
+            <a:r>
+              <a:rPr lang="en-US" sz="1800" dirty="0">
+                <a:solidFill>
+                  <a:srgbClr val="0000FF"/>
+                </a:solidFill>
+                <a:latin typeface="Consolas" panose="020B0609020204030204" pitchFamily="49" charset="0"/>
+              </a:rPr>
+              <a:t>void</a:t>
+            </a:r>
+            <a:r>
+              <a:rPr lang="en-US" sz="1800" dirty="0">
+                <a:solidFill>
+                  <a:srgbClr val="000000"/>
+                </a:solidFill>
+                <a:latin typeface="Consolas" panose="020B0609020204030204" pitchFamily="49" charset="0"/>
+              </a:rPr>
+              <a:t> </a:t>
+            </a:r>
+            <a:r>
+              <a:rPr lang="en-US" sz="1800" dirty="0">
+                <a:solidFill>
+                  <a:srgbClr val="0000FF"/>
+                </a:solidFill>
+                <a:latin typeface="Consolas" panose="020B0609020204030204" pitchFamily="49" charset="0"/>
+              </a:rPr>
+              <a:t>Start</a:t>
+            </a:r>
+            <a:r>
+              <a:rPr lang="en-US" sz="1800" dirty="0">
+                <a:solidFill>
+                  <a:srgbClr val="000000"/>
+                </a:solidFill>
+                <a:latin typeface="Consolas" panose="020B0609020204030204" pitchFamily="49" charset="0"/>
+              </a:rPr>
+              <a:t>(){</a:t>
+            </a:r>
+          </a:p>
+          <a:p>
+            <a:pPr marL="0" indent="0">
+              <a:buNone/>
+            </a:pPr>
+            <a:r>
+              <a:rPr lang="en-US" sz="1800" dirty="0">
+                <a:solidFill>
+                  <a:srgbClr val="000000"/>
+                </a:solidFill>
+                <a:latin typeface="Consolas" panose="020B0609020204030204" pitchFamily="49" charset="0"/>
+              </a:rPr>
+              <a:t>        </a:t>
             </a:r>
             <a:r>
               <a:rPr lang="en-US" sz="1800" dirty="0" err="1">
@@ -6833,16 +6384,34 @@
                 </a:solidFill>
                 <a:latin typeface="Consolas" panose="020B0609020204030204" pitchFamily="49" charset="0"/>
               </a:rPr>
-              <a:t>colider</a:t>
-            </a:r>
-            <a:r>
-              <a:rPr lang="en-US" sz="1800" dirty="0">
-                <a:solidFill>
-                  <a:srgbClr val="000000"/>
-                </a:solidFill>
-                <a:latin typeface="Consolas" panose="020B0609020204030204" pitchFamily="49" charset="0"/>
-              </a:rPr>
-              <a:t>;</a:t>
+              <a:t>rigidbody</a:t>
+            </a:r>
+            <a:r>
+              <a:rPr lang="en-US" sz="1800" dirty="0">
+                <a:solidFill>
+                  <a:srgbClr val="000000"/>
+                </a:solidFill>
+                <a:latin typeface="Consolas" panose="020B0609020204030204" pitchFamily="49" charset="0"/>
+              </a:rPr>
+              <a:t> = </a:t>
+            </a:r>
+            <a:r>
+              <a:rPr lang="en-US" sz="1800" dirty="0" err="1">
+                <a:solidFill>
+                  <a:srgbClr val="000000"/>
+                </a:solidFill>
+                <a:latin typeface="Consolas" panose="020B0609020204030204" pitchFamily="49" charset="0"/>
+              </a:rPr>
+              <a:t>GetComponent</a:t>
+            </a:r>
+            <a:r>
+              <a:rPr lang="en-US" sz="1800" dirty="0">
+                <a:solidFill>
+                  <a:srgbClr val="000000"/>
+                </a:solidFill>
+                <a:latin typeface="Consolas" panose="020B0609020204030204" pitchFamily="49" charset="0"/>
+              </a:rPr>
+              <a:t>&lt;Rigidbody2D&gt;();</a:t>
             </a:r>
           </a:p>
           <a:p>
@@ -6856,6 +6425,20 @@
                 </a:solidFill>
                 <a:latin typeface="Consolas" panose="020B0609020204030204" pitchFamily="49" charset="0"/>
               </a:rPr>
+              <a:t>    }</a:t>
+            </a:r>
+          </a:p>
+          <a:p>
+            <a:pPr marL="0" indent="0">
+              <a:buNone/>
+            </a:pPr>
+            <a:r>
+              <a:rPr lang="en-US" sz="1800" dirty="0">
+                <a:solidFill>
+                  <a:srgbClr val="000000"/>
+                </a:solidFill>
+                <a:latin typeface="Consolas" panose="020B0609020204030204" pitchFamily="49" charset="0"/>
+              </a:rPr>
               <a:t>    </a:t>
             </a:r>
             <a:r>
@@ -6865,7 +6448,7 @@
                 </a:solidFill>
                 <a:latin typeface="Consolas" panose="020B0609020204030204" pitchFamily="49" charset="0"/>
               </a:rPr>
-              <a:t>private</a:t>
+              <a:t>void</a:t>
             </a:r>
             <a:r>
               <a:rPr lang="en-US" sz="1800" dirty="0">
@@ -6883,16 +6466,16 @@
                 </a:solidFill>
                 <a:latin typeface="Consolas" panose="020B0609020204030204" pitchFamily="49" charset="0"/>
               </a:rPr>
-              <a:t>void</a:t>
-            </a:r>
-            <a:r>
-              <a:rPr lang="en-US" sz="1800" dirty="0">
-                <a:solidFill>
-                  <a:srgbClr val="000000"/>
-                </a:solidFill>
-                <a:latin typeface="Consolas" panose="020B0609020204030204" pitchFamily="49" charset="0"/>
-              </a:rPr>
-              <a:t> Start(){</a:t>
+              <a:t>Update</a:t>
+            </a:r>
+            <a:r>
+              <a:rPr lang="en-US" sz="1800" dirty="0">
+                <a:solidFill>
+                  <a:srgbClr val="000000"/>
+                </a:solidFill>
+                <a:latin typeface="Consolas" panose="020B0609020204030204" pitchFamily="49" charset="0"/>
+              </a:rPr>
+              <a:t>(){</a:t>
             </a:r>
           </a:p>
           <a:p>
@@ -6915,7 +6498,7 @@
                 </a:solidFill>
                 <a:latin typeface="Consolas" panose="020B0609020204030204" pitchFamily="49" charset="0"/>
               </a:rPr>
-              <a:t>rigidbody</a:t>
+              <a:t>HorizontalAxix</a:t>
             </a:r>
             <a:r>
               <a:rPr lang="en-US" sz="1800" dirty="0">
@@ -6933,16 +6516,34 @@
                 </a:solidFill>
                 <a:latin typeface="Consolas" panose="020B0609020204030204" pitchFamily="49" charset="0"/>
               </a:rPr>
-              <a:t>GetComponent</a:t>
-            </a:r>
-            <a:r>
-              <a:rPr lang="en-US" sz="1800" dirty="0">
-                <a:solidFill>
-                  <a:srgbClr val="000000"/>
-                </a:solidFill>
-                <a:latin typeface="Consolas" panose="020B0609020204030204" pitchFamily="49" charset="0"/>
-              </a:rPr>
-              <a:t>&lt;Rigidbody2D&gt; ();</a:t>
+              <a:t>Input.GetAxis</a:t>
+            </a:r>
+            <a:r>
+              <a:rPr lang="en-US" sz="1800" dirty="0">
+                <a:solidFill>
+                  <a:srgbClr val="000000"/>
+                </a:solidFill>
+                <a:latin typeface="Consolas" panose="020B0609020204030204" pitchFamily="49" charset="0"/>
+              </a:rPr>
+              <a:t>(</a:t>
+            </a:r>
+            <a:r>
+              <a:rPr lang="en-US" sz="1800" dirty="0">
+                <a:solidFill>
+                  <a:srgbClr val="A31515"/>
+                </a:solidFill>
+                <a:latin typeface="Consolas" panose="020B0609020204030204" pitchFamily="49" charset="0"/>
+              </a:rPr>
+              <a:t>"Horizontal"</a:t>
+            </a:r>
+            <a:r>
+              <a:rPr lang="en-US" sz="1800" dirty="0">
+                <a:solidFill>
+                  <a:srgbClr val="000000"/>
+                </a:solidFill>
+                <a:latin typeface="Consolas" panose="020B0609020204030204" pitchFamily="49" charset="0"/>
+              </a:rPr>
+              <a:t>);</a:t>
             </a:r>
           </a:p>
           <a:p>
@@ -6965,7 +6566,7 @@
                 </a:solidFill>
                 <a:latin typeface="Consolas" panose="020B0609020204030204" pitchFamily="49" charset="0"/>
               </a:rPr>
-              <a:t>colider</a:t>
+              <a:t>rigidbody.velocity</a:t>
             </a:r>
             <a:r>
               <a:rPr lang="en-US" sz="1800" dirty="0">
@@ -6977,100 +6578,40 @@
               <a:t> = </a:t>
             </a:r>
             <a:r>
+              <a:rPr lang="en-US" sz="1800" dirty="0">
+                <a:solidFill>
+                  <a:srgbClr val="0000FF"/>
+                </a:solidFill>
+                <a:latin typeface="Consolas" panose="020B0609020204030204" pitchFamily="49" charset="0"/>
+              </a:rPr>
+              <a:t>new</a:t>
+            </a:r>
+            <a:r>
+              <a:rPr lang="en-US" sz="1800" dirty="0">
+                <a:solidFill>
+                  <a:srgbClr val="000000"/>
+                </a:solidFill>
+                <a:latin typeface="Consolas" panose="020B0609020204030204" pitchFamily="49" charset="0"/>
+              </a:rPr>
+              <a:t> Vector2(</a:t>
+            </a:r>
+            <a:r>
               <a:rPr lang="en-US" sz="1800" dirty="0" err="1">
                 <a:solidFill>
                   <a:srgbClr val="000000"/>
                 </a:solidFill>
                 <a:latin typeface="Consolas" panose="020B0609020204030204" pitchFamily="49" charset="0"/>
               </a:rPr>
-              <a:t>GetComponent</a:t>
-            </a:r>
-            <a:r>
-              <a:rPr lang="en-US" sz="1800" dirty="0">
-                <a:solidFill>
-                  <a:srgbClr val="000000"/>
-                </a:solidFill>
-                <a:latin typeface="Consolas" panose="020B0609020204030204" pitchFamily="49" charset="0"/>
-              </a:rPr>
-              <a:t>&lt;BoxCollider2D&gt; ();</a:t>
-            </a:r>
-          </a:p>
-          <a:p>
-            <a:pPr marL="0" indent="0">
-              <a:buNone/>
-            </a:pPr>
-            <a:r>
-              <a:rPr lang="en-US" sz="1800" dirty="0">
-                <a:solidFill>
-                  <a:srgbClr val="000000"/>
-                </a:solidFill>
-                <a:latin typeface="Consolas" panose="020B0609020204030204" pitchFamily="49" charset="0"/>
-              </a:rPr>
-              <a:t>    }</a:t>
-            </a:r>
-          </a:p>
-          <a:p>
-            <a:pPr marL="0" indent="0">
-              <a:buNone/>
-            </a:pPr>
-            <a:r>
-              <a:rPr lang="it-IT" sz="1800" dirty="0">
-                <a:solidFill>
-                  <a:srgbClr val="000000"/>
-                </a:solidFill>
-                <a:latin typeface="Consolas" panose="020B0609020204030204" pitchFamily="49" charset="0"/>
-              </a:rPr>
-              <a:t>    </a:t>
-            </a:r>
-            <a:r>
-              <a:rPr lang="it-IT" sz="1800" dirty="0">
-                <a:solidFill>
-                  <a:srgbClr val="0000FF"/>
-                </a:solidFill>
-                <a:latin typeface="Consolas" panose="020B0609020204030204" pitchFamily="49" charset="0"/>
-              </a:rPr>
-              <a:t>private</a:t>
-            </a:r>
-            <a:r>
-              <a:rPr lang="it-IT" sz="1800" dirty="0">
-                <a:solidFill>
-                  <a:srgbClr val="000000"/>
-                </a:solidFill>
-                <a:latin typeface="Consolas" panose="020B0609020204030204" pitchFamily="49" charset="0"/>
-              </a:rPr>
-              <a:t> </a:t>
-            </a:r>
-            <a:r>
-              <a:rPr lang="it-IT" sz="1800" dirty="0">
-                <a:solidFill>
-                  <a:srgbClr val="0000FF"/>
-                </a:solidFill>
-                <a:latin typeface="Consolas" panose="020B0609020204030204" pitchFamily="49" charset="0"/>
-              </a:rPr>
-              <a:t>void</a:t>
-            </a:r>
-            <a:r>
-              <a:rPr lang="it-IT" sz="1800" dirty="0">
-                <a:solidFill>
-                  <a:srgbClr val="000000"/>
-                </a:solidFill>
-                <a:latin typeface="Consolas" panose="020B0609020204030204" pitchFamily="49" charset="0"/>
-              </a:rPr>
-              <a:t> OnCollisionEnter2D(Collision2D collision){</a:t>
-            </a:r>
-          </a:p>
-          <a:p>
-            <a:pPr marL="0" indent="0">
-              <a:buNone/>
-            </a:pPr>
-            <a:r>
-              <a:rPr lang="en-US" sz="1800" dirty="0">
-                <a:solidFill>
-                  <a:srgbClr val="000000"/>
-                </a:solidFill>
-                <a:latin typeface="Consolas" panose="020B0609020204030204" pitchFamily="49" charset="0"/>
-              </a:rPr>
-              <a:t>        </a:t>
+              <a:t>Velocidade</a:t>
+            </a:r>
+            <a:r>
+              <a:rPr lang="en-US" sz="1800" dirty="0">
+                <a:solidFill>
+                  <a:srgbClr val="000000"/>
+                </a:solidFill>
+                <a:latin typeface="Consolas" panose="020B0609020204030204" pitchFamily="49" charset="0"/>
+              </a:rPr>
+              <a:t> * </a:t>
             </a:r>
             <a:r>
               <a:rPr lang="en-US" sz="1800" dirty="0" err="1">
@@ -7079,84 +6620,16 @@
                 </a:solidFill>
                 <a:latin typeface="Consolas" panose="020B0609020204030204" pitchFamily="49" charset="0"/>
               </a:rPr>
-              <a:t>rigidbody.constraints</a:t>
-            </a:r>
-            <a:r>
-              <a:rPr lang="en-US" sz="1800" dirty="0">
-                <a:solidFill>
-                  <a:srgbClr val="000000"/>
-                </a:solidFill>
-                <a:latin typeface="Consolas" panose="020B0609020204030204" pitchFamily="49" charset="0"/>
-              </a:rPr>
-              <a:t> = </a:t>
-            </a:r>
-            <a:r>
-              <a:rPr lang="en-US" sz="1800" dirty="0">
-                <a:solidFill>
-                  <a:srgbClr val="0000FF"/>
-                </a:solidFill>
-                <a:latin typeface="Consolas" panose="020B0609020204030204" pitchFamily="49" charset="0"/>
-              </a:rPr>
-              <a:t>new</a:t>
-            </a:r>
-            <a:r>
-              <a:rPr lang="en-US" sz="1800" dirty="0">
-                <a:solidFill>
-                  <a:srgbClr val="000000"/>
-                </a:solidFill>
-                <a:latin typeface="Consolas" panose="020B0609020204030204" pitchFamily="49" charset="0"/>
-              </a:rPr>
-              <a:t> RigidbodyConstraints2D();</a:t>
-            </a:r>
-          </a:p>
-          <a:p>
-            <a:pPr marL="0" indent="0">
-              <a:buNone/>
-            </a:pPr>
-            <a:r>
-              <a:rPr lang="en-US" sz="1800" dirty="0">
-                <a:solidFill>
-                  <a:srgbClr val="000000"/>
-                </a:solidFill>
-                <a:latin typeface="Consolas" panose="020B0609020204030204" pitchFamily="49" charset="0"/>
-              </a:rPr>
-              <a:t>        </a:t>
-            </a:r>
-            <a:r>
-              <a:rPr lang="en-US" sz="1800" dirty="0" err="1">
-                <a:solidFill>
-                  <a:srgbClr val="000000"/>
-                </a:solidFill>
-                <a:latin typeface="Consolas" panose="020B0609020204030204" pitchFamily="49" charset="0"/>
-              </a:rPr>
-              <a:t>colider.isTrigger</a:t>
-            </a:r>
-            <a:r>
-              <a:rPr lang="en-US" sz="1800" dirty="0">
-                <a:solidFill>
-                  <a:srgbClr val="000000"/>
-                </a:solidFill>
-                <a:latin typeface="Consolas" panose="020B0609020204030204" pitchFamily="49" charset="0"/>
-              </a:rPr>
-              <a:t> = </a:t>
-            </a:r>
-            <a:r>
-              <a:rPr lang="en-US" sz="1800" dirty="0">
-                <a:solidFill>
-                  <a:srgbClr val="0000FF"/>
-                </a:solidFill>
-                <a:latin typeface="Consolas" panose="020B0609020204030204" pitchFamily="49" charset="0"/>
-              </a:rPr>
-              <a:t>true</a:t>
-            </a:r>
-            <a:r>
-              <a:rPr lang="en-US" sz="1800" dirty="0">
-                <a:solidFill>
-                  <a:srgbClr val="000000"/>
-                </a:solidFill>
-                <a:latin typeface="Consolas" panose="020B0609020204030204" pitchFamily="49" charset="0"/>
-              </a:rPr>
-              <a:t>;</a:t>
+              <a:t>HorizontalAxix</a:t>
+            </a:r>
+            <a:r>
+              <a:rPr lang="en-US" sz="1800" dirty="0">
+                <a:solidFill>
+                  <a:srgbClr val="000000"/>
+                </a:solidFill>
+                <a:latin typeface="Consolas" panose="020B0609020204030204" pitchFamily="49" charset="0"/>
+              </a:rPr>
+              <a:t>, 0);</a:t>
             </a:r>
           </a:p>
           <a:p>
@@ -7193,7 +6666,7 @@
     </p:spTree>
     <p:extLst>
       <p:ext uri="{BB962C8B-B14F-4D97-AF65-F5344CB8AC3E}">
-        <p14:creationId xmlns:p14="http://schemas.microsoft.com/office/powerpoint/2010/main" val="2255820749"/>
+        <p14:creationId xmlns:p14="http://schemas.microsoft.com/office/powerpoint/2010/main" val="853726850"/>
       </p:ext>
     </p:extLst>
   </p:cSld>
@@ -7243,7 +6716,7 @@
           <a:p>
             <a:r>
               <a:rPr lang="pt-BR" b="1" dirty="0"/>
-              <a:t>Script Destruidor</a:t>
+              <a:t>Script Bloco</a:t>
             </a:r>
             <a:endParaRPr lang="en-US" b="1" dirty="0"/>
           </a:p>
@@ -7268,40 +6741,68 @@
         <p:spPr/>
         <p:txBody>
           <a:bodyPr>
-            <a:normAutofit fontScale="85000" lnSpcReduction="20000"/>
+            <a:normAutofit fontScale="62500" lnSpcReduction="20000"/>
           </a:bodyPr>
           <a:lstStyle/>
           <a:p>
             <a:r>
               <a:rPr lang="pt-BR" dirty="0"/>
-              <a:t>Linha 6 cria-se um método que reconhece a colisão de objetos 2D;</a:t>
-            </a:r>
-          </a:p>
-          <a:p>
-            <a:r>
-              <a:rPr lang="pt-BR" dirty="0"/>
-              <a:t>Linha 7 cria-se uma referencia com o objeto (bola ou bloco) que colidiu com o Chao;</a:t>
-            </a:r>
-          </a:p>
-          <a:p>
-            <a:r>
-              <a:rPr lang="pt-BR" dirty="0"/>
-              <a:t>Linha 8 destrói o objeto que colidiu com o Chao;</a:t>
-            </a:r>
-          </a:p>
-          <a:p>
-            <a:r>
-              <a:rPr lang="pt-BR" dirty="0"/>
-              <a:t>Linha 10 cria-se um método que verifica se acionador (Trigger) recebeu colisão;</a:t>
-            </a:r>
-          </a:p>
-          <a:p>
-            <a:r>
-              <a:rPr lang="pt-BR" dirty="0"/>
-              <a:t>Linha 11 destoe o que acionou o método.</a:t>
-            </a:r>
-          </a:p>
-          <a:p>
+              <a:t>As linhas 6 e 7 criam variáveis publicas globais;</a:t>
+            </a:r>
+          </a:p>
+          <a:p>
+            <a:r>
+              <a:rPr lang="pt-BR" dirty="0"/>
+              <a:t>Linha 9 instancia um objeto com rigidez de nome </a:t>
+            </a:r>
+            <a:r>
+              <a:rPr lang="pt-BR" dirty="0" err="1"/>
+              <a:t>rigidbody</a:t>
+            </a:r>
+            <a:r>
+              <a:rPr lang="pt-BR" dirty="0"/>
+              <a:t>;</a:t>
+            </a:r>
+          </a:p>
+          <a:p>
+            <a:r>
+              <a:rPr lang="pt-BR" dirty="0"/>
+              <a:t>Linha 10 instancia um objeto com colisão de nome </a:t>
+            </a:r>
+            <a:r>
+              <a:rPr lang="pt-BR" dirty="0" err="1"/>
+              <a:t>colider</a:t>
+            </a:r>
+            <a:r>
+              <a:rPr lang="pt-BR" dirty="0"/>
+              <a:t>;</a:t>
+            </a:r>
+          </a:p>
+          <a:p>
+            <a:r>
+              <a:rPr lang="pt-BR" dirty="0"/>
+              <a:t>Linha 12 cria-se um método que reconhece a colisão de objetos 2D;</a:t>
+            </a:r>
+          </a:p>
+          <a:p>
+            <a:r>
+              <a:rPr lang="pt-BR" dirty="0"/>
+              <a:t>Linha 13 adicionamos um novo gerenciador de eixos do </a:t>
+            </a:r>
+            <a:r>
+              <a:rPr lang="pt-BR" dirty="0" err="1"/>
+              <a:t>Rigidbody</a:t>
+            </a:r>
+            <a:r>
+              <a:rPr lang="pt-BR" dirty="0"/>
+              <a:t>;</a:t>
+            </a:r>
+          </a:p>
+          <a:p>
+            <a:r>
+              <a:rPr lang="pt-BR" dirty="0"/>
+              <a:t>Linha 14 seta o acionador (Trigger) pra verdadeiro.</a:t>
+            </a:r>
             <a:endParaRPr lang="en-US" dirty="0"/>
           </a:p>
         </p:txBody>
@@ -7311,7 +6812,7 @@
           <p:cNvPr id="4" name="Espaço Reservado para Conteúdo 3">
             <a:extLst>
               <a:ext uri="{FF2B5EF4-FFF2-40B4-BE49-F238E27FC236}">
-                <a16:creationId xmlns:a16="http://schemas.microsoft.com/office/drawing/2014/main" id="{2B603A72-1D18-C7CF-B7DE-799B9C385497}"/>
+                <a16:creationId xmlns:a16="http://schemas.microsoft.com/office/drawing/2014/main" id="{34EB2225-2394-6D2E-94A3-8841B1E277F9}"/>
               </a:ext>
             </a:extLst>
           </p:cNvPr>
@@ -7325,7 +6826,7 @@
         <p:spPr/>
         <p:txBody>
           <a:bodyPr>
-            <a:normAutofit fontScale="85000" lnSpcReduction="20000"/>
+            <a:normAutofit fontScale="62500" lnSpcReduction="20000"/>
           </a:bodyPr>
           <a:lstStyle/>
           <a:p>
@@ -7503,22 +7004,72 @@
               <a:t> </a:t>
             </a:r>
             <a:r>
+              <a:rPr lang="en-US" sz="1800" dirty="0">
+                <a:solidFill>
+                  <a:srgbClr val="2B91AF"/>
+                </a:solidFill>
+                <a:latin typeface="Consolas" panose="020B0609020204030204" pitchFamily="49" charset="0"/>
+              </a:rPr>
+              <a:t>Bloco</a:t>
+            </a:r>
+            <a:r>
+              <a:rPr lang="en-US" sz="1800" dirty="0">
+                <a:solidFill>
+                  <a:srgbClr val="000000"/>
+                </a:solidFill>
+                <a:latin typeface="Consolas" panose="020B0609020204030204" pitchFamily="49" charset="0"/>
+              </a:rPr>
+              <a:t> : </a:t>
+            </a:r>
+            <a:r>
               <a:rPr lang="en-US" sz="1800" dirty="0" err="1">
                 <a:solidFill>
-                  <a:srgbClr val="2B91AF"/>
-                </a:solidFill>
-                <a:latin typeface="Consolas" panose="020B0609020204030204" pitchFamily="49" charset="0"/>
-              </a:rPr>
-              <a:t>Destruidor</a:t>
-            </a:r>
-            <a:r>
-              <a:rPr lang="en-US" sz="1800" dirty="0">
-                <a:solidFill>
-                  <a:srgbClr val="000000"/>
-                </a:solidFill>
-                <a:latin typeface="Consolas" panose="020B0609020204030204" pitchFamily="49" charset="0"/>
-              </a:rPr>
-              <a:t> : </a:t>
+                  <a:srgbClr val="000000"/>
+                </a:solidFill>
+                <a:latin typeface="Consolas" panose="020B0609020204030204" pitchFamily="49" charset="0"/>
+              </a:rPr>
+              <a:t>MonoBehaviour</a:t>
+            </a:r>
+            <a:r>
+              <a:rPr lang="en-US" sz="1800" dirty="0">
+                <a:solidFill>
+                  <a:srgbClr val="000000"/>
+                </a:solidFill>
+                <a:latin typeface="Consolas" panose="020B0609020204030204" pitchFamily="49" charset="0"/>
+              </a:rPr>
+              <a:t>{</a:t>
+            </a:r>
+          </a:p>
+          <a:p>
+            <a:pPr marL="0" indent="0">
+              <a:buNone/>
+            </a:pPr>
+            <a:r>
+              <a:rPr lang="en-US" sz="1800" dirty="0">
+                <a:solidFill>
+                  <a:srgbClr val="000000"/>
+                </a:solidFill>
+                <a:latin typeface="Consolas" panose="020B0609020204030204" pitchFamily="49" charset="0"/>
+              </a:rPr>
+              <a:t>    </a:t>
+            </a:r>
+            <a:r>
+              <a:rPr lang="en-US" sz="1800" dirty="0">
+                <a:solidFill>
+                  <a:srgbClr val="0000FF"/>
+                </a:solidFill>
+                <a:latin typeface="Consolas" panose="020B0609020204030204" pitchFamily="49" charset="0"/>
+              </a:rPr>
+              <a:t>public</a:t>
+            </a:r>
+            <a:r>
+              <a:rPr lang="en-US" sz="1800" dirty="0">
+                <a:solidFill>
+                  <a:srgbClr val="000000"/>
+                </a:solidFill>
+                <a:latin typeface="Consolas" panose="020B0609020204030204" pitchFamily="49" charset="0"/>
+              </a:rPr>
+              <a:t> Rigidbody2D </a:t>
             </a:r>
             <a:r>
               <a:rPr lang="en-US" sz="1800" dirty="0" err="1">
@@ -7527,16 +7078,16 @@
                 </a:solidFill>
                 <a:latin typeface="Consolas" panose="020B0609020204030204" pitchFamily="49" charset="0"/>
               </a:rPr>
-              <a:t>MonoBehaviour</a:t>
-            </a:r>
-            <a:r>
-              <a:rPr lang="en-US" sz="1800" dirty="0">
-                <a:solidFill>
-                  <a:srgbClr val="000000"/>
-                </a:solidFill>
-                <a:latin typeface="Consolas" panose="020B0609020204030204" pitchFamily="49" charset="0"/>
-              </a:rPr>
-              <a:t>{</a:t>
+              <a:t>rigidbody</a:t>
+            </a:r>
+            <a:r>
+              <a:rPr lang="en-US" sz="1800" dirty="0">
+                <a:solidFill>
+                  <a:srgbClr val="000000"/>
+                </a:solidFill>
+                <a:latin typeface="Consolas" panose="020B0609020204030204" pitchFamily="49" charset="0"/>
+              </a:rPr>
+              <a:t>;</a:t>
             </a:r>
           </a:p>
           <a:p>
@@ -7544,6 +7095,220 @@
               <a:buNone/>
             </a:pPr>
             <a:r>
+              <a:rPr lang="en-US" sz="1800" dirty="0">
+                <a:solidFill>
+                  <a:srgbClr val="000000"/>
+                </a:solidFill>
+                <a:latin typeface="Consolas" panose="020B0609020204030204" pitchFamily="49" charset="0"/>
+              </a:rPr>
+              <a:t>    </a:t>
+            </a:r>
+            <a:r>
+              <a:rPr lang="en-US" sz="1800" dirty="0">
+                <a:solidFill>
+                  <a:srgbClr val="0000FF"/>
+                </a:solidFill>
+                <a:latin typeface="Consolas" panose="020B0609020204030204" pitchFamily="49" charset="0"/>
+              </a:rPr>
+              <a:t>public</a:t>
+            </a:r>
+            <a:r>
+              <a:rPr lang="en-US" sz="1800" dirty="0">
+                <a:solidFill>
+                  <a:srgbClr val="000000"/>
+                </a:solidFill>
+                <a:latin typeface="Consolas" panose="020B0609020204030204" pitchFamily="49" charset="0"/>
+              </a:rPr>
+              <a:t> BoxCollider2D </a:t>
+            </a:r>
+            <a:r>
+              <a:rPr lang="en-US" sz="1800" dirty="0" err="1">
+                <a:solidFill>
+                  <a:srgbClr val="000000"/>
+                </a:solidFill>
+                <a:latin typeface="Consolas" panose="020B0609020204030204" pitchFamily="49" charset="0"/>
+              </a:rPr>
+              <a:t>colider</a:t>
+            </a:r>
+            <a:r>
+              <a:rPr lang="en-US" sz="1800" dirty="0">
+                <a:solidFill>
+                  <a:srgbClr val="000000"/>
+                </a:solidFill>
+                <a:latin typeface="Consolas" panose="020B0609020204030204" pitchFamily="49" charset="0"/>
+              </a:rPr>
+              <a:t>;</a:t>
+            </a:r>
+          </a:p>
+          <a:p>
+            <a:pPr marL="0" indent="0">
+              <a:buNone/>
+            </a:pPr>
+            <a:r>
+              <a:rPr lang="en-US" sz="1800" dirty="0">
+                <a:solidFill>
+                  <a:srgbClr val="000000"/>
+                </a:solidFill>
+                <a:latin typeface="Consolas" panose="020B0609020204030204" pitchFamily="49" charset="0"/>
+              </a:rPr>
+              <a:t>    </a:t>
+            </a:r>
+            <a:r>
+              <a:rPr lang="en-US" sz="1800" dirty="0">
+                <a:solidFill>
+                  <a:srgbClr val="0000FF"/>
+                </a:solidFill>
+                <a:latin typeface="Consolas" panose="020B0609020204030204" pitchFamily="49" charset="0"/>
+              </a:rPr>
+              <a:t>private</a:t>
+            </a:r>
+            <a:r>
+              <a:rPr lang="en-US" sz="1800" dirty="0">
+                <a:solidFill>
+                  <a:srgbClr val="000000"/>
+                </a:solidFill>
+                <a:latin typeface="Consolas" panose="020B0609020204030204" pitchFamily="49" charset="0"/>
+              </a:rPr>
+              <a:t> </a:t>
+            </a:r>
+            <a:r>
+              <a:rPr lang="en-US" sz="1800" dirty="0">
+                <a:solidFill>
+                  <a:srgbClr val="0000FF"/>
+                </a:solidFill>
+                <a:latin typeface="Consolas" panose="020B0609020204030204" pitchFamily="49" charset="0"/>
+              </a:rPr>
+              <a:t>void</a:t>
+            </a:r>
+            <a:r>
+              <a:rPr lang="en-US" sz="1800" dirty="0">
+                <a:solidFill>
+                  <a:srgbClr val="000000"/>
+                </a:solidFill>
+                <a:latin typeface="Consolas" panose="020B0609020204030204" pitchFamily="49" charset="0"/>
+              </a:rPr>
+              <a:t> Start(){</a:t>
+            </a:r>
+          </a:p>
+          <a:p>
+            <a:pPr marL="0" indent="0">
+              <a:buNone/>
+            </a:pPr>
+            <a:r>
+              <a:rPr lang="en-US" sz="1800" dirty="0">
+                <a:solidFill>
+                  <a:srgbClr val="000000"/>
+                </a:solidFill>
+                <a:latin typeface="Consolas" panose="020B0609020204030204" pitchFamily="49" charset="0"/>
+              </a:rPr>
+              <a:t>        </a:t>
+            </a:r>
+            <a:r>
+              <a:rPr lang="en-US" sz="1800" dirty="0" err="1">
+                <a:solidFill>
+                  <a:srgbClr val="000000"/>
+                </a:solidFill>
+                <a:latin typeface="Consolas" panose="020B0609020204030204" pitchFamily="49" charset="0"/>
+              </a:rPr>
+              <a:t>rigidbody</a:t>
+            </a:r>
+            <a:r>
+              <a:rPr lang="en-US" sz="1800" dirty="0">
+                <a:solidFill>
+                  <a:srgbClr val="000000"/>
+                </a:solidFill>
+                <a:latin typeface="Consolas" panose="020B0609020204030204" pitchFamily="49" charset="0"/>
+              </a:rPr>
+              <a:t> = </a:t>
+            </a:r>
+            <a:r>
+              <a:rPr lang="en-US" sz="1800" dirty="0" err="1">
+                <a:solidFill>
+                  <a:srgbClr val="000000"/>
+                </a:solidFill>
+                <a:latin typeface="Consolas" panose="020B0609020204030204" pitchFamily="49" charset="0"/>
+              </a:rPr>
+              <a:t>GetComponent</a:t>
+            </a:r>
+            <a:r>
+              <a:rPr lang="en-US" sz="1800" dirty="0">
+                <a:solidFill>
+                  <a:srgbClr val="000000"/>
+                </a:solidFill>
+                <a:latin typeface="Consolas" panose="020B0609020204030204" pitchFamily="49" charset="0"/>
+              </a:rPr>
+              <a:t>&lt;Rigidbody2D&gt; ();</a:t>
+            </a:r>
+          </a:p>
+          <a:p>
+            <a:pPr marL="0" indent="0">
+              <a:buNone/>
+            </a:pPr>
+            <a:r>
+              <a:rPr lang="en-US" sz="1800" dirty="0">
+                <a:solidFill>
+                  <a:srgbClr val="000000"/>
+                </a:solidFill>
+                <a:latin typeface="Consolas" panose="020B0609020204030204" pitchFamily="49" charset="0"/>
+              </a:rPr>
+              <a:t>        </a:t>
+            </a:r>
+            <a:r>
+              <a:rPr lang="en-US" sz="1800" dirty="0" err="1">
+                <a:solidFill>
+                  <a:srgbClr val="000000"/>
+                </a:solidFill>
+                <a:latin typeface="Consolas" panose="020B0609020204030204" pitchFamily="49" charset="0"/>
+              </a:rPr>
+              <a:t>colider</a:t>
+            </a:r>
+            <a:r>
+              <a:rPr lang="en-US" sz="1800" dirty="0">
+                <a:solidFill>
+                  <a:srgbClr val="000000"/>
+                </a:solidFill>
+                <a:latin typeface="Consolas" panose="020B0609020204030204" pitchFamily="49" charset="0"/>
+              </a:rPr>
+              <a:t> = </a:t>
+            </a:r>
+            <a:r>
+              <a:rPr lang="en-US" sz="1800" dirty="0" err="1">
+                <a:solidFill>
+                  <a:srgbClr val="000000"/>
+                </a:solidFill>
+                <a:latin typeface="Consolas" panose="020B0609020204030204" pitchFamily="49" charset="0"/>
+              </a:rPr>
+              <a:t>GetComponent</a:t>
+            </a:r>
+            <a:r>
+              <a:rPr lang="en-US" sz="1800" dirty="0">
+                <a:solidFill>
+                  <a:srgbClr val="000000"/>
+                </a:solidFill>
+                <a:latin typeface="Consolas" panose="020B0609020204030204" pitchFamily="49" charset="0"/>
+              </a:rPr>
+              <a:t>&lt;BoxCollider2D&gt; ();</a:t>
+            </a:r>
+          </a:p>
+          <a:p>
+            <a:pPr marL="0" indent="0">
+              <a:buNone/>
+            </a:pPr>
+            <a:r>
+              <a:rPr lang="en-US" sz="1800" dirty="0">
+                <a:solidFill>
+                  <a:srgbClr val="000000"/>
+                </a:solidFill>
+                <a:latin typeface="Consolas" panose="020B0609020204030204" pitchFamily="49" charset="0"/>
+              </a:rPr>
+              <a:t>    }</a:t>
+            </a:r>
+          </a:p>
+          <a:p>
+            <a:pPr marL="0" indent="0">
+              <a:buNone/>
+            </a:pPr>
+            <a:r>
               <a:rPr lang="it-IT" sz="1800" dirty="0">
                 <a:solidFill>
                   <a:srgbClr val="000000"/>
@@ -7586,25 +7351,57 @@
                 </a:solidFill>
                 <a:latin typeface="Consolas" panose="020B0609020204030204" pitchFamily="49" charset="0"/>
               </a:rPr>
-              <a:t> </a:t>
-            </a:r>
-            <a:r>
-              <a:rPr lang="it-IT" sz="1800" dirty="0">
+              <a:t> OnCollisionEnter2D(Collision2D collision){</a:t>
+            </a:r>
+          </a:p>
+          <a:p>
+            <a:pPr marL="0" indent="0">
+              <a:buNone/>
+            </a:pPr>
+            <a:r>
+              <a:rPr lang="en-US" sz="1800" dirty="0">
+                <a:solidFill>
+                  <a:srgbClr val="000000"/>
+                </a:solidFill>
+                <a:latin typeface="Consolas" panose="020B0609020204030204" pitchFamily="49" charset="0"/>
+              </a:rPr>
+              <a:t>        </a:t>
+            </a:r>
+            <a:r>
+              <a:rPr lang="en-US" sz="1800" dirty="0" err="1">
+                <a:solidFill>
+                  <a:srgbClr val="000000"/>
+                </a:solidFill>
+                <a:latin typeface="Consolas" panose="020B0609020204030204" pitchFamily="49" charset="0"/>
+              </a:rPr>
+              <a:t>rigidbody.constraints</a:t>
+            </a:r>
+            <a:r>
+              <a:rPr lang="en-US" sz="1800" dirty="0">
+                <a:solidFill>
+                  <a:srgbClr val="000000"/>
+                </a:solidFill>
+                <a:latin typeface="Consolas" panose="020B0609020204030204" pitchFamily="49" charset="0"/>
+              </a:rPr>
+              <a:t> = </a:t>
+            </a:r>
+            <a:r>
+              <a:rPr lang="en-US" sz="1800" dirty="0">
                 <a:solidFill>
                   <a:srgbClr val="0000FF"/>
                 </a:solidFill>
                 <a:latin typeface="Consolas" panose="020B0609020204030204" pitchFamily="49" charset="0"/>
               </a:rPr>
-              <a:t>OnCollisionEnter2D</a:t>
-            </a:r>
-            <a:r>
-              <a:rPr lang="it-IT" sz="1800" dirty="0">
-                <a:solidFill>
-                  <a:srgbClr val="000000"/>
-                </a:solidFill>
-                <a:latin typeface="Consolas" panose="020B0609020204030204" pitchFamily="49" charset="0"/>
-              </a:rPr>
-              <a:t>(Collision2D collision){</a:t>
+              <a:t>new</a:t>
+            </a:r>
+            <a:r>
+              <a:rPr lang="en-US" sz="1800" dirty="0">
+                <a:solidFill>
+                  <a:srgbClr val="000000"/>
+                </a:solidFill>
+                <a:latin typeface="Consolas" panose="020B0609020204030204" pitchFamily="49" charset="0"/>
+              </a:rPr>
+              <a:t> RigidbodyConstraints2D();</a:t>
             </a:r>
           </a:p>
           <a:p>
@@ -7627,25 +7424,25 @@
                 </a:solidFill>
                 <a:latin typeface="Consolas" panose="020B0609020204030204" pitchFamily="49" charset="0"/>
               </a:rPr>
-              <a:t>GameObject</a:t>
-            </a:r>
-            <a:r>
-              <a:rPr lang="en-US" sz="1800" dirty="0">
-                <a:solidFill>
-                  <a:srgbClr val="000000"/>
-                </a:solidFill>
-                <a:latin typeface="Consolas" panose="020B0609020204030204" pitchFamily="49" charset="0"/>
-              </a:rPr>
-              <a:t> collider = </a:t>
-            </a:r>
-            <a:r>
-              <a:rPr lang="en-US" sz="1800" dirty="0" err="1">
-                <a:solidFill>
-                  <a:srgbClr val="000000"/>
-                </a:solidFill>
-                <a:latin typeface="Consolas" panose="020B0609020204030204" pitchFamily="49" charset="0"/>
-              </a:rPr>
-              <a:t>collision.collider.gameObject</a:t>
+              <a:t>colider.isTrigger</a:t>
+            </a:r>
+            <a:r>
+              <a:rPr lang="en-US" sz="1800" dirty="0">
+                <a:solidFill>
+                  <a:srgbClr val="000000"/>
+                </a:solidFill>
+                <a:latin typeface="Consolas" panose="020B0609020204030204" pitchFamily="49" charset="0"/>
+              </a:rPr>
+              <a:t> = </a:t>
+            </a:r>
+            <a:r>
+              <a:rPr lang="en-US" sz="1800" dirty="0">
+                <a:solidFill>
+                  <a:srgbClr val="0000FF"/>
+                </a:solidFill>
+                <a:latin typeface="Consolas" panose="020B0609020204030204" pitchFamily="49" charset="0"/>
+              </a:rPr>
+              <a:t>true</a:t>
             </a:r>
             <a:r>
               <a:rPr lang="en-US" sz="1800" dirty="0">
@@ -7668,171 +7465,7 @@
                 </a:solidFill>
                 <a:latin typeface="Consolas" panose="020B0609020204030204" pitchFamily="49" charset="0"/>
               </a:rPr>
-              <a:t>        </a:t>
-            </a:r>
-            <a:r>
-              <a:rPr lang="en-US" sz="1800" dirty="0" err="1">
-                <a:solidFill>
-                  <a:srgbClr val="000000"/>
-                </a:solidFill>
-                <a:latin typeface="Consolas" panose="020B0609020204030204" pitchFamily="49" charset="0"/>
-              </a:rPr>
-              <a:t>GameObject.Destroy</a:t>
-            </a:r>
-            <a:r>
-              <a:rPr lang="en-US" sz="1800" dirty="0">
-                <a:solidFill>
-                  <a:srgbClr val="000000"/>
-                </a:solidFill>
-                <a:latin typeface="Consolas" panose="020B0609020204030204" pitchFamily="49" charset="0"/>
-              </a:rPr>
-              <a:t>(collider);</a:t>
-            </a:r>
-          </a:p>
-          <a:p>
-            <a:pPr marL="0" indent="0">
-              <a:buNone/>
-            </a:pPr>
-            <a:r>
-              <a:rPr lang="en-US" sz="1800" dirty="0">
-                <a:solidFill>
-                  <a:srgbClr val="000000"/>
-                </a:solidFill>
-                <a:latin typeface="Consolas" panose="020B0609020204030204" pitchFamily="49" charset="0"/>
-              </a:rPr>
               <a:t>    }</a:t>
-            </a:r>
-          </a:p>
-          <a:p>
-            <a:pPr marL="0" indent="0">
-              <a:buNone/>
-            </a:pPr>
-            <a:r>
-              <a:rPr lang="en-US" sz="1800" dirty="0">
-                <a:solidFill>
-                  <a:srgbClr val="000000"/>
-                </a:solidFill>
-                <a:latin typeface="Consolas" panose="020B0609020204030204" pitchFamily="49" charset="0"/>
-              </a:rPr>
-              <a:t>    </a:t>
-            </a:r>
-            <a:r>
-              <a:rPr lang="en-US" sz="1800" dirty="0">
-                <a:solidFill>
-                  <a:srgbClr val="0000FF"/>
-                </a:solidFill>
-                <a:latin typeface="Consolas" panose="020B0609020204030204" pitchFamily="49" charset="0"/>
-              </a:rPr>
-              <a:t>private</a:t>
-            </a:r>
-            <a:r>
-              <a:rPr lang="en-US" sz="1800" dirty="0">
-                <a:solidFill>
-                  <a:srgbClr val="000000"/>
-                </a:solidFill>
-                <a:latin typeface="Consolas" panose="020B0609020204030204" pitchFamily="49" charset="0"/>
-              </a:rPr>
-              <a:t> </a:t>
-            </a:r>
-            <a:r>
-              <a:rPr lang="en-US" sz="1800" dirty="0">
-                <a:solidFill>
-                  <a:srgbClr val="0000FF"/>
-                </a:solidFill>
-                <a:latin typeface="Consolas" panose="020B0609020204030204" pitchFamily="49" charset="0"/>
-              </a:rPr>
-              <a:t>void</a:t>
-            </a:r>
-            <a:r>
-              <a:rPr lang="en-US" sz="1800" dirty="0">
-                <a:solidFill>
-                  <a:srgbClr val="000000"/>
-                </a:solidFill>
-                <a:latin typeface="Consolas" panose="020B0609020204030204" pitchFamily="49" charset="0"/>
-              </a:rPr>
-              <a:t> </a:t>
-            </a:r>
-            <a:r>
-              <a:rPr lang="en-US" sz="1800" dirty="0">
-                <a:solidFill>
-                  <a:srgbClr val="0000FF"/>
-                </a:solidFill>
-                <a:latin typeface="Consolas" panose="020B0609020204030204" pitchFamily="49" charset="0"/>
-              </a:rPr>
-              <a:t>OnTriggerEnter2D</a:t>
-            </a:r>
-            <a:r>
-              <a:rPr lang="en-US" sz="1800" dirty="0">
-                <a:solidFill>
-                  <a:srgbClr val="000000"/>
-                </a:solidFill>
-                <a:latin typeface="Consolas" panose="020B0609020204030204" pitchFamily="49" charset="0"/>
-              </a:rPr>
-              <a:t>(Collider2D collision){</a:t>
-            </a:r>
-          </a:p>
-          <a:p>
-            <a:pPr marL="0" indent="0">
-              <a:buNone/>
-            </a:pPr>
-            <a:r>
-              <a:rPr lang="en-US" sz="1800" dirty="0">
-                <a:solidFill>
-                  <a:srgbClr val="000000"/>
-                </a:solidFill>
-                <a:latin typeface="Consolas" panose="020B0609020204030204" pitchFamily="49" charset="0"/>
-              </a:rPr>
-              <a:t>        </a:t>
-            </a:r>
-            <a:r>
-              <a:rPr lang="en-US" sz="1800" dirty="0" err="1">
-                <a:solidFill>
-                  <a:srgbClr val="000000"/>
-                </a:solidFill>
-                <a:latin typeface="Consolas" panose="020B0609020204030204" pitchFamily="49" charset="0"/>
-              </a:rPr>
-              <a:t>GameObject.Destroy</a:t>
-            </a:r>
-            <a:r>
-              <a:rPr lang="en-US" sz="1800" dirty="0">
-                <a:solidFill>
-                  <a:srgbClr val="000000"/>
-                </a:solidFill>
-                <a:latin typeface="Consolas" panose="020B0609020204030204" pitchFamily="49" charset="0"/>
-              </a:rPr>
-              <a:t>(</a:t>
-            </a:r>
-            <a:r>
-              <a:rPr lang="en-US" sz="1800" dirty="0" err="1">
-                <a:solidFill>
-                  <a:srgbClr val="000000"/>
-                </a:solidFill>
-                <a:latin typeface="Consolas" panose="020B0609020204030204" pitchFamily="49" charset="0"/>
-              </a:rPr>
-              <a:t>collision.gameObject</a:t>
-            </a:r>
-            <a:r>
-              <a:rPr lang="en-US" sz="1800" dirty="0">
-                <a:solidFill>
-                  <a:srgbClr val="000000"/>
-                </a:solidFill>
-                <a:latin typeface="Consolas" panose="020B0609020204030204" pitchFamily="49" charset="0"/>
-              </a:rPr>
-              <a:t>);</a:t>
-            </a:r>
-          </a:p>
-          <a:p>
-            <a:pPr marL="0" indent="0">
-              <a:buNone/>
-            </a:pPr>
-            <a:r>
-              <a:rPr lang="en-US" sz="1800" dirty="0">
-                <a:solidFill>
-                  <a:srgbClr val="000000"/>
-                </a:solidFill>
-                <a:latin typeface="Consolas" panose="020B0609020204030204" pitchFamily="49" charset="0"/>
-              </a:rPr>
-              <a:t>    } </a:t>
             </a:r>
           </a:p>
           <a:p>
@@ -7855,7 +7488,7 @@
     </p:spTree>
     <p:extLst>
       <p:ext uri="{BB962C8B-B14F-4D97-AF65-F5344CB8AC3E}">
-        <p14:creationId xmlns:p14="http://schemas.microsoft.com/office/powerpoint/2010/main" val="3920294977"/>
+        <p14:creationId xmlns:p14="http://schemas.microsoft.com/office/powerpoint/2010/main" val="2255820749"/>
       </p:ext>
     </p:extLst>
   </p:cSld>
@@ -8020,10 +7653,10 @@
       </p:grpSpPr>
       <p:sp>
         <p:nvSpPr>
-          <p:cNvPr id="5" name="Título 4">
-            <a:extLst>
-              <a:ext uri="{FF2B5EF4-FFF2-40B4-BE49-F238E27FC236}">
-                <a16:creationId xmlns:a16="http://schemas.microsoft.com/office/drawing/2014/main" id="{8E25959C-D4A1-48E9-EDD2-82E39613055B}"/>
+          <p:cNvPr id="2" name="Título 1">
+            <a:extLst>
+              <a:ext uri="{FF2B5EF4-FFF2-40B4-BE49-F238E27FC236}">
+                <a16:creationId xmlns:a16="http://schemas.microsoft.com/office/drawing/2014/main" id="{50107B99-0FC7-A3C2-1FDD-C3DB610C5E42}"/>
               </a:ext>
             </a:extLst>
           </p:cNvPr>
@@ -8041,7 +7674,7 @@
           <a:p>
             <a:r>
               <a:rPr lang="pt-BR" b="1" dirty="0"/>
-              <a:t>Agora Vamos Incluir os Scripts aos Objetos</a:t>
+              <a:t>Script Destruidor</a:t>
             </a:r>
             <a:endParaRPr lang="en-US" b="1" dirty="0"/>
           </a:p>
@@ -8052,7 +7685,7 @@
           <p:cNvPr id="6" name="Espaço Reservado para Conteúdo 5">
             <a:extLst>
               <a:ext uri="{FF2B5EF4-FFF2-40B4-BE49-F238E27FC236}">
-                <a16:creationId xmlns:a16="http://schemas.microsoft.com/office/drawing/2014/main" id="{17D94A15-6FE3-1B6A-32F1-016B127CA010}"/>
+                <a16:creationId xmlns:a16="http://schemas.microsoft.com/office/drawing/2014/main" id="{E5363670-DBE4-B495-9F87-FFF4B49A24B1}"/>
               </a:ext>
             </a:extLst>
           </p:cNvPr>
@@ -8060,115 +7693,592 @@
             <a:spLocks noGrp="1"/>
           </p:cNvSpPr>
           <p:nvPr>
-            <p:ph idx="1"/>
+            <p:ph sz="half" idx="2"/>
           </p:nvPr>
         </p:nvSpPr>
         <p:spPr/>
         <p:txBody>
-          <a:bodyPr/>
+          <a:bodyPr>
+            <a:normAutofit fontScale="85000" lnSpcReduction="20000"/>
+          </a:bodyPr>
           <a:lstStyle/>
           <a:p>
             <a:r>
               <a:rPr lang="pt-BR" dirty="0"/>
-              <a:t>Clique no Objeto Chao, depois clique em </a:t>
-            </a:r>
-            <a:r>
-              <a:rPr lang="pt-BR" dirty="0" err="1"/>
-              <a:t>Add</a:t>
-            </a:r>
-            <a:r>
-              <a:rPr lang="pt-BR" dirty="0"/>
+              <a:t>Linha 6 cria-se um método que reconhece a colisão de objetos 2D;</a:t>
+            </a:r>
+          </a:p>
+          <a:p>
+            <a:r>
+              <a:rPr lang="pt-BR" dirty="0"/>
+              <a:t>Linha 7 cria-se uma referencia com o objeto (bola ou bloco) que colidiu com o Chao;</a:t>
+            </a:r>
+          </a:p>
+          <a:p>
+            <a:r>
+              <a:rPr lang="pt-BR" dirty="0"/>
+              <a:t>Linha 8 destrói o objeto que colidiu com o Chao;</a:t>
+            </a:r>
+          </a:p>
+          <a:p>
+            <a:r>
+              <a:rPr lang="pt-BR" dirty="0"/>
+              <a:t>Linha 10 cria-se um método que verifica se acionador (Trigger) recebeu colisão;</a:t>
+            </a:r>
+          </a:p>
+          <a:p>
+            <a:r>
+              <a:rPr lang="pt-BR" dirty="0"/>
+              <a:t>Linha 11 destoe o que acionou o método.</a:t>
+            </a:r>
+          </a:p>
+          <a:p>
+            <a:endParaRPr lang="en-US" dirty="0"/>
+          </a:p>
+        </p:txBody>
+      </p:sp>
+      <p:sp>
+        <p:nvSpPr>
+          <p:cNvPr id="4" name="Espaço Reservado para Conteúdo 3">
+            <a:extLst>
+              <a:ext uri="{FF2B5EF4-FFF2-40B4-BE49-F238E27FC236}">
+                <a16:creationId xmlns:a16="http://schemas.microsoft.com/office/drawing/2014/main" id="{2B603A72-1D18-C7CF-B7DE-799B9C385497}"/>
+              </a:ext>
+            </a:extLst>
+          </p:cNvPr>
+          <p:cNvSpPr>
+            <a:spLocks noGrp="1"/>
+          </p:cNvSpPr>
+          <p:nvPr>
+            <p:ph sz="half" idx="1"/>
+          </p:nvPr>
+        </p:nvSpPr>
+        <p:spPr/>
+        <p:txBody>
+          <a:bodyPr>
+            <a:normAutofit fontScale="85000" lnSpcReduction="20000"/>
+          </a:bodyPr>
+          <a:lstStyle/>
+          <a:p>
+            <a:pPr marL="0" indent="0">
+              <a:buNone/>
+            </a:pPr>
+            <a:r>
+              <a:rPr lang="en-US" sz="1800" dirty="0">
+                <a:solidFill>
+                  <a:srgbClr val="0000FF"/>
+                </a:solidFill>
+                <a:latin typeface="Consolas" panose="020B0609020204030204" pitchFamily="49" charset="0"/>
+              </a:rPr>
+              <a:t>using</a:t>
+            </a:r>
+            <a:r>
+              <a:rPr lang="en-US" sz="1800" dirty="0">
+                <a:solidFill>
+                  <a:srgbClr val="000000"/>
+                </a:solidFill>
+                <a:latin typeface="Consolas" panose="020B0609020204030204" pitchFamily="49" charset="0"/>
+              </a:rPr>
               <a:t> </a:t>
             </a:r>
             <a:r>
-              <a:rPr lang="pt-BR" dirty="0" err="1"/>
-              <a:t>Component</a:t>
-            </a:r>
-            <a:r>
-              <a:rPr lang="pt-BR" dirty="0"/>
-              <a:t>, digite Destruidor e confirme;</a:t>
-            </a:r>
-          </a:p>
-          <a:p>
-            <a:r>
-              <a:rPr lang="pt-BR" dirty="0"/>
-              <a:t>Clique no Objeto Bola, depois clique em </a:t>
-            </a:r>
-            <a:r>
-              <a:rPr lang="pt-BR" dirty="0" err="1"/>
-              <a:t>Add</a:t>
-            </a:r>
-            <a:r>
-              <a:rPr lang="pt-BR" dirty="0"/>
+              <a:rPr lang="en-US" sz="1800" dirty="0" err="1">
+                <a:solidFill>
+                  <a:srgbClr val="000000"/>
+                </a:solidFill>
+                <a:latin typeface="Consolas" panose="020B0609020204030204" pitchFamily="49" charset="0"/>
+              </a:rPr>
+              <a:t>System.Collections</a:t>
+            </a:r>
+            <a:r>
+              <a:rPr lang="en-US" sz="1800" dirty="0">
+                <a:solidFill>
+                  <a:srgbClr val="000000"/>
+                </a:solidFill>
+                <a:latin typeface="Consolas" panose="020B0609020204030204" pitchFamily="49" charset="0"/>
+              </a:rPr>
+              <a:t>;</a:t>
+            </a:r>
+          </a:p>
+          <a:p>
+            <a:pPr marL="0" indent="0">
+              <a:buNone/>
+            </a:pPr>
+            <a:r>
+              <a:rPr lang="en-US" sz="1800" dirty="0">
+                <a:solidFill>
+                  <a:srgbClr val="0000FF"/>
+                </a:solidFill>
+                <a:latin typeface="Consolas" panose="020B0609020204030204" pitchFamily="49" charset="0"/>
+              </a:rPr>
+              <a:t>using</a:t>
+            </a:r>
+            <a:r>
+              <a:rPr lang="en-US" sz="1800" dirty="0">
+                <a:solidFill>
+                  <a:srgbClr val="000000"/>
+                </a:solidFill>
+                <a:latin typeface="Consolas" panose="020B0609020204030204" pitchFamily="49" charset="0"/>
+              </a:rPr>
               <a:t> </a:t>
             </a:r>
             <a:r>
-              <a:rPr lang="pt-BR" dirty="0" err="1"/>
-              <a:t>Component</a:t>
-            </a:r>
-            <a:r>
-              <a:rPr lang="pt-BR" dirty="0"/>
-              <a:t>, digite Bola e confirme;</a:t>
-            </a:r>
-          </a:p>
-          <a:p>
-            <a:pPr lvl="1"/>
-            <a:r>
-              <a:rPr lang="pt-BR" dirty="0"/>
-              <a:t>Em velocidade coloque 20 para X e 20 para Y;</a:t>
-            </a:r>
-          </a:p>
-          <a:p>
-            <a:r>
-              <a:rPr lang="pt-BR" dirty="0"/>
-              <a:t>Clique no Objeto Jogador, depois clique em </a:t>
-            </a:r>
-            <a:r>
-              <a:rPr lang="pt-BR" dirty="0" err="1"/>
-              <a:t>Add</a:t>
-            </a:r>
-            <a:r>
-              <a:rPr lang="pt-BR" dirty="0"/>
+              <a:rPr lang="en-US" sz="1800" dirty="0" err="1">
+                <a:solidFill>
+                  <a:srgbClr val="000000"/>
+                </a:solidFill>
+                <a:latin typeface="Consolas" panose="020B0609020204030204" pitchFamily="49" charset="0"/>
+              </a:rPr>
+              <a:t>System.Collections.Generic</a:t>
+            </a:r>
+            <a:r>
+              <a:rPr lang="en-US" sz="1800" dirty="0">
+                <a:solidFill>
+                  <a:srgbClr val="000000"/>
+                </a:solidFill>
+                <a:latin typeface="Consolas" panose="020B0609020204030204" pitchFamily="49" charset="0"/>
+              </a:rPr>
+              <a:t>;</a:t>
+            </a:r>
+          </a:p>
+          <a:p>
+            <a:pPr marL="0" indent="0">
+              <a:buNone/>
+            </a:pPr>
+            <a:r>
+              <a:rPr lang="en-US" sz="1800" dirty="0">
+                <a:solidFill>
+                  <a:srgbClr val="0000FF"/>
+                </a:solidFill>
+                <a:latin typeface="Consolas" panose="020B0609020204030204" pitchFamily="49" charset="0"/>
+              </a:rPr>
+              <a:t>using</a:t>
+            </a:r>
+            <a:r>
+              <a:rPr lang="en-US" sz="1800" dirty="0">
+                <a:solidFill>
+                  <a:srgbClr val="000000"/>
+                </a:solidFill>
+                <a:latin typeface="Consolas" panose="020B0609020204030204" pitchFamily="49" charset="0"/>
+              </a:rPr>
               <a:t> </a:t>
             </a:r>
             <a:r>
-              <a:rPr lang="pt-BR" dirty="0" err="1"/>
-              <a:t>Component</a:t>
-            </a:r>
-            <a:r>
-              <a:rPr lang="pt-BR" dirty="0"/>
-              <a:t>, digite Jogador e confirme;</a:t>
-            </a:r>
-          </a:p>
-          <a:p>
-            <a:r>
-              <a:rPr lang="pt-BR" dirty="0"/>
-              <a:t>Clique no Objeto Bloco, depois clique em </a:t>
-            </a:r>
-            <a:r>
-              <a:rPr lang="pt-BR" dirty="0" err="1"/>
-              <a:t>Add</a:t>
-            </a:r>
-            <a:r>
-              <a:rPr lang="pt-BR" dirty="0"/>
+              <a:rPr lang="en-US" sz="1800" dirty="0" err="1">
+                <a:solidFill>
+                  <a:srgbClr val="000000"/>
+                </a:solidFill>
+                <a:latin typeface="Consolas" panose="020B0609020204030204" pitchFamily="49" charset="0"/>
+              </a:rPr>
+              <a:t>UnityEngine</a:t>
+            </a:r>
+            <a:r>
+              <a:rPr lang="en-US" sz="1800" dirty="0">
+                <a:solidFill>
+                  <a:srgbClr val="000000"/>
+                </a:solidFill>
+                <a:latin typeface="Consolas" panose="020B0609020204030204" pitchFamily="49" charset="0"/>
+              </a:rPr>
+              <a:t>;</a:t>
+            </a:r>
+          </a:p>
+          <a:p>
+            <a:pPr marL="0" indent="0">
+              <a:buNone/>
+            </a:pPr>
+            <a:endParaRPr lang="en-US" sz="1800" dirty="0">
+              <a:solidFill>
+                <a:srgbClr val="000000"/>
+              </a:solidFill>
+              <a:latin typeface="Consolas" panose="020B0609020204030204" pitchFamily="49" charset="0"/>
+            </a:endParaRPr>
+          </a:p>
+          <a:p>
+            <a:pPr marL="0" indent="0">
+              <a:buNone/>
+            </a:pPr>
+            <a:r>
+              <a:rPr lang="en-US" sz="1800" dirty="0">
+                <a:solidFill>
+                  <a:srgbClr val="0000FF"/>
+                </a:solidFill>
+                <a:latin typeface="Consolas" panose="020B0609020204030204" pitchFamily="49" charset="0"/>
+              </a:rPr>
+              <a:t>public</a:t>
+            </a:r>
+            <a:r>
+              <a:rPr lang="en-US" sz="1800" dirty="0">
+                <a:solidFill>
+                  <a:srgbClr val="000000"/>
+                </a:solidFill>
+                <a:latin typeface="Consolas" panose="020B0609020204030204" pitchFamily="49" charset="0"/>
+              </a:rPr>
               <a:t> </a:t>
             </a:r>
             <a:r>
-              <a:rPr lang="pt-BR" dirty="0" err="1"/>
-              <a:t>Component</a:t>
-            </a:r>
-            <a:r>
-              <a:rPr lang="pt-BR" dirty="0"/>
-              <a:t>, digite Bloco e confirme;</a:t>
-            </a:r>
-          </a:p>
-          <a:p>
-            <a:endParaRPr lang="pt-BR" dirty="0"/>
-          </a:p>
-          <a:p>
-            <a:endParaRPr lang="en-US" dirty="0"/>
-          </a:p>
-          <a:p>
+              <a:rPr lang="en-US" sz="1800" dirty="0">
+                <a:solidFill>
+                  <a:srgbClr val="0000FF"/>
+                </a:solidFill>
+                <a:latin typeface="Consolas" panose="020B0609020204030204" pitchFamily="49" charset="0"/>
+              </a:rPr>
+              <a:t>class</a:t>
+            </a:r>
+            <a:r>
+              <a:rPr lang="en-US" sz="1800" dirty="0">
+                <a:solidFill>
+                  <a:srgbClr val="000000"/>
+                </a:solidFill>
+                <a:latin typeface="Consolas" panose="020B0609020204030204" pitchFamily="49" charset="0"/>
+              </a:rPr>
+              <a:t> </a:t>
+            </a:r>
+            <a:r>
+              <a:rPr lang="en-US" sz="1800" dirty="0" err="1">
+                <a:solidFill>
+                  <a:srgbClr val="2B91AF"/>
+                </a:solidFill>
+                <a:latin typeface="Consolas" panose="020B0609020204030204" pitchFamily="49" charset="0"/>
+              </a:rPr>
+              <a:t>Destruidor</a:t>
+            </a:r>
+            <a:r>
+              <a:rPr lang="en-US" sz="1800" dirty="0">
+                <a:solidFill>
+                  <a:srgbClr val="000000"/>
+                </a:solidFill>
+                <a:latin typeface="Consolas" panose="020B0609020204030204" pitchFamily="49" charset="0"/>
+              </a:rPr>
+              <a:t> : </a:t>
+            </a:r>
+            <a:r>
+              <a:rPr lang="en-US" sz="1800" dirty="0" err="1">
+                <a:solidFill>
+                  <a:srgbClr val="000000"/>
+                </a:solidFill>
+                <a:latin typeface="Consolas" panose="020B0609020204030204" pitchFamily="49" charset="0"/>
+              </a:rPr>
+              <a:t>MonoBehaviour</a:t>
+            </a:r>
+            <a:r>
+              <a:rPr lang="en-US" sz="1800" dirty="0">
+                <a:solidFill>
+                  <a:srgbClr val="000000"/>
+                </a:solidFill>
+                <a:latin typeface="Consolas" panose="020B0609020204030204" pitchFamily="49" charset="0"/>
+              </a:rPr>
+              <a:t>{</a:t>
+            </a:r>
+          </a:p>
+          <a:p>
+            <a:pPr marL="0" indent="0">
+              <a:buNone/>
+            </a:pPr>
+            <a:r>
+              <a:rPr lang="it-IT" sz="1800" dirty="0">
+                <a:solidFill>
+                  <a:srgbClr val="000000"/>
+                </a:solidFill>
+                <a:latin typeface="Consolas" panose="020B0609020204030204" pitchFamily="49" charset="0"/>
+              </a:rPr>
+              <a:t>    </a:t>
+            </a:r>
+            <a:r>
+              <a:rPr lang="it-IT" sz="1800" dirty="0">
+                <a:solidFill>
+                  <a:srgbClr val="0000FF"/>
+                </a:solidFill>
+                <a:latin typeface="Consolas" panose="020B0609020204030204" pitchFamily="49" charset="0"/>
+              </a:rPr>
+              <a:t>private</a:t>
+            </a:r>
+            <a:r>
+              <a:rPr lang="it-IT" sz="1800" dirty="0">
+                <a:solidFill>
+                  <a:srgbClr val="000000"/>
+                </a:solidFill>
+                <a:latin typeface="Consolas" panose="020B0609020204030204" pitchFamily="49" charset="0"/>
+              </a:rPr>
+              <a:t> </a:t>
+            </a:r>
+            <a:r>
+              <a:rPr lang="it-IT" sz="1800" dirty="0">
+                <a:solidFill>
+                  <a:srgbClr val="0000FF"/>
+                </a:solidFill>
+                <a:latin typeface="Consolas" panose="020B0609020204030204" pitchFamily="49" charset="0"/>
+              </a:rPr>
+              <a:t>void</a:t>
+            </a:r>
+            <a:r>
+              <a:rPr lang="it-IT" sz="1800" dirty="0">
+                <a:solidFill>
+                  <a:srgbClr val="000000"/>
+                </a:solidFill>
+                <a:latin typeface="Consolas" panose="020B0609020204030204" pitchFamily="49" charset="0"/>
+              </a:rPr>
+              <a:t> </a:t>
+            </a:r>
+            <a:r>
+              <a:rPr lang="it-IT" sz="1800" dirty="0">
+                <a:solidFill>
+                  <a:srgbClr val="0000FF"/>
+                </a:solidFill>
+                <a:latin typeface="Consolas" panose="020B0609020204030204" pitchFamily="49" charset="0"/>
+              </a:rPr>
+              <a:t>OnCollisionEnter2D</a:t>
+            </a:r>
+            <a:r>
+              <a:rPr lang="it-IT" sz="1800" dirty="0">
+                <a:solidFill>
+                  <a:srgbClr val="000000"/>
+                </a:solidFill>
+                <a:latin typeface="Consolas" panose="020B0609020204030204" pitchFamily="49" charset="0"/>
+              </a:rPr>
+              <a:t>(Collision2D collision){</a:t>
+            </a:r>
+          </a:p>
+          <a:p>
+            <a:pPr marL="0" indent="0">
+              <a:buNone/>
+            </a:pPr>
+            <a:r>
+              <a:rPr lang="en-US" sz="1800" dirty="0">
+                <a:solidFill>
+                  <a:srgbClr val="000000"/>
+                </a:solidFill>
+                <a:latin typeface="Consolas" panose="020B0609020204030204" pitchFamily="49" charset="0"/>
+              </a:rPr>
+              <a:t>        </a:t>
+            </a:r>
+            <a:r>
+              <a:rPr lang="en-US" sz="1800" dirty="0" err="1">
+                <a:solidFill>
+                  <a:srgbClr val="000000"/>
+                </a:solidFill>
+                <a:latin typeface="Consolas" panose="020B0609020204030204" pitchFamily="49" charset="0"/>
+              </a:rPr>
+              <a:t>GameObject</a:t>
+            </a:r>
+            <a:r>
+              <a:rPr lang="en-US" sz="1800" dirty="0">
+                <a:solidFill>
+                  <a:srgbClr val="000000"/>
+                </a:solidFill>
+                <a:latin typeface="Consolas" panose="020B0609020204030204" pitchFamily="49" charset="0"/>
+              </a:rPr>
+              <a:t> collider = </a:t>
+            </a:r>
+            <a:r>
+              <a:rPr lang="en-US" sz="1800" dirty="0" err="1">
+                <a:solidFill>
+                  <a:srgbClr val="000000"/>
+                </a:solidFill>
+                <a:latin typeface="Consolas" panose="020B0609020204030204" pitchFamily="49" charset="0"/>
+              </a:rPr>
+              <a:t>collision.collider.gameObject</a:t>
+            </a:r>
+            <a:r>
+              <a:rPr lang="en-US" sz="1800" dirty="0">
+                <a:solidFill>
+                  <a:srgbClr val="000000"/>
+                </a:solidFill>
+                <a:latin typeface="Consolas" panose="020B0609020204030204" pitchFamily="49" charset="0"/>
+              </a:rPr>
+              <a:t>;</a:t>
+            </a:r>
+          </a:p>
+          <a:p>
+            <a:pPr marL="0" indent="0">
+              <a:buNone/>
+            </a:pPr>
+            <a:r>
+              <a:rPr lang="en-US" sz="1800" dirty="0">
+                <a:solidFill>
+                  <a:srgbClr val="000000"/>
+                </a:solidFill>
+                <a:latin typeface="Consolas" panose="020B0609020204030204" pitchFamily="49" charset="0"/>
+              </a:rPr>
+              <a:t>        </a:t>
+            </a:r>
+            <a:r>
+              <a:rPr lang="en-US" sz="1800" dirty="0" err="1">
+                <a:solidFill>
+                  <a:srgbClr val="000000"/>
+                </a:solidFill>
+                <a:latin typeface="Consolas" panose="020B0609020204030204" pitchFamily="49" charset="0"/>
+              </a:rPr>
+              <a:t>GameObject.Destroy</a:t>
+            </a:r>
+            <a:r>
+              <a:rPr lang="en-US" sz="1800" dirty="0">
+                <a:solidFill>
+                  <a:srgbClr val="000000"/>
+                </a:solidFill>
+                <a:latin typeface="Consolas" panose="020B0609020204030204" pitchFamily="49" charset="0"/>
+              </a:rPr>
+              <a:t>(collider);</a:t>
+            </a:r>
+          </a:p>
+          <a:p>
+            <a:pPr marL="0" indent="0">
+              <a:buNone/>
+            </a:pPr>
+            <a:r>
+              <a:rPr lang="en-US" sz="1800" dirty="0">
+                <a:solidFill>
+                  <a:srgbClr val="000000"/>
+                </a:solidFill>
+                <a:latin typeface="Consolas" panose="020B0609020204030204" pitchFamily="49" charset="0"/>
+              </a:rPr>
+              <a:t>    }</a:t>
+            </a:r>
+          </a:p>
+          <a:p>
+            <a:pPr marL="0" indent="0">
+              <a:buNone/>
+            </a:pPr>
+            <a:r>
+              <a:rPr lang="en-US" sz="1800" dirty="0">
+                <a:solidFill>
+                  <a:srgbClr val="000000"/>
+                </a:solidFill>
+                <a:latin typeface="Consolas" panose="020B0609020204030204" pitchFamily="49" charset="0"/>
+              </a:rPr>
+              <a:t>    </a:t>
+            </a:r>
+            <a:r>
+              <a:rPr lang="en-US" sz="1800" dirty="0">
+                <a:solidFill>
+                  <a:srgbClr val="0000FF"/>
+                </a:solidFill>
+                <a:latin typeface="Consolas" panose="020B0609020204030204" pitchFamily="49" charset="0"/>
+              </a:rPr>
+              <a:t>private</a:t>
+            </a:r>
+            <a:r>
+              <a:rPr lang="en-US" sz="1800" dirty="0">
+                <a:solidFill>
+                  <a:srgbClr val="000000"/>
+                </a:solidFill>
+                <a:latin typeface="Consolas" panose="020B0609020204030204" pitchFamily="49" charset="0"/>
+              </a:rPr>
+              <a:t> </a:t>
+            </a:r>
+            <a:r>
+              <a:rPr lang="en-US" sz="1800" dirty="0">
+                <a:solidFill>
+                  <a:srgbClr val="0000FF"/>
+                </a:solidFill>
+                <a:latin typeface="Consolas" panose="020B0609020204030204" pitchFamily="49" charset="0"/>
+              </a:rPr>
+              <a:t>void</a:t>
+            </a:r>
+            <a:r>
+              <a:rPr lang="en-US" sz="1800" dirty="0">
+                <a:solidFill>
+                  <a:srgbClr val="000000"/>
+                </a:solidFill>
+                <a:latin typeface="Consolas" panose="020B0609020204030204" pitchFamily="49" charset="0"/>
+              </a:rPr>
+              <a:t> </a:t>
+            </a:r>
+            <a:r>
+              <a:rPr lang="en-US" sz="1800" dirty="0">
+                <a:solidFill>
+                  <a:srgbClr val="0000FF"/>
+                </a:solidFill>
+                <a:latin typeface="Consolas" panose="020B0609020204030204" pitchFamily="49" charset="0"/>
+              </a:rPr>
+              <a:t>OnTriggerEnter2D</a:t>
+            </a:r>
+            <a:r>
+              <a:rPr lang="en-US" sz="1800" dirty="0">
+                <a:solidFill>
+                  <a:srgbClr val="000000"/>
+                </a:solidFill>
+                <a:latin typeface="Consolas" panose="020B0609020204030204" pitchFamily="49" charset="0"/>
+              </a:rPr>
+              <a:t>(Collider2D collision){</a:t>
+            </a:r>
+          </a:p>
+          <a:p>
+            <a:pPr marL="0" indent="0">
+              <a:buNone/>
+            </a:pPr>
+            <a:r>
+              <a:rPr lang="en-US" sz="1800" dirty="0">
+                <a:solidFill>
+                  <a:srgbClr val="000000"/>
+                </a:solidFill>
+                <a:latin typeface="Consolas" panose="020B0609020204030204" pitchFamily="49" charset="0"/>
+              </a:rPr>
+              <a:t>        </a:t>
+            </a:r>
+            <a:r>
+              <a:rPr lang="en-US" sz="1800" dirty="0" err="1">
+                <a:solidFill>
+                  <a:srgbClr val="000000"/>
+                </a:solidFill>
+                <a:latin typeface="Consolas" panose="020B0609020204030204" pitchFamily="49" charset="0"/>
+              </a:rPr>
+              <a:t>GameObject.Destroy</a:t>
+            </a:r>
+            <a:r>
+              <a:rPr lang="en-US" sz="1800" dirty="0">
+                <a:solidFill>
+                  <a:srgbClr val="000000"/>
+                </a:solidFill>
+                <a:latin typeface="Consolas" panose="020B0609020204030204" pitchFamily="49" charset="0"/>
+              </a:rPr>
+              <a:t>(</a:t>
+            </a:r>
+            <a:r>
+              <a:rPr lang="en-US" sz="1800" dirty="0" err="1">
+                <a:solidFill>
+                  <a:srgbClr val="000000"/>
+                </a:solidFill>
+                <a:latin typeface="Consolas" panose="020B0609020204030204" pitchFamily="49" charset="0"/>
+              </a:rPr>
+              <a:t>collision.gameObject</a:t>
+            </a:r>
+            <a:r>
+              <a:rPr lang="en-US" sz="1800" dirty="0">
+                <a:solidFill>
+                  <a:srgbClr val="000000"/>
+                </a:solidFill>
+                <a:latin typeface="Consolas" panose="020B0609020204030204" pitchFamily="49" charset="0"/>
+              </a:rPr>
+              <a:t>);</a:t>
+            </a:r>
+          </a:p>
+          <a:p>
+            <a:pPr marL="0" indent="0">
+              <a:buNone/>
+            </a:pPr>
+            <a:r>
+              <a:rPr lang="en-US" sz="1800" dirty="0">
+                <a:solidFill>
+                  <a:srgbClr val="000000"/>
+                </a:solidFill>
+                <a:latin typeface="Consolas" panose="020B0609020204030204" pitchFamily="49" charset="0"/>
+              </a:rPr>
+              <a:t>    } </a:t>
+            </a:r>
+          </a:p>
+          <a:p>
+            <a:pPr marL="0" indent="0">
+              <a:buNone/>
+            </a:pPr>
+            <a:r>
+              <a:rPr lang="en-US" sz="1800" dirty="0">
+                <a:solidFill>
+                  <a:srgbClr val="000000"/>
+                </a:solidFill>
+                <a:latin typeface="Consolas" panose="020B0609020204030204" pitchFamily="49" charset="0"/>
+              </a:rPr>
+              <a:t>}</a:t>
+            </a:r>
             <a:endParaRPr lang="en-US" dirty="0"/>
           </a:p>
         </p:txBody>
@@ -8176,7 +8286,7 @@
     </p:spTree>
     <p:extLst>
       <p:ext uri="{BB962C8B-B14F-4D97-AF65-F5344CB8AC3E}">
-        <p14:creationId xmlns:p14="http://schemas.microsoft.com/office/powerpoint/2010/main" val="4138408372"/>
+        <p14:creationId xmlns:p14="http://schemas.microsoft.com/office/powerpoint/2010/main" val="3920294977"/>
       </p:ext>
     </p:extLst>
   </p:cSld>
@@ -8205,10 +8315,10 @@
       </p:grpSpPr>
       <p:sp>
         <p:nvSpPr>
-          <p:cNvPr id="2" name="Título 1">
-            <a:extLst>
-              <a:ext uri="{FF2B5EF4-FFF2-40B4-BE49-F238E27FC236}">
-                <a16:creationId xmlns:a16="http://schemas.microsoft.com/office/drawing/2014/main" id="{CD8FACA8-8BEF-D670-4363-5AAC7E2BEAC5}"/>
+          <p:cNvPr id="5" name="Título 4">
+            <a:extLst>
+              <a:ext uri="{FF2B5EF4-FFF2-40B4-BE49-F238E27FC236}">
+                <a16:creationId xmlns:a16="http://schemas.microsoft.com/office/drawing/2014/main" id="{8E25959C-D4A1-48E9-EDD2-82E39613055B}"/>
               </a:ext>
             </a:extLst>
           </p:cNvPr>
@@ -8226,7 +8336,7 @@
           <a:p>
             <a:r>
               <a:rPr lang="pt-BR" b="1" dirty="0"/>
-              <a:t>Por Fim</a:t>
+              <a:t>Agora Vamos Incluir os Scripts aos Objetos</a:t>
             </a:r>
             <a:endParaRPr lang="en-US" b="1" dirty="0"/>
           </a:p>
@@ -8234,10 +8344,10 @@
       </p:sp>
       <p:sp>
         <p:nvSpPr>
-          <p:cNvPr id="3" name="Espaço Reservado para Conteúdo 2">
-            <a:extLst>
-              <a:ext uri="{FF2B5EF4-FFF2-40B4-BE49-F238E27FC236}">
-                <a16:creationId xmlns:a16="http://schemas.microsoft.com/office/drawing/2014/main" id="{9A09C582-037E-5479-D33C-6DF218C15E19}"/>
+          <p:cNvPr id="6" name="Espaço Reservado para Conteúdo 5">
+            <a:extLst>
+              <a:ext uri="{FF2B5EF4-FFF2-40B4-BE49-F238E27FC236}">
+                <a16:creationId xmlns:a16="http://schemas.microsoft.com/office/drawing/2014/main" id="{17D94A15-6FE3-1B6A-32F1-016B127CA010}"/>
               </a:ext>
             </a:extLst>
           </p:cNvPr>
@@ -8248,13 +8358,238 @@
             <p:ph idx="1"/>
           </p:nvPr>
         </p:nvSpPr>
-        <p:spPr/>
+        <p:spPr>
+          <a:xfrm>
+            <a:off x="214746" y="1775749"/>
+            <a:ext cx="8893126" cy="4351338"/>
+          </a:xfrm>
+        </p:spPr>
         <p:txBody>
           <a:bodyPr/>
           <a:lstStyle/>
           <a:p>
             <a:r>
               <a:rPr lang="pt-BR" dirty="0"/>
+              <a:t>Clique no Objeto Chao, depois clique em </a:t>
+            </a:r>
+            <a:r>
+              <a:rPr lang="pt-BR" dirty="0" err="1"/>
+              <a:t>Add</a:t>
+            </a:r>
+            <a:r>
+              <a:rPr lang="pt-BR" dirty="0"/>
+              <a:t> </a:t>
+            </a:r>
+            <a:r>
+              <a:rPr lang="pt-BR" dirty="0" err="1"/>
+              <a:t>Component</a:t>
+            </a:r>
+            <a:r>
+              <a:rPr lang="pt-BR" dirty="0"/>
+              <a:t>, digite Destruidor e confirme;</a:t>
+            </a:r>
+          </a:p>
+          <a:p>
+            <a:r>
+              <a:rPr lang="pt-BR" dirty="0"/>
+              <a:t>Clique no Objeto Bola, depois clique em </a:t>
+            </a:r>
+            <a:r>
+              <a:rPr lang="pt-BR" dirty="0" err="1"/>
+              <a:t>Add</a:t>
+            </a:r>
+            <a:r>
+              <a:rPr lang="pt-BR" dirty="0"/>
+              <a:t> </a:t>
+            </a:r>
+            <a:r>
+              <a:rPr lang="pt-BR" dirty="0" err="1"/>
+              <a:t>Component</a:t>
+            </a:r>
+            <a:r>
+              <a:rPr lang="pt-BR" dirty="0"/>
+              <a:t>, digite Bola e confirme;</a:t>
+            </a:r>
+          </a:p>
+          <a:p>
+            <a:pPr lvl="1"/>
+            <a:r>
+              <a:rPr lang="pt-BR" dirty="0"/>
+              <a:t>Em velocidade coloque 20 para X e 20 para Y;</a:t>
+            </a:r>
+          </a:p>
+          <a:p>
+            <a:r>
+              <a:rPr lang="pt-BR" dirty="0"/>
+              <a:t>Clique no Objeto Jogador, depois clique em </a:t>
+            </a:r>
+            <a:r>
+              <a:rPr lang="pt-BR" dirty="0" err="1"/>
+              <a:t>Add</a:t>
+            </a:r>
+            <a:r>
+              <a:rPr lang="pt-BR" dirty="0"/>
+              <a:t> </a:t>
+            </a:r>
+            <a:r>
+              <a:rPr lang="pt-BR" dirty="0" err="1"/>
+              <a:t>Component</a:t>
+            </a:r>
+            <a:r>
+              <a:rPr lang="pt-BR" dirty="0"/>
+              <a:t>, digite Jogador e confirme;</a:t>
+            </a:r>
+          </a:p>
+          <a:p>
+            <a:r>
+              <a:rPr lang="pt-BR" dirty="0"/>
+              <a:t>Clique no Objeto Bloco, depois clique em </a:t>
+            </a:r>
+            <a:r>
+              <a:rPr lang="pt-BR" dirty="0" err="1"/>
+              <a:t>Add</a:t>
+            </a:r>
+            <a:r>
+              <a:rPr lang="pt-BR" dirty="0"/>
+              <a:t> </a:t>
+            </a:r>
+            <a:r>
+              <a:rPr lang="pt-BR" dirty="0" err="1"/>
+              <a:t>Component</a:t>
+            </a:r>
+            <a:r>
+              <a:rPr lang="pt-BR" dirty="0"/>
+              <a:t>, digite Bloco e confirme;</a:t>
+            </a:r>
+          </a:p>
+          <a:p>
+            <a:endParaRPr lang="pt-BR" dirty="0"/>
+          </a:p>
+          <a:p>
+            <a:endParaRPr lang="en-US" dirty="0"/>
+          </a:p>
+          <a:p>
+            <a:endParaRPr lang="en-US" dirty="0"/>
+          </a:p>
+        </p:txBody>
+      </p:sp>
+      <p:pic>
+        <p:nvPicPr>
+          <p:cNvPr id="3" name="Imagem 2">
+            <a:extLst>
+              <a:ext uri="{FF2B5EF4-FFF2-40B4-BE49-F238E27FC236}">
+                <a16:creationId xmlns:a16="http://schemas.microsoft.com/office/drawing/2014/main" id="{7650FCAA-5605-4A79-8FB3-8961B627F5DC}"/>
+              </a:ext>
+            </a:extLst>
+          </p:cNvPr>
+          <p:cNvPicPr>
+            <a:picLocks noChangeAspect="1"/>
+          </p:cNvPicPr>
+          <p:nvPr/>
+        </p:nvPicPr>
+        <p:blipFill>
+          <a:blip r:embed="rId2"/>
+          <a:stretch>
+            <a:fillRect/>
+          </a:stretch>
+        </p:blipFill>
+        <p:spPr>
+          <a:xfrm>
+            <a:off x="9282439" y="2142644"/>
+            <a:ext cx="2596449" cy="3278017"/>
+          </a:xfrm>
+          <a:prstGeom prst="rect">
+            <a:avLst/>
+          </a:prstGeom>
+        </p:spPr>
+      </p:pic>
+    </p:spTree>
+    <p:extLst>
+      <p:ext uri="{BB962C8B-B14F-4D97-AF65-F5344CB8AC3E}">
+        <p14:creationId xmlns:p14="http://schemas.microsoft.com/office/powerpoint/2010/main" val="4138408372"/>
+      </p:ext>
+    </p:extLst>
+  </p:cSld>
+  <p:clrMapOvr>
+    <a:masterClrMapping/>
+  </p:clrMapOvr>
+</p:sld>
+</file>
+
+<file path=ppt/slides/slide22.xml><?xml version="1.0" encoding="utf-8"?>
+<p:sld xmlns:a="http://schemas.openxmlformats.org/drawingml/2006/main" xmlns:r="http://schemas.openxmlformats.org/officeDocument/2006/relationships" xmlns:p="http://schemas.openxmlformats.org/presentationml/2006/main">
+  <p:cSld>
+    <p:spTree>
+      <p:nvGrpSpPr>
+        <p:cNvPr id="1" name=""/>
+        <p:cNvGrpSpPr/>
+        <p:nvPr/>
+      </p:nvGrpSpPr>
+      <p:grpSpPr>
+        <a:xfrm>
+          <a:off x="0" y="0"/>
+          <a:ext cx="0" cy="0"/>
+          <a:chOff x="0" y="0"/>
+          <a:chExt cx="0" cy="0"/>
+        </a:xfrm>
+      </p:grpSpPr>
+      <p:sp>
+        <p:nvSpPr>
+          <p:cNvPr id="2" name="Título 1">
+            <a:extLst>
+              <a:ext uri="{FF2B5EF4-FFF2-40B4-BE49-F238E27FC236}">
+                <a16:creationId xmlns:a16="http://schemas.microsoft.com/office/drawing/2014/main" id="{CD8FACA8-8BEF-D670-4363-5AAC7E2BEAC5}"/>
+              </a:ext>
+            </a:extLst>
+          </p:cNvPr>
+          <p:cNvSpPr>
+            <a:spLocks noGrp="1"/>
+          </p:cNvSpPr>
+          <p:nvPr>
+            <p:ph type="title"/>
+          </p:nvPr>
+        </p:nvSpPr>
+        <p:spPr/>
+        <p:txBody>
+          <a:bodyPr/>
+          <a:lstStyle/>
+          <a:p>
+            <a:r>
+              <a:rPr lang="pt-BR" b="1" dirty="0"/>
+              <a:t>Por Fim</a:t>
+            </a:r>
+            <a:endParaRPr lang="en-US" b="1" dirty="0"/>
+          </a:p>
+        </p:txBody>
+      </p:sp>
+      <p:sp>
+        <p:nvSpPr>
+          <p:cNvPr id="3" name="Espaço Reservado para Conteúdo 2">
+            <a:extLst>
+              <a:ext uri="{FF2B5EF4-FFF2-40B4-BE49-F238E27FC236}">
+                <a16:creationId xmlns:a16="http://schemas.microsoft.com/office/drawing/2014/main" id="{9A09C582-037E-5479-D33C-6DF218C15E19}"/>
+              </a:ext>
+            </a:extLst>
+          </p:cNvPr>
+          <p:cNvSpPr>
+            <a:spLocks noGrp="1"/>
+          </p:cNvSpPr>
+          <p:nvPr>
+            <p:ph idx="1"/>
+          </p:nvPr>
+        </p:nvSpPr>
+        <p:spPr>
+          <a:xfrm>
+            <a:off x="422563" y="2590396"/>
+            <a:ext cx="10515600" cy="4351338"/>
+          </a:xfrm>
+        </p:spPr>
+        <p:txBody>
+          <a:bodyPr/>
+          <a:lstStyle/>
+          <a:p>
+            <a:r>
+              <a:rPr lang="pt-BR" dirty="0"/>
               <a:t>Clone os objetos Bloco e distribua pelo cenário como desejar.</a:t>
             </a:r>
           </a:p>
@@ -8418,6 +8753,36 @@
           </a:p>
         </p:txBody>
       </p:sp>
+      <p:pic>
+        <p:nvPicPr>
+          <p:cNvPr id="5" name="Imagem 4">
+            <a:extLst>
+              <a:ext uri="{FF2B5EF4-FFF2-40B4-BE49-F238E27FC236}">
+                <a16:creationId xmlns:a16="http://schemas.microsoft.com/office/drawing/2014/main" id="{1C90F7C6-C6C0-47F8-BDF7-75D1996F69FE}"/>
+              </a:ext>
+            </a:extLst>
+          </p:cNvPr>
+          <p:cNvPicPr>
+            <a:picLocks noChangeAspect="1"/>
+          </p:cNvPicPr>
+          <p:nvPr/>
+        </p:nvPicPr>
+        <p:blipFill>
+          <a:blip r:embed="rId2"/>
+          <a:stretch>
+            <a:fillRect/>
+          </a:stretch>
+        </p:blipFill>
+        <p:spPr>
+          <a:xfrm>
+            <a:off x="7259905" y="86535"/>
+            <a:ext cx="2580909" cy="2299217"/>
+          </a:xfrm>
+          <a:prstGeom prst="rect">
+            <a:avLst/>
+          </a:prstGeom>
+        </p:spPr>
+      </p:pic>
     </p:spTree>
     <p:extLst>
       <p:ext uri="{BB962C8B-B14F-4D97-AF65-F5344CB8AC3E}">
@@ -8431,7 +8796,7 @@
 </p:sld>
 </file>
 
-<file path=ppt/slides/slide22.xml><?xml version="1.0" encoding="utf-8"?>
+<file path=ppt/slides/slide23.xml><?xml version="1.0" encoding="utf-8"?>
 <p:sld xmlns:a="http://schemas.openxmlformats.org/drawingml/2006/main" xmlns:r="http://schemas.openxmlformats.org/officeDocument/2006/relationships" xmlns:p="http://schemas.openxmlformats.org/presentationml/2006/main">
   <p:cSld>
     <p:spTree>
@@ -9734,7 +10099,7 @@
             </a:r>
             <a:r>
               <a:rPr lang="pt-BR" dirty="0"/>
-              <a:t>, baixe o pacote em zip e vamos extrair a pastas Sprites, para a raiz da arvore do projeto (4).</a:t>
+              <a:t>, baixe o pacote em zip e vamos extrair as pastas Sprites e Scripts, para a raiz da arvore do projeto (4).</a:t>
             </a:r>
           </a:p>
           <a:p>
@@ -9742,6 +10107,36 @@
           </a:p>
         </p:txBody>
       </p:sp>
+      <p:pic>
+        <p:nvPicPr>
+          <p:cNvPr id="3" name="Imagem 2">
+            <a:extLst>
+              <a:ext uri="{FF2B5EF4-FFF2-40B4-BE49-F238E27FC236}">
+                <a16:creationId xmlns:a16="http://schemas.microsoft.com/office/drawing/2014/main" id="{DAB9C18A-3239-4D3B-A1DA-89A51B205C95}"/>
+              </a:ext>
+            </a:extLst>
+          </p:cNvPr>
+          <p:cNvPicPr>
+            <a:picLocks noChangeAspect="1"/>
+          </p:cNvPicPr>
+          <p:nvPr/>
+        </p:nvPicPr>
+        <p:blipFill>
+          <a:blip r:embed="rId3"/>
+          <a:stretch>
+            <a:fillRect/>
+          </a:stretch>
+        </p:blipFill>
+        <p:spPr>
+          <a:xfrm>
+            <a:off x="3103436" y="2980112"/>
+            <a:ext cx="5309045" cy="3261478"/>
+          </a:xfrm>
+          <a:prstGeom prst="rect">
+            <a:avLst/>
+          </a:prstGeom>
+        </p:spPr>
+      </p:pic>
     </p:spTree>
     <p:extLst>
       <p:ext uri="{BB962C8B-B14F-4D97-AF65-F5344CB8AC3E}">
@@ -9774,10 +10169,10 @@
       </p:grpSpPr>
       <p:pic>
         <p:nvPicPr>
-          <p:cNvPr id="5" name="Imagem 4">
-            <a:extLst>
-              <a:ext uri="{FF2B5EF4-FFF2-40B4-BE49-F238E27FC236}">
-                <a16:creationId xmlns:a16="http://schemas.microsoft.com/office/drawing/2014/main" id="{40E55B1D-D50C-29E5-2EA7-64CA1848CDB9}"/>
+          <p:cNvPr id="6" name="Imagem 5">
+            <a:extLst>
+              <a:ext uri="{FF2B5EF4-FFF2-40B4-BE49-F238E27FC236}">
+                <a16:creationId xmlns:a16="http://schemas.microsoft.com/office/drawing/2014/main" id="{F0F4111D-AB66-43F2-8108-6142F7064BE6}"/>
               </a:ext>
             </a:extLst>
           </p:cNvPr>
@@ -9787,7 +10182,37 @@
           <p:nvPr/>
         </p:nvPicPr>
         <p:blipFill>
-          <a:blip r:embed="rId2">
+          <a:blip r:embed="rId2"/>
+          <a:stretch>
+            <a:fillRect/>
+          </a:stretch>
+        </p:blipFill>
+        <p:spPr>
+          <a:xfrm>
+            <a:off x="9330826" y="1978429"/>
+            <a:ext cx="2744795" cy="2460642"/>
+          </a:xfrm>
+          <a:prstGeom prst="rect">
+            <a:avLst/>
+          </a:prstGeom>
+        </p:spPr>
+      </p:pic>
+      <p:pic>
+        <p:nvPicPr>
+          <p:cNvPr id="5" name="Imagem 4">
+            <a:extLst>
+              <a:ext uri="{FF2B5EF4-FFF2-40B4-BE49-F238E27FC236}">
+                <a16:creationId xmlns:a16="http://schemas.microsoft.com/office/drawing/2014/main" id="{40E55B1D-D50C-29E5-2EA7-64CA1848CDB9}"/>
+              </a:ext>
+            </a:extLst>
+          </p:cNvPr>
+          <p:cNvPicPr>
+            <a:picLocks noChangeAspect="1"/>
+          </p:cNvPicPr>
+          <p:nvPr/>
+        </p:nvPicPr>
+        <p:blipFill>
+          <a:blip r:embed="rId3">
             <a:extLst>
               <a:ext uri="{28A0092B-C50C-407E-A947-70E740481C1C}">
                 <a14:useLocalDpi xmlns:a14="http://schemas.microsoft.com/office/drawing/2010/main" val="0"/>
@@ -9800,8 +10225,8 @@
         </p:blipFill>
         <p:spPr>
           <a:xfrm>
-            <a:off x="9163322" y="305468"/>
-            <a:ext cx="2689345" cy="1753920"/>
+            <a:off x="9401694" y="242162"/>
+            <a:ext cx="2475911" cy="1614724"/>
           </a:xfrm>
           <a:prstGeom prst="rect">
             <a:avLst/>
@@ -9827,7 +10252,7 @@
         <p:spPr>
           <a:xfrm>
             <a:off x="838199" y="242162"/>
-            <a:ext cx="10515600" cy="877749"/>
+            <a:ext cx="6086303" cy="877749"/>
           </a:xfrm>
         </p:spPr>
         <p:txBody>
@@ -9860,13 +10285,13 @@
         </p:nvSpPr>
         <p:spPr>
           <a:xfrm>
-            <a:off x="838199" y="1119910"/>
-            <a:ext cx="10747159" cy="5495928"/>
+            <a:off x="116379" y="1119910"/>
+            <a:ext cx="11468980" cy="5646650"/>
           </a:xfrm>
         </p:spPr>
         <p:txBody>
           <a:bodyPr>
-            <a:normAutofit lnSpcReduction="10000"/>
+            <a:normAutofit fontScale="92500" lnSpcReduction="10000"/>
           </a:bodyPr>
           <a:lstStyle/>
           <a:p>
@@ -9889,13 +10314,68 @@
             </a:pPr>
             <a:r>
               <a:rPr lang="pt-BR" dirty="0"/>
-              <a:t> da tela para 4:3;</a:t>
+              <a:t> da tela para 4:3, para usarmos o padrão de tela dos</a:t>
+            </a:r>
+          </a:p>
+          <a:p>
+            <a:pPr marL="0" indent="0">
+              <a:buNone/>
+            </a:pPr>
+            <a:r>
+              <a:rPr lang="pt-BR" dirty="0"/>
+              <a:t> antigos arcades;</a:t>
             </a:r>
           </a:p>
           <a:p>
             <a:r>
               <a:rPr lang="pt-BR" dirty="0"/>
               <a:t>Na aba </a:t>
+            </a:r>
+            <a:r>
+              <a:rPr lang="pt-BR" dirty="0" err="1"/>
+              <a:t>Hierarcht</a:t>
+            </a:r>
+            <a:r>
+              <a:rPr lang="pt-BR" dirty="0"/>
+              <a:t> (em 1):</a:t>
+            </a:r>
+          </a:p>
+          <a:p>
+            <a:pPr lvl="1"/>
+            <a:r>
+              <a:rPr lang="pt-BR" dirty="0"/>
+              <a:t>Crie um </a:t>
+            </a:r>
+            <a:r>
+              <a:rPr lang="pt-BR" dirty="0" err="1"/>
+              <a:t>GameObject</a:t>
+            </a:r>
+            <a:r>
+              <a:rPr lang="pt-BR" dirty="0"/>
+              <a:t> </a:t>
+            </a:r>
+            <a:r>
+              <a:rPr lang="pt-BR" dirty="0" err="1"/>
+              <a:t>Empty</a:t>
+            </a:r>
+            <a:r>
+              <a:rPr lang="pt-BR" dirty="0"/>
+              <a:t> (vazio), renomeio para “</a:t>
+            </a:r>
+            <a:r>
+              <a:rPr lang="pt-BR" dirty="0" err="1"/>
+              <a:t>Cenario</a:t>
+            </a:r>
+            <a:r>
+              <a:rPr lang="pt-BR" dirty="0"/>
+              <a:t>”;</a:t>
+            </a:r>
+          </a:p>
+          <a:p>
+            <a:pPr lvl="1"/>
+            <a:r>
+              <a:rPr lang="pt-BR" dirty="0"/>
+              <a:t>Agora vamos inserir as imagens e ir ajustando na aba </a:t>
             </a:r>
             <a:r>
               <a:rPr lang="pt-BR" dirty="0" err="1"/>
@@ -9903,35 +10383,40 @@
             </a:r>
             <a:r>
               <a:rPr lang="pt-BR" dirty="0"/>
-              <a:t> (</a:t>
-            </a:r>
-            <a:r>
-              <a:rPr lang="pt-BR"/>
-              <a:t>em 1):</a:t>
-            </a:r>
-            <a:endParaRPr lang="pt-BR" dirty="0"/>
+              <a:t> pra formar o</a:t>
+            </a:r>
           </a:p>
           <a:p>
             <a:pPr lvl="1"/>
             <a:r>
               <a:rPr lang="pt-BR" dirty="0"/>
-              <a:t>Crie um </a:t>
-            </a:r>
+              <a:t> cenário do jogo;</a:t>
+            </a:r>
+          </a:p>
+          <a:p>
+            <a:pPr lvl="1"/>
+            <a:r>
+              <a:rPr lang="pt-BR" dirty="0"/>
+              <a:t>Na pasta Sprite, arraste o sprite “</a:t>
+            </a:r>
+            <a:r>
+              <a:rPr lang="pt-BR" dirty="0" err="1"/>
+              <a:t>SkySprite</a:t>
+            </a:r>
+            <a:r>
+              <a:rPr lang="pt-BR" dirty="0"/>
+              <a:t>” (em 4) para cima do </a:t>
+            </a:r>
+          </a:p>
+          <a:p>
+            <a:pPr lvl="1"/>
             <a:r>
               <a:rPr lang="pt-BR" dirty="0" err="1"/>
               <a:t>GameObject</a:t>
             </a:r>
             <a:r>
               <a:rPr lang="pt-BR" dirty="0"/>
-              <a:t> </a:t>
-            </a:r>
-            <a:r>
-              <a:rPr lang="pt-BR" dirty="0" err="1"/>
-              <a:t>Empty</a:t>
-            </a:r>
-            <a:r>
-              <a:rPr lang="pt-BR" dirty="0"/>
-              <a:t> (vazio), renomeio para “</a:t>
+              <a:t> (</a:t>
             </a:r>
             <a:r>
               <a:rPr lang="pt-BR" dirty="0" err="1"/>
@@ -9939,7 +10424,7 @@
             </a:r>
             <a:r>
               <a:rPr lang="pt-BR" dirty="0"/>
-              <a:t>”;</a:t>
+              <a:t>) (em 1) e solte, aperte F2 e renomeie para “Fundo”;</a:t>
             </a:r>
           </a:p>
           <a:p>
@@ -9950,11 +10435,11 @@
             </a:r>
             <a:r>
               <a:rPr lang="pt-BR" dirty="0" err="1"/>
-              <a:t>SkySprite</a:t>
-            </a:r>
-            <a:r>
-              <a:rPr lang="pt-BR" dirty="0"/>
-              <a:t>” (em 4) para cima do </a:t>
+              <a:t>GrassSprite</a:t>
+            </a:r>
+            <a:r>
+              <a:rPr lang="pt-BR" dirty="0"/>
+              <a:t>” para cima do </a:t>
             </a:r>
             <a:r>
               <a:rPr lang="pt-BR" dirty="0" err="1"/>
@@ -9970,18 +10455,18 @@
             </a:r>
             <a:r>
               <a:rPr lang="pt-BR" dirty="0"/>
-              <a:t>) (em 1) e solte, aperte F2 e renomeie para “Fundo”;</a:t>
+              <a:t>) e solte, aperte F2 e renomeie para “Chao”, após redimensione até ajustar a tela de jogo;</a:t>
             </a:r>
           </a:p>
           <a:p>
             <a:pPr lvl="1"/>
             <a:r>
               <a:rPr lang="pt-BR" dirty="0"/>
-              <a:t>Arraste o sprite “</a:t>
+              <a:t>Arraste dois sprite “</a:t>
             </a:r>
             <a:r>
               <a:rPr lang="pt-BR" dirty="0" err="1"/>
-              <a:t>GrassSprite</a:t>
+              <a:t>ColumnShortSprite</a:t>
             </a:r>
             <a:r>
               <a:rPr lang="pt-BR" dirty="0"/>
@@ -10001,37 +10486,6 @@
             </a:r>
             <a:r>
               <a:rPr lang="pt-BR" dirty="0"/>
-              <a:t>) e solte, aperte F2 e renomeie para “Chao”, após redimensione até ajustar a tela de jogo;</a:t>
-            </a:r>
-          </a:p>
-          <a:p>
-            <a:pPr lvl="1"/>
-            <a:r>
-              <a:rPr lang="pt-BR" dirty="0"/>
-              <a:t>Arraste dois sprite “</a:t>
-            </a:r>
-            <a:r>
-              <a:rPr lang="pt-BR" dirty="0" err="1"/>
-              <a:t>ColumnShortSprite</a:t>
-            </a:r>
-            <a:r>
-              <a:rPr lang="pt-BR" dirty="0"/>
-              <a:t>” para cima do </a:t>
-            </a:r>
-            <a:r>
-              <a:rPr lang="pt-BR" dirty="0" err="1"/>
-              <a:t>GameObject</a:t>
-            </a:r>
-            <a:r>
-              <a:rPr lang="pt-BR" dirty="0"/>
-              <a:t> (</a:t>
-            </a:r>
-            <a:r>
-              <a:rPr lang="pt-BR" dirty="0" err="1"/>
-              <a:t>Cenario</a:t>
-            </a:r>
-            <a:r>
-              <a:rPr lang="pt-BR" dirty="0"/>
               <a:t>) e solte, aperte F2 e renomeie para “</a:t>
             </a:r>
             <a:r>
@@ -10055,23 +10509,15 @@
             <a:pPr lvl="1"/>
             <a:r>
               <a:rPr lang="pt-BR" dirty="0"/>
-              <a:t>Crie um </a:t>
+              <a:t>Duplique o Objeto “</a:t>
             </a:r>
             <a:r>
               <a:rPr lang="pt-BR" dirty="0" err="1"/>
-              <a:t>GameObject</a:t>
-            </a:r>
-            <a:r>
-              <a:rPr lang="pt-BR" dirty="0"/>
-              <a:t> </a:t>
-            </a:r>
-            <a:r>
-              <a:rPr lang="pt-BR" dirty="0" err="1"/>
-              <a:t>Empty</a:t>
-            </a:r>
-            <a:r>
-              <a:rPr lang="pt-BR" dirty="0"/>
-              <a:t> em Cenário e renomeie para “Topo”.</a:t>
+              <a:t>Chao</a:t>
+            </a:r>
+            <a:r>
+              <a:rPr lang="pt-BR" dirty="0"/>
+              <a:t>” em Cenário e renomeie para “Topo” e coloque em cima.</a:t>
             </a:r>
           </a:p>
           <a:p>
@@ -10128,7 +10574,7 @@
           <p:cNvPr id="2" name="Título 1">
             <a:extLst>
               <a:ext uri="{FF2B5EF4-FFF2-40B4-BE49-F238E27FC236}">
-                <a16:creationId xmlns:a16="http://schemas.microsoft.com/office/drawing/2014/main" id="{4950DEC3-DF6C-1EE0-FD04-08B960588EAB}"/>
+                <a16:creationId xmlns:a16="http://schemas.microsoft.com/office/drawing/2014/main" id="{162DF89A-4B71-450B-AA33-B5BD86803778}"/>
               </a:ext>
             </a:extLst>
           </p:cNvPr>
@@ -10139,21 +10585,20 @@
             <p:ph type="title"/>
           </p:nvPr>
         </p:nvSpPr>
-        <p:spPr>
-          <a:xfrm>
-            <a:off x="838200" y="103742"/>
-            <a:ext cx="10515600" cy="1325563"/>
-          </a:xfrm>
-        </p:spPr>
+        <p:spPr/>
         <p:txBody>
           <a:bodyPr/>
           <a:lstStyle/>
           <a:p>
             <a:r>
               <a:rPr lang="pt-BR" b="1" dirty="0"/>
-              <a:t>Vamos Criar as Colisões do Topo</a:t>
-            </a:r>
-            <a:endParaRPr lang="en-US" b="1" dirty="0"/>
+              <a:t>Vamos criar um material físico </a:t>
+            </a:r>
+            <a:r>
+              <a:rPr lang="pt-BR" b="1" dirty="0" err="1"/>
+              <a:t>quicável</a:t>
+            </a:r>
+            <a:endParaRPr lang="pt-BR" b="1" dirty="0"/>
           </a:p>
         </p:txBody>
       </p:sp>
@@ -10162,7 +10607,7 @@
           <p:cNvPr id="3" name="Espaço Reservado para Conteúdo 2">
             <a:extLst>
               <a:ext uri="{FF2B5EF4-FFF2-40B4-BE49-F238E27FC236}">
-                <a16:creationId xmlns:a16="http://schemas.microsoft.com/office/drawing/2014/main" id="{8DB93695-2D81-E234-8148-4C552BEF6EE1}"/>
+                <a16:creationId xmlns:a16="http://schemas.microsoft.com/office/drawing/2014/main" id="{0DD4B6F9-FEFE-4B15-98DD-F18E996292B1}"/>
               </a:ext>
             </a:extLst>
           </p:cNvPr>
@@ -10173,281 +10618,203 @@
             <p:ph idx="1"/>
           </p:nvPr>
         </p:nvSpPr>
+        <p:spPr/>
+        <p:txBody>
+          <a:bodyPr/>
+          <a:lstStyle/>
+          <a:p>
+            <a:r>
+              <a:rPr lang="pt-BR" dirty="0"/>
+              <a:t>Em Project (em 4), na pasta </a:t>
+            </a:r>
+            <a:r>
+              <a:rPr lang="pt-BR" dirty="0" err="1"/>
+              <a:t>Assets</a:t>
+            </a:r>
+            <a:r>
+              <a:rPr lang="pt-BR" dirty="0"/>
+              <a:t>, vamos criar um material </a:t>
+            </a:r>
+            <a:r>
+              <a:rPr lang="pt-BR" dirty="0" err="1"/>
+              <a:t>Bounce</a:t>
+            </a:r>
+            <a:r>
+              <a:rPr lang="pt-BR" dirty="0"/>
+              <a:t> (</a:t>
+            </a:r>
+            <a:r>
+              <a:rPr lang="pt-BR" dirty="0" err="1"/>
+              <a:t>quicavel</a:t>
+            </a:r>
+            <a:r>
+              <a:rPr lang="pt-BR" dirty="0"/>
+              <a:t>), pra isso na arvore do projeto, crie uma nova pasta (Folder) chamada Material;</a:t>
+            </a:r>
+          </a:p>
+          <a:p>
+            <a:r>
+              <a:rPr lang="pt-BR" dirty="0"/>
+              <a:t>Na pasta Material, crie (botão direito-&gt;</a:t>
+            </a:r>
+            <a:r>
+              <a:rPr lang="pt-BR" dirty="0" err="1"/>
+              <a:t>Create</a:t>
+            </a:r>
+            <a:r>
+              <a:rPr lang="pt-BR" dirty="0"/>
+              <a:t>) um novo “</a:t>
+            </a:r>
+            <a:r>
+              <a:rPr lang="pt-BR" dirty="0" err="1"/>
+              <a:t>Physics</a:t>
+            </a:r>
+            <a:r>
+              <a:rPr lang="pt-BR" dirty="0"/>
+              <a:t> Material 2D” em </a:t>
+            </a:r>
+            <a:r>
+              <a:rPr lang="pt-BR" dirty="0" err="1"/>
+              <a:t>Create</a:t>
+            </a:r>
+            <a:r>
+              <a:rPr lang="pt-BR" dirty="0"/>
+              <a:t>-&gt;2D e renomeie pra “</a:t>
+            </a:r>
+            <a:r>
+              <a:rPr lang="pt-BR" dirty="0" err="1"/>
+              <a:t>Bounce</a:t>
+            </a:r>
+            <a:r>
+              <a:rPr lang="pt-BR" dirty="0"/>
+              <a:t>”;</a:t>
+            </a:r>
+          </a:p>
+          <a:p>
+            <a:r>
+              <a:rPr lang="en-US" dirty="0"/>
+              <a:t>O </a:t>
+            </a:r>
+            <a:r>
+              <a:rPr lang="en-US" dirty="0" err="1"/>
+              <a:t>ajuste</a:t>
+            </a:r>
+            <a:r>
+              <a:rPr lang="en-US" dirty="0"/>
+              <a:t> de Bounce, </a:t>
+            </a:r>
+            <a:r>
+              <a:rPr lang="en-US" dirty="0" err="1"/>
+              <a:t>fica</a:t>
+            </a:r>
+            <a:r>
+              <a:rPr lang="en-US" dirty="0"/>
+              <a:t> a </a:t>
+            </a:r>
+            <a:r>
+              <a:rPr lang="en-US" dirty="0" err="1"/>
+              <a:t>seu</a:t>
+            </a:r>
+            <a:r>
+              <a:rPr lang="en-US" dirty="0"/>
+              <a:t> </a:t>
+            </a:r>
+            <a:r>
+              <a:rPr lang="en-US" dirty="0" err="1"/>
+              <a:t>critério</a:t>
+            </a:r>
+            <a:r>
+              <a:rPr lang="en-US" dirty="0"/>
+              <a:t>, mas </a:t>
+            </a:r>
+            <a:r>
+              <a:rPr lang="en-US" dirty="0" err="1"/>
+              <a:t>vamos</a:t>
+            </a:r>
+            <a:r>
+              <a:rPr lang="en-US" dirty="0"/>
+              <a:t> </a:t>
+            </a:r>
+            <a:r>
+              <a:rPr lang="en-US" dirty="0" err="1"/>
+              <a:t>iniciar</a:t>
+            </a:r>
+            <a:r>
+              <a:rPr lang="en-US" dirty="0"/>
+              <a:t> com </a:t>
+            </a:r>
+            <a:r>
+              <a:rPr lang="en-US" dirty="0" err="1"/>
+              <a:t>os</a:t>
+            </a:r>
+            <a:r>
+              <a:rPr lang="en-US" dirty="0"/>
+              <a:t> dados Dynamic Friction 0 e Bounciness 1 (com </a:t>
+            </a:r>
+            <a:r>
+              <a:rPr lang="en-US" dirty="0" err="1"/>
+              <a:t>isso</a:t>
+            </a:r>
+            <a:r>
+              <a:rPr lang="en-US" dirty="0"/>
+              <a:t> </a:t>
+            </a:r>
+            <a:r>
+              <a:rPr lang="en-US" dirty="0" err="1"/>
+              <a:t>temos</a:t>
+            </a:r>
+            <a:r>
+              <a:rPr lang="en-US" dirty="0"/>
+              <a:t> um material </a:t>
+            </a:r>
+            <a:r>
+              <a:rPr lang="en-US" dirty="0" err="1"/>
+              <a:t>quicavel</a:t>
+            </a:r>
+            <a:r>
+              <a:rPr lang="en-US" dirty="0"/>
+              <a:t>);</a:t>
+            </a:r>
+          </a:p>
+          <a:p>
+            <a:endParaRPr lang="pt-BR" dirty="0"/>
+          </a:p>
+        </p:txBody>
+      </p:sp>
+      <p:pic>
+        <p:nvPicPr>
+          <p:cNvPr id="5" name="Imagem 4">
+            <a:extLst>
+              <a:ext uri="{FF2B5EF4-FFF2-40B4-BE49-F238E27FC236}">
+                <a16:creationId xmlns:a16="http://schemas.microsoft.com/office/drawing/2014/main" id="{A38440C5-D669-4CB5-BCCE-BD1354D68ED6}"/>
+              </a:ext>
+            </a:extLst>
+          </p:cNvPr>
+          <p:cNvPicPr>
+            <a:picLocks noChangeAspect="1"/>
+          </p:cNvPicPr>
+          <p:nvPr/>
+        </p:nvPicPr>
+        <p:blipFill>
+          <a:blip r:embed="rId2"/>
+          <a:stretch>
+            <a:fillRect/>
+          </a:stretch>
+        </p:blipFill>
         <p:spPr>
           <a:xfrm>
-            <a:off x="461177" y="1343770"/>
-            <a:ext cx="11187484" cy="5410488"/>
+            <a:off x="5305770" y="4851261"/>
+            <a:ext cx="1931628" cy="1798921"/>
           </a:xfrm>
+          <a:prstGeom prst="rect">
+            <a:avLst/>
+          </a:prstGeom>
         </p:spPr>
-        <p:txBody>
-          <a:bodyPr>
-            <a:normAutofit fontScale="85000" lnSpcReduction="10000"/>
-          </a:bodyPr>
-          <a:lstStyle/>
-          <a:p>
-            <a:r>
-              <a:rPr lang="pt-BR" dirty="0"/>
-              <a:t>Selecione o Topo em no Inspector (em 3), clique me </a:t>
-            </a:r>
-            <a:r>
-              <a:rPr lang="pt-BR" dirty="0" err="1"/>
-              <a:t>Add</a:t>
-            </a:r>
-            <a:r>
-              <a:rPr lang="pt-BR" dirty="0"/>
-              <a:t> </a:t>
-            </a:r>
-            <a:r>
-              <a:rPr lang="pt-BR" dirty="0" err="1"/>
-              <a:t>Component</a:t>
-            </a:r>
-            <a:r>
-              <a:rPr lang="pt-BR" dirty="0"/>
-              <a:t> para adicionarmos os componentes “</a:t>
-            </a:r>
-            <a:r>
-              <a:rPr lang="pt-BR" dirty="0" err="1"/>
-              <a:t>Rigidbody</a:t>
-            </a:r>
-            <a:r>
-              <a:rPr lang="pt-BR" dirty="0"/>
-              <a:t> 2D” e “Box </a:t>
-            </a:r>
-            <a:r>
-              <a:rPr lang="pt-BR" dirty="0" err="1"/>
-              <a:t>Collider</a:t>
-            </a:r>
-            <a:r>
-              <a:rPr lang="pt-BR" dirty="0"/>
-              <a:t> 2D”;</a:t>
-            </a:r>
-          </a:p>
-          <a:p>
-            <a:r>
-              <a:rPr lang="pt-BR" dirty="0"/>
-              <a:t>Posicione a caixa de colisão a cima do cenário utilizando a propriedade </a:t>
-            </a:r>
-            <a:r>
-              <a:rPr lang="pt-BR" dirty="0" err="1"/>
-              <a:t>Transform</a:t>
-            </a:r>
-            <a:r>
-              <a:rPr lang="pt-BR" dirty="0"/>
-              <a:t> do Inspetor (em 3) ou as ferramentas em 6;</a:t>
-            </a:r>
-          </a:p>
-          <a:p>
-            <a:r>
-              <a:rPr lang="pt-BR" dirty="0"/>
-              <a:t>Em </a:t>
-            </a:r>
-            <a:r>
-              <a:rPr lang="pt-BR" dirty="0" err="1"/>
-              <a:t>Rigidbody</a:t>
-            </a:r>
-            <a:r>
-              <a:rPr lang="pt-BR" dirty="0"/>
-              <a:t> 2D, em </a:t>
-            </a:r>
-            <a:r>
-              <a:rPr lang="pt-BR" dirty="0" err="1"/>
-              <a:t>Constraints</a:t>
-            </a:r>
-            <a:r>
-              <a:rPr lang="pt-BR" dirty="0"/>
-              <a:t> ative X, Y e Z para ficarem fixos;</a:t>
-            </a:r>
-          </a:p>
-          <a:p>
-            <a:r>
-              <a:rPr lang="pt-BR" dirty="0"/>
-              <a:t>Em </a:t>
-            </a:r>
-            <a:r>
-              <a:rPr lang="pt-BR" dirty="0" err="1"/>
-              <a:t>Rigidbody</a:t>
-            </a:r>
-            <a:r>
-              <a:rPr lang="pt-BR" dirty="0"/>
-              <a:t> 2D, em Mass (massa física), coloque 100;</a:t>
-            </a:r>
-          </a:p>
-          <a:p>
-            <a:r>
-              <a:rPr lang="pt-BR" dirty="0"/>
-              <a:t>Em Project (em 4), vamos criar um material </a:t>
-            </a:r>
-            <a:r>
-              <a:rPr lang="pt-BR" dirty="0" err="1"/>
-              <a:t>Bounce</a:t>
-            </a:r>
-            <a:r>
-              <a:rPr lang="pt-BR" dirty="0"/>
-              <a:t> (</a:t>
-            </a:r>
-            <a:r>
-              <a:rPr lang="pt-BR" dirty="0" err="1"/>
-              <a:t>quicavel</a:t>
-            </a:r>
-            <a:r>
-              <a:rPr lang="pt-BR" dirty="0"/>
-              <a:t>), pra isso na arvore do projeto, crie uma nova pasta chamada Material;</a:t>
-            </a:r>
-          </a:p>
-          <a:p>
-            <a:r>
-              <a:rPr lang="pt-BR" dirty="0"/>
-              <a:t>Na pasta Material, crie um novo “</a:t>
-            </a:r>
-            <a:r>
-              <a:rPr lang="pt-BR" dirty="0" err="1"/>
-              <a:t>Physics</a:t>
-            </a:r>
-            <a:r>
-              <a:rPr lang="pt-BR" dirty="0"/>
-              <a:t> Material 2D” e renomeie pra “</a:t>
-            </a:r>
-            <a:r>
-              <a:rPr lang="pt-BR" dirty="0" err="1"/>
-              <a:t>Bounce</a:t>
-            </a:r>
-            <a:r>
-              <a:rPr lang="pt-BR" dirty="0"/>
-              <a:t>”;</a:t>
-            </a:r>
-          </a:p>
-          <a:p>
-            <a:r>
-              <a:rPr lang="en-US" dirty="0"/>
-              <a:t>O </a:t>
-            </a:r>
-            <a:r>
-              <a:rPr lang="en-US" dirty="0" err="1"/>
-              <a:t>ajuste</a:t>
-            </a:r>
-            <a:r>
-              <a:rPr lang="en-US" dirty="0"/>
-              <a:t> de Bounce, </a:t>
-            </a:r>
-            <a:r>
-              <a:rPr lang="en-US" dirty="0" err="1"/>
-              <a:t>fica</a:t>
-            </a:r>
-            <a:r>
-              <a:rPr lang="en-US" dirty="0"/>
-              <a:t> a </a:t>
-            </a:r>
-            <a:r>
-              <a:rPr lang="en-US" dirty="0" err="1"/>
-              <a:t>seu</a:t>
-            </a:r>
-            <a:r>
-              <a:rPr lang="en-US" dirty="0"/>
-              <a:t> </a:t>
-            </a:r>
-            <a:r>
-              <a:rPr lang="en-US" dirty="0" err="1"/>
-              <a:t>critério</a:t>
-            </a:r>
-            <a:r>
-              <a:rPr lang="en-US" dirty="0"/>
-              <a:t>, mas </a:t>
-            </a:r>
-            <a:r>
-              <a:rPr lang="en-US" dirty="0" err="1"/>
-              <a:t>vamos</a:t>
-            </a:r>
-            <a:r>
-              <a:rPr lang="en-US" dirty="0"/>
-              <a:t> </a:t>
-            </a:r>
-            <a:r>
-              <a:rPr lang="en-US" dirty="0" err="1"/>
-              <a:t>iniciar</a:t>
-            </a:r>
-            <a:r>
-              <a:rPr lang="en-US" dirty="0"/>
-              <a:t> com </a:t>
-            </a:r>
-            <a:r>
-              <a:rPr lang="en-US" dirty="0" err="1"/>
-              <a:t>os</a:t>
-            </a:r>
-            <a:r>
-              <a:rPr lang="en-US" dirty="0"/>
-              <a:t> dados Friction 0 e Bounciness 1;</a:t>
-            </a:r>
-          </a:p>
-          <a:p>
-            <a:r>
-              <a:rPr lang="pt-BR" dirty="0"/>
-              <a:t>Em Box </a:t>
-            </a:r>
-            <a:r>
-              <a:rPr lang="pt-BR" dirty="0" err="1"/>
-              <a:t>Collider</a:t>
-            </a:r>
-            <a:r>
-              <a:rPr lang="pt-BR" dirty="0"/>
-              <a:t> 2D, ajuste </a:t>
-            </a:r>
-            <a:r>
-              <a:rPr lang="pt-BR" dirty="0" err="1"/>
-              <a:t>Size</a:t>
-            </a:r>
-            <a:r>
-              <a:rPr lang="pt-BR" dirty="0"/>
-              <a:t> para os limites de colisão desejados ou em </a:t>
-            </a:r>
-            <a:r>
-              <a:rPr lang="pt-BR" dirty="0" err="1"/>
-              <a:t>Edit</a:t>
-            </a:r>
-            <a:r>
-              <a:rPr lang="pt-BR" dirty="0"/>
-              <a:t> </a:t>
-            </a:r>
-            <a:r>
-              <a:rPr lang="pt-BR" dirty="0" err="1"/>
-              <a:t>Collider</a:t>
-            </a:r>
-            <a:r>
-              <a:rPr lang="pt-BR" dirty="0"/>
-              <a:t>.</a:t>
-            </a:r>
-          </a:p>
-          <a:p>
-            <a:r>
-              <a:rPr lang="pt-BR" dirty="0"/>
-              <a:t>Agora clicando em Topo, podemos adicionar </a:t>
-            </a:r>
-            <a:r>
-              <a:rPr lang="pt-BR" dirty="0" err="1"/>
-              <a:t>Bounce</a:t>
-            </a:r>
-            <a:r>
-              <a:rPr lang="pt-BR" dirty="0"/>
-              <a:t> através de Box </a:t>
-            </a:r>
-            <a:r>
-              <a:rPr lang="pt-BR" dirty="0" err="1"/>
-              <a:t>Collider</a:t>
-            </a:r>
-            <a:r>
-              <a:rPr lang="pt-BR" dirty="0"/>
-              <a:t> 2D em Material.</a:t>
-            </a:r>
-            <a:endParaRPr lang="en-US" dirty="0"/>
-          </a:p>
-          <a:p>
-            <a:endParaRPr lang="en-US" dirty="0"/>
-          </a:p>
-        </p:txBody>
-      </p:sp>
+      </p:pic>
     </p:spTree>
     <p:extLst>
       <p:ext uri="{BB962C8B-B14F-4D97-AF65-F5344CB8AC3E}">
-        <p14:creationId xmlns:p14="http://schemas.microsoft.com/office/powerpoint/2010/main" val="1524162716"/>
+        <p14:creationId xmlns:p14="http://schemas.microsoft.com/office/powerpoint/2010/main" val="4009725737"/>
       </p:ext>
     </p:extLst>
   </p:cSld>
@@ -10479,7 +10846,7 @@
           <p:cNvPr id="2" name="Título 1">
             <a:extLst>
               <a:ext uri="{FF2B5EF4-FFF2-40B4-BE49-F238E27FC236}">
-                <a16:creationId xmlns:a16="http://schemas.microsoft.com/office/drawing/2014/main" id="{128F9A92-69BF-3D5B-1CBD-BB061BB8678A}"/>
+                <a16:creationId xmlns:a16="http://schemas.microsoft.com/office/drawing/2014/main" id="{4950DEC3-DF6C-1EE0-FD04-08B960588EAB}"/>
               </a:ext>
             </a:extLst>
           </p:cNvPr>
@@ -10490,14 +10857,19 @@
             <p:ph type="title"/>
           </p:nvPr>
         </p:nvSpPr>
-        <p:spPr/>
+        <p:spPr>
+          <a:xfrm>
+            <a:off x="580506" y="415712"/>
+            <a:ext cx="10515600" cy="1325563"/>
+          </a:xfrm>
+        </p:spPr>
         <p:txBody>
           <a:bodyPr/>
           <a:lstStyle/>
           <a:p>
             <a:r>
               <a:rPr lang="pt-BR" b="1" dirty="0"/>
-              <a:t>Vamos Criar as Colisões das Paredes</a:t>
+              <a:t>Vamos Criar as Colisões do Topo</a:t>
             </a:r>
             <a:endParaRPr lang="en-US" b="1" dirty="0"/>
           </a:p>
@@ -10508,7 +10880,7 @@
           <p:cNvPr id="3" name="Espaço Reservado para Conteúdo 2">
             <a:extLst>
               <a:ext uri="{FF2B5EF4-FFF2-40B4-BE49-F238E27FC236}">
-                <a16:creationId xmlns:a16="http://schemas.microsoft.com/office/drawing/2014/main" id="{F515C64B-5744-0F5B-BD77-5C71D80D9EFA}"/>
+                <a16:creationId xmlns:a16="http://schemas.microsoft.com/office/drawing/2014/main" id="{8DB93695-2D81-E234-8148-4C552BEF6EE1}"/>
               </a:ext>
             </a:extLst>
           </p:cNvPr>
@@ -10519,14 +10891,37 @@
             <p:ph idx="1"/>
           </p:nvPr>
         </p:nvSpPr>
-        <p:spPr/>
-        <p:txBody>
-          <a:bodyPr/>
+        <p:spPr>
+          <a:xfrm>
+            <a:off x="108065" y="1529543"/>
+            <a:ext cx="9825644" cy="4701014"/>
+          </a:xfrm>
+        </p:spPr>
+        <p:txBody>
+          <a:bodyPr>
+            <a:normAutofit fontScale="92500"/>
+          </a:bodyPr>
           <a:lstStyle/>
           <a:p>
             <a:r>
               <a:rPr lang="pt-BR" dirty="0"/>
-              <a:t>Para as paredes, adicione “</a:t>
+              <a:t>Selecione o Topo em no Inspector (em 3), clique me </a:t>
+            </a:r>
+            <a:r>
+              <a:rPr lang="pt-BR" dirty="0" err="1"/>
+              <a:t>Add</a:t>
+            </a:r>
+            <a:r>
+              <a:rPr lang="pt-BR" dirty="0"/>
+              <a:t> </a:t>
+            </a:r>
+            <a:r>
+              <a:rPr lang="pt-BR" dirty="0" err="1"/>
+              <a:t>Component</a:t>
+            </a:r>
+            <a:r>
+              <a:rPr lang="pt-BR" dirty="0"/>
+              <a:t> para adicionarmos os componentes “</a:t>
             </a:r>
             <a:r>
               <a:rPr lang="pt-BR" dirty="0" err="1"/>
@@ -10548,7 +10943,21 @@
           <a:p>
             <a:r>
               <a:rPr lang="pt-BR" dirty="0"/>
-              <a:t> Em </a:t>
+              <a:t>Posicione a caixa de colisão a cima do cenário utilizando a propriedade </a:t>
+            </a:r>
+            <a:r>
+              <a:rPr lang="pt-BR" dirty="0" err="1"/>
+              <a:t>Transform</a:t>
+            </a:r>
+            <a:r>
+              <a:rPr lang="pt-BR" dirty="0"/>
+              <a:t> do Inspetor (em 3) ou as ferramentas em 6;</a:t>
+            </a:r>
+          </a:p>
+          <a:p>
+            <a:r>
+              <a:rPr lang="pt-BR" dirty="0"/>
+              <a:t>Em </a:t>
             </a:r>
             <a:r>
               <a:rPr lang="pt-BR" dirty="0" err="1"/>
@@ -10578,7 +10987,51 @@
             </a:r>
             <a:r>
               <a:rPr lang="pt-BR" dirty="0"/>
-              <a:t> 2D, insira o material </a:t>
+              <a:t> 2D, em Mass (massa física), coloque 100;</a:t>
+            </a:r>
+          </a:p>
+          <a:p>
+            <a:r>
+              <a:rPr lang="pt-BR" dirty="0"/>
+              <a:t>Em Box </a:t>
+            </a:r>
+            <a:r>
+              <a:rPr lang="pt-BR" dirty="0" err="1"/>
+              <a:t>Collider</a:t>
+            </a:r>
+            <a:r>
+              <a:rPr lang="pt-BR" dirty="0"/>
+              <a:t> 2D, ajuste </a:t>
+            </a:r>
+            <a:r>
+              <a:rPr lang="pt-BR" dirty="0" err="1"/>
+              <a:t>Size</a:t>
+            </a:r>
+            <a:r>
+              <a:rPr lang="pt-BR" dirty="0"/>
+              <a:t> para os limites de colisão desejados ou em </a:t>
+            </a:r>
+            <a:r>
+              <a:rPr lang="pt-BR" dirty="0" err="1"/>
+              <a:t>Edit</a:t>
+            </a:r>
+            <a:r>
+              <a:rPr lang="pt-BR" dirty="0"/>
+              <a:t> </a:t>
+            </a:r>
+            <a:r>
+              <a:rPr lang="pt-BR" dirty="0" err="1"/>
+              <a:t>Collider</a:t>
+            </a:r>
+            <a:r>
+              <a:rPr lang="pt-BR" dirty="0"/>
+              <a:t>.</a:t>
+            </a:r>
+          </a:p>
+          <a:p>
+            <a:r>
+              <a:rPr lang="pt-BR" dirty="0"/>
+              <a:t>Agora clicando em Topo, podemos adicionar o material </a:t>
             </a:r>
             <a:r>
               <a:rPr lang="pt-BR" dirty="0" err="1"/>
@@ -10586,27 +11039,7 @@
             </a:r>
             <a:r>
               <a:rPr lang="pt-BR" dirty="0"/>
-              <a:t>;</a:t>
-            </a:r>
-          </a:p>
-          <a:p>
-            <a:r>
-              <a:rPr lang="pt-BR" dirty="0"/>
-              <a:t>Em </a:t>
-            </a:r>
-            <a:r>
-              <a:rPr lang="pt-BR" dirty="0" err="1"/>
-              <a:t>Rigidbody</a:t>
-            </a:r>
-            <a:r>
-              <a:rPr lang="pt-BR" dirty="0"/>
-              <a:t> 2D, em Mass (Massa), coloque 1000;</a:t>
-            </a:r>
-          </a:p>
-          <a:p>
-            <a:r>
-              <a:rPr lang="pt-BR" dirty="0"/>
-              <a:t>Em Box </a:t>
+              <a:t> através de Box </a:t>
             </a:r>
             <a:r>
               <a:rPr lang="pt-BR" dirty="0" err="1"/>
@@ -10614,42 +11047,49 @@
             </a:r>
             <a:r>
               <a:rPr lang="pt-BR" dirty="0"/>
-              <a:t> 2D, ajuste </a:t>
-            </a:r>
-            <a:r>
-              <a:rPr lang="pt-BR" dirty="0" err="1"/>
-              <a:t>Size</a:t>
-            </a:r>
-            <a:r>
-              <a:rPr lang="pt-BR" dirty="0"/>
-              <a:t> para os limites de colisão desejados ou em </a:t>
-            </a:r>
-            <a:r>
-              <a:rPr lang="pt-BR" dirty="0" err="1"/>
-              <a:t>Edit</a:t>
-            </a:r>
-            <a:r>
-              <a:rPr lang="pt-BR" dirty="0"/>
-              <a:t> </a:t>
-            </a:r>
-            <a:r>
-              <a:rPr lang="pt-BR" dirty="0" err="1"/>
-              <a:t>Collider</a:t>
-            </a:r>
-            <a:r>
-              <a:rPr lang="pt-BR" dirty="0"/>
-              <a:t>.</a:t>
-            </a:r>
-          </a:p>
-          <a:p>
+              <a:t> 2D em Material.</a:t>
+            </a:r>
             <a:endParaRPr lang="en-US" dirty="0"/>
           </a:p>
-        </p:txBody>
-      </p:sp>
+          <a:p>
+            <a:endParaRPr lang="en-US" dirty="0"/>
+          </a:p>
+        </p:txBody>
+      </p:sp>
+      <p:pic>
+        <p:nvPicPr>
+          <p:cNvPr id="5" name="Imagem 4">
+            <a:extLst>
+              <a:ext uri="{FF2B5EF4-FFF2-40B4-BE49-F238E27FC236}">
+                <a16:creationId xmlns:a16="http://schemas.microsoft.com/office/drawing/2014/main" id="{4FCFA720-1E09-4BAB-A20C-E653A9BC5E68}"/>
+              </a:ext>
+            </a:extLst>
+          </p:cNvPr>
+          <p:cNvPicPr>
+            <a:picLocks noChangeAspect="1"/>
+          </p:cNvPicPr>
+          <p:nvPr/>
+        </p:nvPicPr>
+        <p:blipFill>
+          <a:blip r:embed="rId2"/>
+          <a:stretch>
+            <a:fillRect/>
+          </a:stretch>
+        </p:blipFill>
+        <p:spPr>
+          <a:xfrm>
+            <a:off x="9677096" y="1845546"/>
+            <a:ext cx="2406839" cy="2817774"/>
+          </a:xfrm>
+          <a:prstGeom prst="rect">
+            <a:avLst/>
+          </a:prstGeom>
+        </p:spPr>
+      </p:pic>
     </p:spTree>
     <p:extLst>
       <p:ext uri="{BB962C8B-B14F-4D97-AF65-F5344CB8AC3E}">
-        <p14:creationId xmlns:p14="http://schemas.microsoft.com/office/powerpoint/2010/main" val="1046294572"/>
+        <p14:creationId xmlns:p14="http://schemas.microsoft.com/office/powerpoint/2010/main" val="1524162716"/>
       </p:ext>
     </p:extLst>
   </p:cSld>
